--- a/S1 - Introducción a BD y ML/S0_Descripcion_curso.pptx
+++ b/S1 - Introducción a BD y ML/S0_Descripcion_curso.pptx
@@ -5,7 +5,7 @@
     <p:sldMasterId id="2147483648" r:id="rId1"/>
   </p:sldMasterIdLst>
   <p:notesMasterIdLst>
-    <p:notesMasterId r:id="rId15"/>
+    <p:notesMasterId r:id="rId16"/>
   </p:notesMasterIdLst>
   <p:sldIdLst>
     <p:sldId id="256" r:id="rId2"/>
@@ -16,11 +16,12 @@
     <p:sldId id="265" r:id="rId7"/>
     <p:sldId id="273" r:id="rId8"/>
     <p:sldId id="274" r:id="rId9"/>
-    <p:sldId id="267" r:id="rId10"/>
-    <p:sldId id="275" r:id="rId11"/>
-    <p:sldId id="269" r:id="rId12"/>
-    <p:sldId id="276" r:id="rId13"/>
-    <p:sldId id="271" r:id="rId14"/>
+    <p:sldId id="277" r:id="rId10"/>
+    <p:sldId id="267" r:id="rId11"/>
+    <p:sldId id="275" r:id="rId12"/>
+    <p:sldId id="269" r:id="rId13"/>
+    <p:sldId id="276" r:id="rId14"/>
+    <p:sldId id="271" r:id="rId15"/>
   </p:sldIdLst>
   <p:sldSz cx="9144000" cy="6858000" type="screen4x3"/>
   <p:notesSz cx="7099300" cy="10234613"/>
@@ -1566,6 +1567,170 @@
   <p:cSld>
     <p:spTree>
       <p:nvGrpSpPr>
+        <p:cNvPr id="1" name="Shape 170"/>
+        <p:cNvGrpSpPr/>
+        <p:nvPr/>
+      </p:nvGrpSpPr>
+      <p:grpSpPr>
+        <a:xfrm>
+          <a:off x="0" y="0"/>
+          <a:ext cx="0" cy="0"/>
+          <a:chOff x="0" y="0"/>
+          <a:chExt cx="0" cy="0"/>
+        </a:xfrm>
+      </p:grpSpPr>
+      <p:sp>
+        <p:nvSpPr>
+          <p:cNvPr id="171" name="Google Shape;171;p12:notes"/>
+          <p:cNvSpPr>
+            <a:spLocks noGrp="1" noRot="1" noChangeAspect="1"/>
+          </p:cNvSpPr>
+          <p:nvPr>
+            <p:ph type="sldImg" idx="2"/>
+          </p:nvPr>
+        </p:nvSpPr>
+        <p:spPr>
+          <a:xfrm>
+            <a:off x="1246188" y="1279525"/>
+            <a:ext cx="4606925" cy="3455988"/>
+          </a:xfrm>
+          <a:custGeom>
+            <a:avLst/>
+            <a:gdLst/>
+            <a:ahLst/>
+            <a:cxnLst/>
+            <a:rect l="l" t="t" r="r" b="b"/>
+            <a:pathLst>
+              <a:path w="120000" h="120000" extrusionOk="0">
+                <a:moveTo>
+                  <a:pt x="0" y="0"/>
+                </a:moveTo>
+                <a:lnTo>
+                  <a:pt x="120000" y="0"/>
+                </a:lnTo>
+                <a:lnTo>
+                  <a:pt x="120000" y="120000"/>
+                </a:lnTo>
+                <a:lnTo>
+                  <a:pt x="0" y="120000"/>
+                </a:lnTo>
+                <a:close/>
+              </a:path>
+            </a:pathLst>
+          </a:custGeom>
+          <a:noFill/>
+          <a:ln w="12700" cap="flat" cmpd="sng">
+            <a:solidFill>
+              <a:srgbClr val="000000"/>
+            </a:solidFill>
+            <a:prstDash val="solid"/>
+            <a:round/>
+            <a:headEnd type="none" w="sm" len="sm"/>
+            <a:tailEnd type="none" w="sm" len="sm"/>
+          </a:ln>
+        </p:spPr>
+      </p:sp>
+      <p:sp>
+        <p:nvSpPr>
+          <p:cNvPr id="172" name="Google Shape;172;p12:notes"/>
+          <p:cNvSpPr txBox="1">
+            <a:spLocks noGrp="1"/>
+          </p:cNvSpPr>
+          <p:nvPr>
+            <p:ph type="body" idx="1"/>
+          </p:nvPr>
+        </p:nvSpPr>
+        <p:spPr>
+          <a:xfrm>
+            <a:off x="709930" y="4925407"/>
+            <a:ext cx="5679440" cy="4029879"/>
+          </a:xfrm>
+          <a:prstGeom prst="rect">
+            <a:avLst/>
+          </a:prstGeom>
+          <a:noFill/>
+          <a:ln>
+            <a:noFill/>
+          </a:ln>
+        </p:spPr>
+        <p:txBody>
+          <a:bodyPr spcFirstLastPara="1" wrap="square" lIns="99025" tIns="49500" rIns="99025" bIns="49500" anchor="t" anchorCtr="0">
+            <a:noAutofit/>
+          </a:bodyPr>
+          <a:lstStyle/>
+          <a:p>
+            <a:pPr marL="0" lvl="0" indent="0" algn="l" rtl="0">
+              <a:spcBef>
+                <a:spcPts val="0"/>
+              </a:spcBef>
+              <a:spcAft>
+                <a:spcPts val="0"/>
+              </a:spcAft>
+              <a:buNone/>
+            </a:pPr>
+            <a:endParaRPr/>
+          </a:p>
+        </p:txBody>
+      </p:sp>
+      <p:sp>
+        <p:nvSpPr>
+          <p:cNvPr id="173" name="Google Shape;173;p12:notes"/>
+          <p:cNvSpPr txBox="1">
+            <a:spLocks noGrp="1"/>
+          </p:cNvSpPr>
+          <p:nvPr>
+            <p:ph type="sldNum" idx="12"/>
+          </p:nvPr>
+        </p:nvSpPr>
+        <p:spPr>
+          <a:xfrm>
+            <a:off x="4021296" y="9721108"/>
+            <a:ext cx="3076363" cy="513507"/>
+          </a:xfrm>
+          <a:prstGeom prst="rect">
+            <a:avLst/>
+          </a:prstGeom>
+          <a:noFill/>
+          <a:ln>
+            <a:noFill/>
+          </a:ln>
+        </p:spPr>
+        <p:txBody>
+          <a:bodyPr spcFirstLastPara="1" wrap="square" lIns="99025" tIns="49500" rIns="99025" bIns="49500" anchor="b" anchorCtr="0">
+            <a:noAutofit/>
+          </a:bodyPr>
+          <a:lstStyle/>
+          <a:p>
+            <a:pPr marL="0" lvl="0" indent="0" algn="r" rtl="0">
+              <a:spcBef>
+                <a:spcPts val="0"/>
+              </a:spcBef>
+              <a:spcAft>
+                <a:spcPts val="0"/>
+              </a:spcAft>
+              <a:buNone/>
+            </a:pPr>
+            <a:fld id="{00000000-1234-1234-1234-123412341234}" type="slidenum">
+              <a:rPr lang="en-US"/>
+              <a:t>10</a:t>
+            </a:fld>
+            <a:endParaRPr/>
+          </a:p>
+        </p:txBody>
+      </p:sp>
+    </p:spTree>
+  </p:cSld>
+  <p:clrMapOvr>
+    <a:masterClrMapping/>
+  </p:clrMapOvr>
+</p:notes>
+</file>
+
+<file path=ppt/notesSlides/notesSlide11.xml><?xml version="1.0" encoding="utf-8"?>
+<p:notes xmlns:a="http://schemas.openxmlformats.org/drawingml/2006/main" xmlns:r="http://schemas.openxmlformats.org/officeDocument/2006/relationships" xmlns:p="http://schemas.openxmlformats.org/presentationml/2006/main" showMasterSp="0" showMasterPhAnim="0">
+  <p:cSld>
+    <p:spTree>
+      <p:nvGrpSpPr>
         <p:cNvPr id="1" name="Shape 84"/>
         <p:cNvGrpSpPr/>
         <p:nvPr/>
@@ -1670,7 +1835,7 @@
 </p:notes>
 </file>
 
-<file path=ppt/notesSlides/notesSlide11.xml><?xml version="1.0" encoding="utf-8"?>
+<file path=ppt/notesSlides/notesSlide12.xml><?xml version="1.0" encoding="utf-8"?>
 <p:notes xmlns:a="http://schemas.openxmlformats.org/drawingml/2006/main" xmlns:r="http://schemas.openxmlformats.org/officeDocument/2006/relationships" xmlns:p="http://schemas.openxmlformats.org/presentationml/2006/main" showMasterSp="0" showMasterPhAnim="0">
   <p:cSld>
     <p:spTree>
@@ -1774,7 +1939,7 @@
 </p:notes>
 </file>
 
-<file path=ppt/notesSlides/notesSlide12.xml><?xml version="1.0" encoding="utf-8"?>
+<file path=ppt/notesSlides/notesSlide13.xml><?xml version="1.0" encoding="utf-8"?>
 <p:notes xmlns:a="http://schemas.openxmlformats.org/drawingml/2006/main" xmlns:r="http://schemas.openxmlformats.org/officeDocument/2006/relationships" xmlns:p="http://schemas.openxmlformats.org/presentationml/2006/main" showMasterSp="0" showMasterPhAnim="0">
   <p:cSld>
     <p:spTree>
@@ -1883,7 +2048,7 @@
 </p:notes>
 </file>
 
-<file path=ppt/notesSlides/notesSlide13.xml><?xml version="1.0" encoding="utf-8"?>
+<file path=ppt/notesSlides/notesSlide14.xml><?xml version="1.0" encoding="utf-8"?>
 <p:notes xmlns:a="http://schemas.openxmlformats.org/drawingml/2006/main" xmlns:r="http://schemas.openxmlformats.org/officeDocument/2006/relationships" xmlns:p="http://schemas.openxmlformats.org/presentationml/2006/main" showMasterSp="0" showMasterPhAnim="0">
   <p:cSld>
     <p:spTree>
@@ -2735,7 +2900,7 @@
   <p:cSld>
     <p:spTree>
       <p:nvGrpSpPr>
-        <p:cNvPr id="1" name="Shape 170"/>
+        <p:cNvPr id="1" name="Shape 156"/>
         <p:cNvGrpSpPr/>
         <p:nvPr/>
       </p:nvGrpSpPr>
@@ -2749,7 +2914,45 @@
       </p:grpSpPr>
       <p:sp>
         <p:nvSpPr>
-          <p:cNvPr id="171" name="Google Shape;171;p12:notes"/>
+          <p:cNvPr id="157" name="Google Shape;157;p10:notes"/>
+          <p:cNvSpPr txBox="1">
+            <a:spLocks noGrp="1"/>
+          </p:cNvSpPr>
+          <p:nvPr>
+            <p:ph type="body" idx="1"/>
+          </p:nvPr>
+        </p:nvSpPr>
+        <p:spPr>
+          <a:xfrm>
+            <a:off x="709930" y="4925407"/>
+            <a:ext cx="5679440" cy="4029879"/>
+          </a:xfrm>
+          <a:prstGeom prst="rect">
+            <a:avLst/>
+          </a:prstGeom>
+        </p:spPr>
+        <p:txBody>
+          <a:bodyPr spcFirstLastPara="1" wrap="square" lIns="99025" tIns="49500" rIns="99025" bIns="49500" anchor="t" anchorCtr="0">
+            <a:noAutofit/>
+          </a:bodyPr>
+          <a:lstStyle/>
+          <a:p>
+            <a:pPr marL="0" lvl="0" indent="0" algn="l" rtl="0">
+              <a:spcBef>
+                <a:spcPts val="0"/>
+              </a:spcBef>
+              <a:spcAft>
+                <a:spcPts val="0"/>
+              </a:spcAft>
+              <a:buNone/>
+            </a:pPr>
+            <a:endParaRPr/>
+          </a:p>
+        </p:txBody>
+      </p:sp>
+      <p:sp>
+        <p:nvSpPr>
+          <p:cNvPr id="158" name="Google Shape;158;p10:notes"/>
           <p:cNvSpPr>
             <a:spLocks noGrp="1" noRot="1" noChangeAspect="1"/>
           </p:cNvSpPr>
@@ -2786,107 +2989,14 @@
               </a:path>
             </a:pathLst>
           </a:custGeom>
-          <a:noFill/>
-          <a:ln w="12700" cap="flat" cmpd="sng">
-            <a:solidFill>
-              <a:srgbClr val="000000"/>
-            </a:solidFill>
-            <a:prstDash val="solid"/>
-            <a:round/>
-            <a:headEnd type="none" w="sm" len="sm"/>
-            <a:tailEnd type="none" w="sm" len="sm"/>
-          </a:ln>
         </p:spPr>
       </p:sp>
-      <p:sp>
-        <p:nvSpPr>
-          <p:cNvPr id="172" name="Google Shape;172;p12:notes"/>
-          <p:cNvSpPr txBox="1">
-            <a:spLocks noGrp="1"/>
-          </p:cNvSpPr>
-          <p:nvPr>
-            <p:ph type="body" idx="1"/>
-          </p:nvPr>
-        </p:nvSpPr>
-        <p:spPr>
-          <a:xfrm>
-            <a:off x="709930" y="4925407"/>
-            <a:ext cx="5679440" cy="4029879"/>
-          </a:xfrm>
-          <a:prstGeom prst="rect">
-            <a:avLst/>
-          </a:prstGeom>
-          <a:noFill/>
-          <a:ln>
-            <a:noFill/>
-          </a:ln>
-        </p:spPr>
-        <p:txBody>
-          <a:bodyPr spcFirstLastPara="1" wrap="square" lIns="99025" tIns="49500" rIns="99025" bIns="49500" anchor="t" anchorCtr="0">
-            <a:noAutofit/>
-          </a:bodyPr>
-          <a:lstStyle/>
-          <a:p>
-            <a:pPr marL="0" lvl="0" indent="0" algn="l" rtl="0">
-              <a:spcBef>
-                <a:spcPts val="0"/>
-              </a:spcBef>
-              <a:spcAft>
-                <a:spcPts val="0"/>
-              </a:spcAft>
-              <a:buNone/>
-            </a:pPr>
-            <a:endParaRPr/>
-          </a:p>
-        </p:txBody>
-      </p:sp>
-      <p:sp>
-        <p:nvSpPr>
-          <p:cNvPr id="173" name="Google Shape;173;p12:notes"/>
-          <p:cNvSpPr txBox="1">
-            <a:spLocks noGrp="1"/>
-          </p:cNvSpPr>
-          <p:nvPr>
-            <p:ph type="sldNum" idx="12"/>
-          </p:nvPr>
-        </p:nvSpPr>
-        <p:spPr>
-          <a:xfrm>
-            <a:off x="4021296" y="9721108"/>
-            <a:ext cx="3076363" cy="513507"/>
-          </a:xfrm>
-          <a:prstGeom prst="rect">
-            <a:avLst/>
-          </a:prstGeom>
-          <a:noFill/>
-          <a:ln>
-            <a:noFill/>
-          </a:ln>
-        </p:spPr>
-        <p:txBody>
-          <a:bodyPr spcFirstLastPara="1" wrap="square" lIns="99025" tIns="49500" rIns="99025" bIns="49500" anchor="b" anchorCtr="0">
-            <a:noAutofit/>
-          </a:bodyPr>
-          <a:lstStyle/>
-          <a:p>
-            <a:pPr marL="0" lvl="0" indent="0" algn="r" rtl="0">
-              <a:spcBef>
-                <a:spcPts val="0"/>
-              </a:spcBef>
-              <a:spcAft>
-                <a:spcPts val="0"/>
-              </a:spcAft>
-              <a:buNone/>
-            </a:pPr>
-            <a:fld id="{00000000-1234-1234-1234-123412341234}" type="slidenum">
-              <a:rPr lang="en-US"/>
-              <a:t>9</a:t>
-            </a:fld>
-            <a:endParaRPr/>
-          </a:p>
-        </p:txBody>
-      </p:sp>
     </p:spTree>
+    <p:extLst>
+      <p:ext uri="{BB962C8B-B14F-4D97-AF65-F5344CB8AC3E}">
+        <p14:creationId xmlns:p14="http://schemas.microsoft.com/office/powerpoint/2010/main" val="976401681"/>
+      </p:ext>
+    </p:extLst>
   </p:cSld>
   <p:clrMapOvr>
     <a:masterClrMapping/>
@@ -11100,4278 +11210,6 @@
   <p:cSld>
     <p:spTree>
       <p:nvGrpSpPr>
-        <p:cNvPr id="1" name="Shape 87"/>
-        <p:cNvGrpSpPr/>
-        <p:nvPr/>
-      </p:nvGrpSpPr>
-      <p:grpSpPr>
-        <a:xfrm>
-          <a:off x="0" y="0"/>
-          <a:ext cx="0" cy="0"/>
-          <a:chOff x="0" y="0"/>
-          <a:chExt cx="0" cy="0"/>
-        </a:xfrm>
-      </p:grpSpPr>
-      <p:sp>
-        <p:nvSpPr>
-          <p:cNvPr id="88" name="Google Shape;88;p3"/>
-          <p:cNvSpPr txBox="1">
-            <a:spLocks noGrp="1"/>
-          </p:cNvSpPr>
-          <p:nvPr>
-            <p:ph type="sldNum" idx="12"/>
-          </p:nvPr>
-        </p:nvSpPr>
-        <p:spPr>
-          <a:xfrm>
-            <a:off x="6457950" y="6356355"/>
-            <a:ext cx="2057400" cy="365125"/>
-          </a:xfrm>
-          <a:prstGeom prst="rect">
-            <a:avLst/>
-          </a:prstGeom>
-          <a:noFill/>
-          <a:ln>
-            <a:noFill/>
-          </a:ln>
-        </p:spPr>
-        <p:txBody>
-          <a:bodyPr spcFirstLastPara="1" wrap="square" lIns="91425" tIns="45700" rIns="91425" bIns="45700" anchor="ctr" anchorCtr="0">
-            <a:noAutofit/>
-          </a:bodyPr>
-          <a:lstStyle/>
-          <a:p>
-            <a:pPr marL="0" lvl="0" indent="0" algn="r" rtl="0">
-              <a:spcBef>
-                <a:spcPts val="0"/>
-              </a:spcBef>
-              <a:spcAft>
-                <a:spcPts val="0"/>
-              </a:spcAft>
-              <a:buNone/>
-            </a:pPr>
-            <a:fld id="{00000000-1234-1234-1234-123412341234}" type="slidenum">
-              <a:rPr lang="en-US"/>
-              <a:t>10</a:t>
-            </a:fld>
-            <a:endParaRPr/>
-          </a:p>
-        </p:txBody>
-      </p:sp>
-      <p:sp>
-        <p:nvSpPr>
-          <p:cNvPr id="89" name="Google Shape;89;p3"/>
-          <p:cNvSpPr txBox="1">
-            <a:spLocks noGrp="1"/>
-          </p:cNvSpPr>
-          <p:nvPr>
-            <p:ph type="title"/>
-          </p:nvPr>
-        </p:nvSpPr>
-        <p:spPr>
-          <a:xfrm>
-            <a:off x="628650" y="1131248"/>
-            <a:ext cx="7886700" cy="763455"/>
-          </a:xfrm>
-          <a:prstGeom prst="rect">
-            <a:avLst/>
-          </a:prstGeom>
-          <a:noFill/>
-          <a:ln>
-            <a:noFill/>
-          </a:ln>
-        </p:spPr>
-        <p:txBody>
-          <a:bodyPr spcFirstLastPara="1" wrap="square" lIns="91425" tIns="45700" rIns="91425" bIns="45700" anchor="ctr" anchorCtr="0">
-            <a:normAutofit/>
-          </a:bodyPr>
-          <a:lstStyle/>
-          <a:p>
-            <a:pPr marL="0" lvl="0" indent="0" algn="ctr" rtl="0">
-              <a:lnSpc>
-                <a:spcPct val="90000"/>
-              </a:lnSpc>
-              <a:spcBef>
-                <a:spcPts val="0"/>
-              </a:spcBef>
-              <a:spcAft>
-                <a:spcPts val="0"/>
-              </a:spcAft>
-              <a:buClr>
-                <a:schemeClr val="dk1"/>
-              </a:buClr>
-              <a:buSzPts val="4000"/>
-              <a:buFont typeface="Calibri"/>
-              <a:buNone/>
-            </a:pPr>
-            <a:r>
-              <a:rPr lang="es-ES" b="1" noProof="0" dirty="0"/>
-              <a:t>Introducción al curso</a:t>
-            </a:r>
-          </a:p>
-        </p:txBody>
-      </p:sp>
-      <p:sp>
-        <p:nvSpPr>
-          <p:cNvPr id="90" name="Google Shape;90;p3"/>
-          <p:cNvSpPr txBox="1"/>
-          <p:nvPr/>
-        </p:nvSpPr>
-        <p:spPr>
-          <a:xfrm>
-            <a:off x="628650" y="2254245"/>
-            <a:ext cx="7886700" cy="2784894"/>
-          </a:xfrm>
-          <a:prstGeom prst="rect">
-            <a:avLst/>
-          </a:prstGeom>
-          <a:noFill/>
-          <a:ln>
-            <a:noFill/>
-          </a:ln>
-        </p:spPr>
-        <p:txBody>
-          <a:bodyPr spcFirstLastPara="1" wrap="square" lIns="91425" tIns="45700" rIns="91425" bIns="45700" anchor="t" anchorCtr="0">
-            <a:normAutofit/>
-          </a:bodyPr>
-          <a:lstStyle/>
-          <a:p>
-            <a:pPr marL="457200" marR="0" lvl="0" indent="-342900" algn="l" rtl="0">
-              <a:lnSpc>
-                <a:spcPct val="90000"/>
-              </a:lnSpc>
-              <a:spcBef>
-                <a:spcPts val="1000"/>
-              </a:spcBef>
-              <a:spcAft>
-                <a:spcPts val="0"/>
-              </a:spcAft>
-              <a:buClr>
-                <a:schemeClr val="dk1"/>
-              </a:buClr>
-              <a:buSzPts val="1800"/>
-              <a:buFont typeface="Arial"/>
-              <a:buChar char="•"/>
-            </a:pPr>
-            <a:r>
-              <a:rPr lang="es-ES" sz="2800" dirty="0">
-                <a:solidFill>
-                  <a:srgbClr val="A5A5A5"/>
-                </a:solidFill>
-                <a:latin typeface="Calibri"/>
-                <a:ea typeface="Calibri"/>
-                <a:cs typeface="Calibri"/>
-                <a:sym typeface="Calibri"/>
-              </a:rPr>
-              <a:t>Introducción del profesorado</a:t>
-            </a:r>
-          </a:p>
-          <a:p>
-            <a:pPr marL="457200" marR="0" lvl="0" indent="-342900" algn="l" rtl="0">
-              <a:lnSpc>
-                <a:spcPct val="90000"/>
-              </a:lnSpc>
-              <a:spcBef>
-                <a:spcPts val="1000"/>
-              </a:spcBef>
-              <a:spcAft>
-                <a:spcPts val="0"/>
-              </a:spcAft>
-              <a:buClr>
-                <a:schemeClr val="dk1"/>
-              </a:buClr>
-              <a:buSzPts val="1800"/>
-              <a:buFont typeface="Arial"/>
-              <a:buChar char="•"/>
-            </a:pPr>
-            <a:r>
-              <a:rPr lang="es-ES" sz="2800" dirty="0">
-                <a:solidFill>
-                  <a:srgbClr val="A5A5A5"/>
-                </a:solidFill>
-                <a:latin typeface="Calibri"/>
-                <a:ea typeface="Calibri"/>
-                <a:cs typeface="Calibri"/>
-                <a:sym typeface="Calibri"/>
-              </a:rPr>
-              <a:t>Objetivos</a:t>
-            </a:r>
-          </a:p>
-          <a:p>
-            <a:pPr marL="457200" marR="0" lvl="0" indent="-342900" algn="l" rtl="0">
-              <a:lnSpc>
-                <a:spcPct val="90000"/>
-              </a:lnSpc>
-              <a:spcBef>
-                <a:spcPts val="1000"/>
-              </a:spcBef>
-              <a:spcAft>
-                <a:spcPts val="0"/>
-              </a:spcAft>
-              <a:buClr>
-                <a:schemeClr val="dk1"/>
-              </a:buClr>
-              <a:buSzPts val="1800"/>
-              <a:buFont typeface="Arial"/>
-              <a:buChar char="•"/>
-            </a:pPr>
-            <a:r>
-              <a:rPr lang="es-ES" sz="2800" dirty="0">
-                <a:solidFill>
-                  <a:srgbClr val="A5A5A5"/>
-                </a:solidFill>
-                <a:latin typeface="Calibri"/>
-                <a:ea typeface="Calibri"/>
-                <a:cs typeface="Calibri"/>
-                <a:sym typeface="Calibri"/>
-              </a:rPr>
-              <a:t>Calendario y estructura</a:t>
-            </a:r>
-          </a:p>
-          <a:p>
-            <a:pPr marL="457200" marR="0" lvl="0" indent="-342900" algn="l" rtl="0">
-              <a:lnSpc>
-                <a:spcPct val="90000"/>
-              </a:lnSpc>
-              <a:spcBef>
-                <a:spcPts val="1000"/>
-              </a:spcBef>
-              <a:spcAft>
-                <a:spcPts val="0"/>
-              </a:spcAft>
-              <a:buClr>
-                <a:schemeClr val="dk1"/>
-              </a:buClr>
-              <a:buSzPts val="1800"/>
-              <a:buFont typeface="Arial"/>
-              <a:buChar char="•"/>
-            </a:pPr>
-            <a:r>
-              <a:rPr lang="es-ES" sz="2800" b="1" dirty="0">
-                <a:solidFill>
-                  <a:srgbClr val="006DA5"/>
-                </a:solidFill>
-                <a:latin typeface="Calibri"/>
-                <a:ea typeface="Calibri"/>
-                <a:cs typeface="Calibri"/>
-                <a:sym typeface="Calibri"/>
-              </a:rPr>
-              <a:t>Evaluación</a:t>
-            </a:r>
-          </a:p>
-          <a:p>
-            <a:pPr marL="457200" marR="0" lvl="0" indent="-342900" algn="l" rtl="0">
-              <a:lnSpc>
-                <a:spcPct val="90000"/>
-              </a:lnSpc>
-              <a:spcBef>
-                <a:spcPts val="1000"/>
-              </a:spcBef>
-              <a:spcAft>
-                <a:spcPts val="0"/>
-              </a:spcAft>
-              <a:buClr>
-                <a:schemeClr val="dk1"/>
-              </a:buClr>
-              <a:buSzPts val="1800"/>
-              <a:buFont typeface="Arial"/>
-              <a:buChar char="•"/>
-            </a:pPr>
-            <a:r>
-              <a:rPr lang="es-ES" sz="2800" dirty="0">
-                <a:solidFill>
-                  <a:srgbClr val="A5A5A5"/>
-                </a:solidFill>
-                <a:latin typeface="Calibri"/>
-                <a:ea typeface="Calibri"/>
-                <a:cs typeface="Calibri"/>
-                <a:sym typeface="Calibri"/>
-              </a:rPr>
-              <a:t>Referencias</a:t>
-            </a:r>
-            <a:endParaRPr lang="en-US" sz="2800" dirty="0">
-              <a:solidFill>
-                <a:srgbClr val="A5A5A5"/>
-              </a:solidFill>
-              <a:latin typeface="Calibri"/>
-              <a:ea typeface="Calibri"/>
-              <a:cs typeface="Calibri"/>
-              <a:sym typeface="Calibri"/>
-            </a:endParaRPr>
-          </a:p>
-          <a:p>
-            <a:pPr marL="457200" marR="0" lvl="0" indent="-228600" algn="l" rtl="0">
-              <a:lnSpc>
-                <a:spcPct val="90000"/>
-              </a:lnSpc>
-              <a:spcBef>
-                <a:spcPts val="1000"/>
-              </a:spcBef>
-              <a:spcAft>
-                <a:spcPts val="0"/>
-              </a:spcAft>
-              <a:buClr>
-                <a:schemeClr val="dk1"/>
-              </a:buClr>
-              <a:buSzPts val="1800"/>
-              <a:buFont typeface="Arial"/>
-              <a:buNone/>
-            </a:pPr>
-            <a:endParaRPr lang="es-ES" sz="3200" b="0" i="0" u="none" strike="noStrike" cap="none" dirty="0">
-              <a:solidFill>
-                <a:schemeClr val="dk1"/>
-              </a:solidFill>
-              <a:latin typeface="Calibri"/>
-              <a:ea typeface="Calibri"/>
-              <a:cs typeface="Calibri"/>
-              <a:sym typeface="Calibri"/>
-            </a:endParaRPr>
-          </a:p>
-        </p:txBody>
-      </p:sp>
-    </p:spTree>
-    <p:extLst>
-      <p:ext uri="{BB962C8B-B14F-4D97-AF65-F5344CB8AC3E}">
-        <p14:creationId xmlns:p14="http://schemas.microsoft.com/office/powerpoint/2010/main" val="3171603643"/>
-      </p:ext>
-    </p:extLst>
-  </p:cSld>
-  <p:clrMapOvr>
-    <a:masterClrMapping/>
-  </p:clrMapOvr>
-</p:sld>
-</file>
-
-<file path=ppt/slides/slide11.xml><?xml version="1.0" encoding="utf-8"?>
-<p:sld xmlns:a="http://schemas.openxmlformats.org/drawingml/2006/main" xmlns:r="http://schemas.openxmlformats.org/officeDocument/2006/relationships" xmlns:p="http://schemas.openxmlformats.org/presentationml/2006/main">
-  <p:cSld>
-    <p:spTree>
-      <p:nvGrpSpPr>
-        <p:cNvPr id="1" name="Shape 199"/>
-        <p:cNvGrpSpPr/>
-        <p:nvPr/>
-      </p:nvGrpSpPr>
-      <p:grpSpPr>
-        <a:xfrm>
-          <a:off x="0" y="0"/>
-          <a:ext cx="0" cy="0"/>
-          <a:chOff x="0" y="0"/>
-          <a:chExt cx="0" cy="0"/>
-        </a:xfrm>
-      </p:grpSpPr>
-      <p:sp>
-        <p:nvSpPr>
-          <p:cNvPr id="200" name="Google Shape;200;p14"/>
-          <p:cNvSpPr txBox="1">
-            <a:spLocks noGrp="1"/>
-          </p:cNvSpPr>
-          <p:nvPr>
-            <p:ph type="sldNum" idx="12"/>
-          </p:nvPr>
-        </p:nvSpPr>
-        <p:spPr>
-          <a:xfrm>
-            <a:off x="6457950" y="6356355"/>
-            <a:ext cx="2057400" cy="365125"/>
-          </a:xfrm>
-          <a:prstGeom prst="rect">
-            <a:avLst/>
-          </a:prstGeom>
-          <a:noFill/>
-          <a:ln>
-            <a:noFill/>
-          </a:ln>
-        </p:spPr>
-        <p:txBody>
-          <a:bodyPr spcFirstLastPara="1" wrap="square" lIns="91425" tIns="45700" rIns="91425" bIns="45700" anchor="ctr" anchorCtr="0">
-            <a:noAutofit/>
-          </a:bodyPr>
-          <a:lstStyle/>
-          <a:p>
-            <a:pPr marL="0" lvl="0" indent="0" algn="r" rtl="0">
-              <a:spcBef>
-                <a:spcPts val="0"/>
-              </a:spcBef>
-              <a:spcAft>
-                <a:spcPts val="0"/>
-              </a:spcAft>
-              <a:buNone/>
-            </a:pPr>
-            <a:fld id="{00000000-1234-1234-1234-123412341234}" type="slidenum">
-              <a:rPr lang="en-US"/>
-              <a:t>11</a:t>
-            </a:fld>
-            <a:endParaRPr/>
-          </a:p>
-        </p:txBody>
-      </p:sp>
-      <p:sp>
-        <p:nvSpPr>
-          <p:cNvPr id="201" name="Google Shape;201;p14"/>
-          <p:cNvSpPr txBox="1">
-            <a:spLocks noGrp="1"/>
-          </p:cNvSpPr>
-          <p:nvPr>
-            <p:ph type="title"/>
-          </p:nvPr>
-        </p:nvSpPr>
-        <p:spPr>
-          <a:xfrm>
-            <a:off x="628650" y="1131248"/>
-            <a:ext cx="7886700" cy="763455"/>
-          </a:xfrm>
-          <a:prstGeom prst="rect">
-            <a:avLst/>
-          </a:prstGeom>
-          <a:noFill/>
-          <a:ln>
-            <a:noFill/>
-          </a:ln>
-        </p:spPr>
-        <p:txBody>
-          <a:bodyPr spcFirstLastPara="1" wrap="square" lIns="91425" tIns="45700" rIns="91425" bIns="45700" anchor="ctr" anchorCtr="0">
-            <a:normAutofit/>
-          </a:bodyPr>
-          <a:lstStyle/>
-          <a:p>
-            <a:pPr marL="0" lvl="0" indent="0" algn="ctr" rtl="0">
-              <a:lnSpc>
-                <a:spcPct val="90000"/>
-              </a:lnSpc>
-              <a:spcBef>
-                <a:spcPts val="0"/>
-              </a:spcBef>
-              <a:spcAft>
-                <a:spcPts val="0"/>
-              </a:spcAft>
-              <a:buClr>
-                <a:schemeClr val="dk1"/>
-              </a:buClr>
-              <a:buSzPts val="4000"/>
-              <a:buFont typeface="Calibri"/>
-              <a:buNone/>
-            </a:pPr>
-            <a:r>
-              <a:rPr lang="es-ES" b="1" noProof="0" dirty="0"/>
-              <a:t>Evaluación</a:t>
-            </a:r>
-          </a:p>
-        </p:txBody>
-      </p:sp>
-      <p:sp>
-        <p:nvSpPr>
-          <p:cNvPr id="202" name="Google Shape;202;p14"/>
-          <p:cNvSpPr txBox="1"/>
-          <p:nvPr/>
-        </p:nvSpPr>
-        <p:spPr>
-          <a:xfrm>
-            <a:off x="628650" y="2560319"/>
-            <a:ext cx="8129270" cy="3796035"/>
-          </a:xfrm>
-          <a:prstGeom prst="rect">
-            <a:avLst/>
-          </a:prstGeom>
-          <a:noFill/>
-          <a:ln>
-            <a:noFill/>
-          </a:ln>
-        </p:spPr>
-        <p:txBody>
-          <a:bodyPr spcFirstLastPara="1" wrap="square" lIns="91425" tIns="45700" rIns="91425" bIns="45700" anchor="t" anchorCtr="0">
-            <a:normAutofit/>
-          </a:bodyPr>
-          <a:lstStyle/>
-          <a:p>
-            <a:pPr marL="114300" marR="0" lvl="0" indent="0" algn="ctr" rtl="0">
-              <a:lnSpc>
-                <a:spcPct val="90000"/>
-              </a:lnSpc>
-              <a:spcBef>
-                <a:spcPts val="1000"/>
-              </a:spcBef>
-              <a:spcAft>
-                <a:spcPts val="0"/>
-              </a:spcAft>
-              <a:buClr>
-                <a:schemeClr val="dk1"/>
-              </a:buClr>
-              <a:buSzPts val="1800"/>
-              <a:buFont typeface="Arial"/>
-              <a:buNone/>
-            </a:pPr>
-            <a:r>
-              <a:rPr lang="en-US" sz="2800">
-                <a:solidFill>
-                  <a:schemeClr val="dk1"/>
-                </a:solidFill>
-                <a:latin typeface="Calibri"/>
-                <a:ea typeface="Calibri"/>
-                <a:cs typeface="Calibri"/>
-                <a:sym typeface="Calibri"/>
-              </a:rPr>
-              <a:t>NF = 0,4·NEP + 0,3·NET + 0,3·A</a:t>
-            </a:r>
-            <a:endParaRPr/>
-          </a:p>
-          <a:p>
-            <a:pPr marL="114300" marR="0" lvl="0" indent="0" algn="l" rtl="0">
-              <a:lnSpc>
-                <a:spcPct val="90000"/>
-              </a:lnSpc>
-              <a:spcBef>
-                <a:spcPts val="1000"/>
-              </a:spcBef>
-              <a:spcAft>
-                <a:spcPts val="0"/>
-              </a:spcAft>
-              <a:buClr>
-                <a:schemeClr val="dk1"/>
-              </a:buClr>
-              <a:buSzPts val="1800"/>
-              <a:buFont typeface="Arial"/>
-              <a:buNone/>
-            </a:pPr>
-            <a:endParaRPr sz="2000">
-              <a:solidFill>
-                <a:schemeClr val="dk1"/>
-              </a:solidFill>
-              <a:latin typeface="Calibri"/>
-              <a:ea typeface="Calibri"/>
-              <a:cs typeface="Calibri"/>
-              <a:sym typeface="Calibri"/>
-            </a:endParaRPr>
-          </a:p>
-          <a:p>
-            <a:pPr marL="114300" marR="0" lvl="0" indent="0" algn="l" rtl="0">
-              <a:lnSpc>
-                <a:spcPct val="90000"/>
-              </a:lnSpc>
-              <a:spcBef>
-                <a:spcPts val="1000"/>
-              </a:spcBef>
-              <a:spcAft>
-                <a:spcPts val="0"/>
-              </a:spcAft>
-              <a:buClr>
-                <a:schemeClr val="dk1"/>
-              </a:buClr>
-              <a:buSzPts val="1800"/>
-              <a:buFont typeface="Arial"/>
-              <a:buNone/>
-            </a:pPr>
-            <a:r>
-              <a:rPr lang="en-US" sz="2000">
-                <a:solidFill>
-                  <a:schemeClr val="dk1"/>
-                </a:solidFill>
-                <a:latin typeface="Calibri"/>
-                <a:ea typeface="Calibri"/>
-                <a:cs typeface="Calibri"/>
-                <a:sym typeface="Calibri"/>
-              </a:rPr>
-              <a:t>NF: Nota Final</a:t>
-            </a:r>
-            <a:endParaRPr sz="2800">
-              <a:solidFill>
-                <a:schemeClr val="dk1"/>
-              </a:solidFill>
-              <a:latin typeface="Calibri"/>
-              <a:ea typeface="Calibri"/>
-              <a:cs typeface="Calibri"/>
-              <a:sym typeface="Calibri"/>
-            </a:endParaRPr>
-          </a:p>
-          <a:p>
-            <a:pPr marL="114300" marR="0" lvl="0" indent="0" algn="l" rtl="0">
-              <a:lnSpc>
-                <a:spcPct val="90000"/>
-              </a:lnSpc>
-              <a:spcBef>
-                <a:spcPts val="1000"/>
-              </a:spcBef>
-              <a:spcAft>
-                <a:spcPts val="0"/>
-              </a:spcAft>
-              <a:buClr>
-                <a:schemeClr val="dk1"/>
-              </a:buClr>
-              <a:buSzPts val="1800"/>
-              <a:buFont typeface="Arial"/>
-              <a:buNone/>
-            </a:pPr>
-            <a:r>
-              <a:rPr lang="en-US" sz="2000">
-                <a:solidFill>
-                  <a:schemeClr val="dk1"/>
-                </a:solidFill>
-                <a:latin typeface="Calibri"/>
-                <a:ea typeface="Calibri"/>
-                <a:cs typeface="Calibri"/>
-                <a:sym typeface="Calibri"/>
-              </a:rPr>
-              <a:t>NEP: Nota Examen Práctico</a:t>
-            </a:r>
-            <a:endParaRPr sz="2800">
-              <a:solidFill>
-                <a:schemeClr val="dk1"/>
-              </a:solidFill>
-              <a:latin typeface="Calibri"/>
-              <a:ea typeface="Calibri"/>
-              <a:cs typeface="Calibri"/>
-              <a:sym typeface="Calibri"/>
-            </a:endParaRPr>
-          </a:p>
-          <a:p>
-            <a:pPr marL="114300" marR="0" lvl="0" indent="0" algn="l" rtl="0">
-              <a:lnSpc>
-                <a:spcPct val="90000"/>
-              </a:lnSpc>
-              <a:spcBef>
-                <a:spcPts val="1000"/>
-              </a:spcBef>
-              <a:spcAft>
-                <a:spcPts val="0"/>
-              </a:spcAft>
-              <a:buClr>
-                <a:schemeClr val="dk1"/>
-              </a:buClr>
-              <a:buSzPts val="1800"/>
-              <a:buFont typeface="Arial"/>
-              <a:buNone/>
-            </a:pPr>
-            <a:r>
-              <a:rPr lang="en-US" sz="2000">
-                <a:solidFill>
-                  <a:schemeClr val="dk1"/>
-                </a:solidFill>
-                <a:latin typeface="Calibri"/>
-                <a:ea typeface="Calibri"/>
-                <a:cs typeface="Calibri"/>
-                <a:sym typeface="Calibri"/>
-              </a:rPr>
-              <a:t>NET: Nota Examen Teórico</a:t>
-            </a:r>
-            <a:endParaRPr sz="2800">
-              <a:solidFill>
-                <a:schemeClr val="dk1"/>
-              </a:solidFill>
-              <a:latin typeface="Calibri"/>
-              <a:ea typeface="Calibri"/>
-              <a:cs typeface="Calibri"/>
-              <a:sym typeface="Calibri"/>
-            </a:endParaRPr>
-          </a:p>
-          <a:p>
-            <a:pPr marL="114300" marR="0" lvl="0" indent="0" algn="l" rtl="0">
-              <a:lnSpc>
-                <a:spcPct val="90000"/>
-              </a:lnSpc>
-              <a:spcBef>
-                <a:spcPts val="1000"/>
-              </a:spcBef>
-              <a:spcAft>
-                <a:spcPts val="0"/>
-              </a:spcAft>
-              <a:buClr>
-                <a:schemeClr val="dk1"/>
-              </a:buClr>
-              <a:buSzPts val="1800"/>
-              <a:buFont typeface="Arial"/>
-              <a:buNone/>
-            </a:pPr>
-            <a:r>
-              <a:rPr lang="en-US" sz="2000">
-                <a:solidFill>
-                  <a:schemeClr val="dk1"/>
-                </a:solidFill>
-                <a:latin typeface="Calibri"/>
-                <a:ea typeface="Calibri"/>
-                <a:cs typeface="Calibri"/>
-                <a:sym typeface="Calibri"/>
-              </a:rPr>
-              <a:t>A: Asistencia</a:t>
-            </a:r>
-            <a:endParaRPr sz="2000">
-              <a:solidFill>
-                <a:schemeClr val="dk1"/>
-              </a:solidFill>
-              <a:latin typeface="Calibri"/>
-              <a:ea typeface="Calibri"/>
-              <a:cs typeface="Calibri"/>
-              <a:sym typeface="Calibri"/>
-            </a:endParaRPr>
-          </a:p>
-        </p:txBody>
-      </p:sp>
-    </p:spTree>
-  </p:cSld>
-  <p:clrMapOvr>
-    <a:masterClrMapping/>
-  </p:clrMapOvr>
-</p:sld>
-</file>
-
-<file path=ppt/slides/slide12.xml><?xml version="1.0" encoding="utf-8"?>
-<p:sld xmlns:a="http://schemas.openxmlformats.org/drawingml/2006/main" xmlns:r="http://schemas.openxmlformats.org/officeDocument/2006/relationships" xmlns:p="http://schemas.openxmlformats.org/presentationml/2006/main">
-  <p:cSld>
-    <p:spTree>
-      <p:nvGrpSpPr>
-        <p:cNvPr id="1" name="Shape 87"/>
-        <p:cNvGrpSpPr/>
-        <p:nvPr/>
-      </p:nvGrpSpPr>
-      <p:grpSpPr>
-        <a:xfrm>
-          <a:off x="0" y="0"/>
-          <a:ext cx="0" cy="0"/>
-          <a:chOff x="0" y="0"/>
-          <a:chExt cx="0" cy="0"/>
-        </a:xfrm>
-      </p:grpSpPr>
-      <p:sp>
-        <p:nvSpPr>
-          <p:cNvPr id="88" name="Google Shape;88;p3"/>
-          <p:cNvSpPr txBox="1">
-            <a:spLocks noGrp="1"/>
-          </p:cNvSpPr>
-          <p:nvPr>
-            <p:ph type="sldNum" idx="12"/>
-          </p:nvPr>
-        </p:nvSpPr>
-        <p:spPr>
-          <a:xfrm>
-            <a:off x="6457950" y="6356355"/>
-            <a:ext cx="2057400" cy="365125"/>
-          </a:xfrm>
-          <a:prstGeom prst="rect">
-            <a:avLst/>
-          </a:prstGeom>
-          <a:noFill/>
-          <a:ln>
-            <a:noFill/>
-          </a:ln>
-        </p:spPr>
-        <p:txBody>
-          <a:bodyPr spcFirstLastPara="1" wrap="square" lIns="91425" tIns="45700" rIns="91425" bIns="45700" anchor="ctr" anchorCtr="0">
-            <a:noAutofit/>
-          </a:bodyPr>
-          <a:lstStyle/>
-          <a:p>
-            <a:pPr marL="0" lvl="0" indent="0" algn="r" rtl="0">
-              <a:spcBef>
-                <a:spcPts val="0"/>
-              </a:spcBef>
-              <a:spcAft>
-                <a:spcPts val="0"/>
-              </a:spcAft>
-              <a:buNone/>
-            </a:pPr>
-            <a:fld id="{00000000-1234-1234-1234-123412341234}" type="slidenum">
-              <a:rPr lang="en-US"/>
-              <a:t>12</a:t>
-            </a:fld>
-            <a:endParaRPr/>
-          </a:p>
-        </p:txBody>
-      </p:sp>
-      <p:sp>
-        <p:nvSpPr>
-          <p:cNvPr id="89" name="Google Shape;89;p3"/>
-          <p:cNvSpPr txBox="1">
-            <a:spLocks noGrp="1"/>
-          </p:cNvSpPr>
-          <p:nvPr>
-            <p:ph type="title"/>
-          </p:nvPr>
-        </p:nvSpPr>
-        <p:spPr>
-          <a:xfrm>
-            <a:off x="628650" y="1131248"/>
-            <a:ext cx="7886700" cy="763455"/>
-          </a:xfrm>
-          <a:prstGeom prst="rect">
-            <a:avLst/>
-          </a:prstGeom>
-          <a:noFill/>
-          <a:ln>
-            <a:noFill/>
-          </a:ln>
-        </p:spPr>
-        <p:txBody>
-          <a:bodyPr spcFirstLastPara="1" wrap="square" lIns="91425" tIns="45700" rIns="91425" bIns="45700" anchor="ctr" anchorCtr="0">
-            <a:normAutofit/>
-          </a:bodyPr>
-          <a:lstStyle/>
-          <a:p>
-            <a:pPr marL="0" lvl="0" indent="0" algn="ctr" rtl="0">
-              <a:lnSpc>
-                <a:spcPct val="90000"/>
-              </a:lnSpc>
-              <a:spcBef>
-                <a:spcPts val="0"/>
-              </a:spcBef>
-              <a:spcAft>
-                <a:spcPts val="0"/>
-              </a:spcAft>
-              <a:buClr>
-                <a:schemeClr val="dk1"/>
-              </a:buClr>
-              <a:buSzPts val="4000"/>
-              <a:buFont typeface="Calibri"/>
-              <a:buNone/>
-            </a:pPr>
-            <a:r>
-              <a:rPr lang="es-ES" b="1" noProof="0" dirty="0"/>
-              <a:t>Introducción al curso</a:t>
-            </a:r>
-          </a:p>
-        </p:txBody>
-      </p:sp>
-      <p:sp>
-        <p:nvSpPr>
-          <p:cNvPr id="90" name="Google Shape;90;p3"/>
-          <p:cNvSpPr txBox="1"/>
-          <p:nvPr/>
-        </p:nvSpPr>
-        <p:spPr>
-          <a:xfrm>
-            <a:off x="628650" y="2254245"/>
-            <a:ext cx="7886700" cy="2784894"/>
-          </a:xfrm>
-          <a:prstGeom prst="rect">
-            <a:avLst/>
-          </a:prstGeom>
-          <a:noFill/>
-          <a:ln>
-            <a:noFill/>
-          </a:ln>
-        </p:spPr>
-        <p:txBody>
-          <a:bodyPr spcFirstLastPara="1" wrap="square" lIns="91425" tIns="45700" rIns="91425" bIns="45700" anchor="t" anchorCtr="0">
-            <a:normAutofit/>
-          </a:bodyPr>
-          <a:lstStyle/>
-          <a:p>
-            <a:pPr marL="457200" marR="0" lvl="0" indent="-342900" algn="l" rtl="0">
-              <a:lnSpc>
-                <a:spcPct val="90000"/>
-              </a:lnSpc>
-              <a:spcBef>
-                <a:spcPts val="1000"/>
-              </a:spcBef>
-              <a:spcAft>
-                <a:spcPts val="0"/>
-              </a:spcAft>
-              <a:buClr>
-                <a:schemeClr val="dk1"/>
-              </a:buClr>
-              <a:buSzPts val="1800"/>
-              <a:buFont typeface="Arial"/>
-              <a:buChar char="•"/>
-            </a:pPr>
-            <a:r>
-              <a:rPr lang="es-ES" sz="2800" dirty="0">
-                <a:solidFill>
-                  <a:srgbClr val="A5A5A5"/>
-                </a:solidFill>
-                <a:latin typeface="Calibri"/>
-                <a:ea typeface="Calibri"/>
-                <a:cs typeface="Calibri"/>
-                <a:sym typeface="Calibri"/>
-              </a:rPr>
-              <a:t>Introducción del profesorado</a:t>
-            </a:r>
-          </a:p>
-          <a:p>
-            <a:pPr marL="457200" marR="0" lvl="0" indent="-342900" algn="l" rtl="0">
-              <a:lnSpc>
-                <a:spcPct val="90000"/>
-              </a:lnSpc>
-              <a:spcBef>
-                <a:spcPts val="1000"/>
-              </a:spcBef>
-              <a:spcAft>
-                <a:spcPts val="0"/>
-              </a:spcAft>
-              <a:buClr>
-                <a:schemeClr val="dk1"/>
-              </a:buClr>
-              <a:buSzPts val="1800"/>
-              <a:buFont typeface="Arial"/>
-              <a:buChar char="•"/>
-            </a:pPr>
-            <a:r>
-              <a:rPr lang="es-ES" sz="2800" dirty="0">
-                <a:solidFill>
-                  <a:srgbClr val="A5A5A5"/>
-                </a:solidFill>
-                <a:latin typeface="Calibri"/>
-                <a:ea typeface="Calibri"/>
-                <a:cs typeface="Calibri"/>
-                <a:sym typeface="Calibri"/>
-              </a:rPr>
-              <a:t>Objetivos</a:t>
-            </a:r>
-          </a:p>
-          <a:p>
-            <a:pPr marL="457200" marR="0" lvl="0" indent="-342900" algn="l" rtl="0">
-              <a:lnSpc>
-                <a:spcPct val="90000"/>
-              </a:lnSpc>
-              <a:spcBef>
-                <a:spcPts val="1000"/>
-              </a:spcBef>
-              <a:spcAft>
-                <a:spcPts val="0"/>
-              </a:spcAft>
-              <a:buClr>
-                <a:schemeClr val="dk1"/>
-              </a:buClr>
-              <a:buSzPts val="1800"/>
-              <a:buFont typeface="Arial"/>
-              <a:buChar char="•"/>
-            </a:pPr>
-            <a:r>
-              <a:rPr lang="es-ES" sz="2800" dirty="0">
-                <a:solidFill>
-                  <a:srgbClr val="A5A5A5"/>
-                </a:solidFill>
-                <a:latin typeface="Calibri"/>
-                <a:ea typeface="Calibri"/>
-                <a:cs typeface="Calibri"/>
-                <a:sym typeface="Calibri"/>
-              </a:rPr>
-              <a:t>Calendario y estructura</a:t>
-            </a:r>
-          </a:p>
-          <a:p>
-            <a:pPr marL="457200" marR="0" lvl="0" indent="-342900" algn="l" rtl="0">
-              <a:lnSpc>
-                <a:spcPct val="90000"/>
-              </a:lnSpc>
-              <a:spcBef>
-                <a:spcPts val="1000"/>
-              </a:spcBef>
-              <a:spcAft>
-                <a:spcPts val="0"/>
-              </a:spcAft>
-              <a:buClr>
-                <a:schemeClr val="dk1"/>
-              </a:buClr>
-              <a:buSzPts val="1800"/>
-              <a:buFont typeface="Arial"/>
-              <a:buChar char="•"/>
-            </a:pPr>
-            <a:r>
-              <a:rPr lang="es-ES" sz="2800" dirty="0">
-                <a:solidFill>
-                  <a:srgbClr val="A5A5A5"/>
-                </a:solidFill>
-                <a:latin typeface="Calibri"/>
-                <a:ea typeface="Calibri"/>
-                <a:cs typeface="Calibri"/>
-                <a:sym typeface="Calibri"/>
-              </a:rPr>
-              <a:t>Evaluación</a:t>
-            </a:r>
-          </a:p>
-          <a:p>
-            <a:pPr marL="457200" marR="0" lvl="0" indent="-342900" algn="l" rtl="0">
-              <a:lnSpc>
-                <a:spcPct val="90000"/>
-              </a:lnSpc>
-              <a:spcBef>
-                <a:spcPts val="1000"/>
-              </a:spcBef>
-              <a:spcAft>
-                <a:spcPts val="0"/>
-              </a:spcAft>
-              <a:buClr>
-                <a:schemeClr val="dk1"/>
-              </a:buClr>
-              <a:buSzPts val="1800"/>
-              <a:buFont typeface="Arial"/>
-              <a:buChar char="•"/>
-            </a:pPr>
-            <a:r>
-              <a:rPr lang="es-ES" sz="2800" b="1" dirty="0">
-                <a:solidFill>
-                  <a:srgbClr val="006DA5"/>
-                </a:solidFill>
-                <a:latin typeface="Calibri"/>
-                <a:ea typeface="Calibri"/>
-                <a:cs typeface="Calibri"/>
-                <a:sym typeface="Calibri"/>
-              </a:rPr>
-              <a:t>Referencias</a:t>
-            </a:r>
-            <a:endParaRPr lang="en-US" sz="2800" b="1" dirty="0">
-              <a:solidFill>
-                <a:srgbClr val="006DA5"/>
-              </a:solidFill>
-              <a:latin typeface="Calibri"/>
-              <a:ea typeface="Calibri"/>
-              <a:cs typeface="Calibri"/>
-              <a:sym typeface="Calibri"/>
-            </a:endParaRPr>
-          </a:p>
-          <a:p>
-            <a:pPr marL="457200" marR="0" lvl="0" indent="-228600" algn="l" rtl="0">
-              <a:lnSpc>
-                <a:spcPct val="90000"/>
-              </a:lnSpc>
-              <a:spcBef>
-                <a:spcPts val="1000"/>
-              </a:spcBef>
-              <a:spcAft>
-                <a:spcPts val="0"/>
-              </a:spcAft>
-              <a:buClr>
-                <a:schemeClr val="dk1"/>
-              </a:buClr>
-              <a:buSzPts val="1800"/>
-              <a:buFont typeface="Arial"/>
-              <a:buNone/>
-            </a:pPr>
-            <a:endParaRPr lang="es-ES" sz="3200" b="0" i="0" u="none" strike="noStrike" cap="none" dirty="0">
-              <a:solidFill>
-                <a:schemeClr val="dk1"/>
-              </a:solidFill>
-              <a:latin typeface="Calibri"/>
-              <a:ea typeface="Calibri"/>
-              <a:cs typeface="Calibri"/>
-              <a:sym typeface="Calibri"/>
-            </a:endParaRPr>
-          </a:p>
-        </p:txBody>
-      </p:sp>
-    </p:spTree>
-    <p:extLst>
-      <p:ext uri="{BB962C8B-B14F-4D97-AF65-F5344CB8AC3E}">
-        <p14:creationId xmlns:p14="http://schemas.microsoft.com/office/powerpoint/2010/main" val="134597860"/>
-      </p:ext>
-    </p:extLst>
-  </p:cSld>
-  <p:clrMapOvr>
-    <a:masterClrMapping/>
-  </p:clrMapOvr>
-</p:sld>
-</file>
-
-<file path=ppt/slides/slide13.xml><?xml version="1.0" encoding="utf-8"?>
-<p:sld xmlns:a="http://schemas.openxmlformats.org/drawingml/2006/main" xmlns:r="http://schemas.openxmlformats.org/officeDocument/2006/relationships" xmlns:p="http://schemas.openxmlformats.org/presentationml/2006/main">
-  <p:cSld>
-    <p:spTree>
-      <p:nvGrpSpPr>
-        <p:cNvPr id="1" name="Shape 213"/>
-        <p:cNvGrpSpPr/>
-        <p:nvPr/>
-      </p:nvGrpSpPr>
-      <p:grpSpPr>
-        <a:xfrm>
-          <a:off x="0" y="0"/>
-          <a:ext cx="0" cy="0"/>
-          <a:chOff x="0" y="0"/>
-          <a:chExt cx="0" cy="0"/>
-        </a:xfrm>
-      </p:grpSpPr>
-      <p:sp>
-        <p:nvSpPr>
-          <p:cNvPr id="214" name="Google Shape;214;p16"/>
-          <p:cNvSpPr txBox="1">
-            <a:spLocks noGrp="1"/>
-          </p:cNvSpPr>
-          <p:nvPr>
-            <p:ph type="sldNum" idx="12"/>
-          </p:nvPr>
-        </p:nvSpPr>
-        <p:spPr>
-          <a:xfrm>
-            <a:off x="6457950" y="6356355"/>
-            <a:ext cx="2057400" cy="365125"/>
-          </a:xfrm>
-          <a:prstGeom prst="rect">
-            <a:avLst/>
-          </a:prstGeom>
-          <a:noFill/>
-          <a:ln>
-            <a:noFill/>
-          </a:ln>
-        </p:spPr>
-        <p:txBody>
-          <a:bodyPr spcFirstLastPara="1" wrap="square" lIns="91425" tIns="45700" rIns="91425" bIns="45700" anchor="ctr" anchorCtr="0">
-            <a:noAutofit/>
-          </a:bodyPr>
-          <a:lstStyle/>
-          <a:p>
-            <a:pPr marL="0" lvl="0" indent="0" algn="r" rtl="0">
-              <a:spcBef>
-                <a:spcPts val="0"/>
-              </a:spcBef>
-              <a:spcAft>
-                <a:spcPts val="0"/>
-              </a:spcAft>
-              <a:buNone/>
-            </a:pPr>
-            <a:fld id="{00000000-1234-1234-1234-123412341234}" type="slidenum">
-              <a:rPr lang="en-US"/>
-              <a:t>13</a:t>
-            </a:fld>
-            <a:endParaRPr/>
-          </a:p>
-        </p:txBody>
-      </p:sp>
-      <p:sp>
-        <p:nvSpPr>
-          <p:cNvPr id="215" name="Google Shape;215;p16"/>
-          <p:cNvSpPr txBox="1"/>
-          <p:nvPr/>
-        </p:nvSpPr>
-        <p:spPr>
-          <a:xfrm>
-            <a:off x="628649" y="2237517"/>
-            <a:ext cx="8039489" cy="4118838"/>
-          </a:xfrm>
-          <a:prstGeom prst="rect">
-            <a:avLst/>
-          </a:prstGeom>
-          <a:noFill/>
-          <a:ln>
-            <a:noFill/>
-          </a:ln>
-        </p:spPr>
-        <p:txBody>
-          <a:bodyPr spcFirstLastPara="1" wrap="square" lIns="91425" tIns="45700" rIns="91425" bIns="45700" anchor="t" anchorCtr="0">
-            <a:normAutofit/>
-          </a:bodyPr>
-          <a:lstStyle/>
-          <a:p>
-            <a:pPr marL="628650" marR="0" lvl="0" indent="-514350" algn="l" rtl="0">
-              <a:lnSpc>
-                <a:spcPct val="90000"/>
-              </a:lnSpc>
-              <a:spcBef>
-                <a:spcPts val="1000"/>
-              </a:spcBef>
-              <a:spcAft>
-                <a:spcPts val="0"/>
-              </a:spcAft>
-              <a:buClr>
-                <a:schemeClr val="dk1"/>
-              </a:buClr>
-              <a:buSzPts val="1800"/>
-              <a:buFont typeface="Arial"/>
-              <a:buAutoNum type="arabicPeriod"/>
-            </a:pPr>
-            <a:r>
-              <a:rPr lang="en-US" sz="2000" i="1">
-                <a:solidFill>
-                  <a:schemeClr val="dk1"/>
-                </a:solidFill>
-                <a:latin typeface="Calibri"/>
-                <a:ea typeface="Calibri"/>
-                <a:cs typeface="Calibri"/>
-                <a:sym typeface="Calibri"/>
-              </a:rPr>
-              <a:t>Jason Brownlee</a:t>
-            </a:r>
-            <a:r>
-              <a:rPr lang="en-US" sz="2000">
-                <a:solidFill>
-                  <a:schemeClr val="dk1"/>
-                </a:solidFill>
-                <a:latin typeface="Calibri"/>
-                <a:ea typeface="Calibri"/>
-                <a:cs typeface="Calibri"/>
-                <a:sym typeface="Calibri"/>
-              </a:rPr>
-              <a:t>, “Machine Learning Mastery with Python: Understand Your Data, Create Accurate Models and Work Projects End-to-end”, Machine Learning Mastery, 2016</a:t>
-            </a:r>
-            <a:endParaRPr/>
-          </a:p>
-          <a:p>
-            <a:pPr marL="628650" marR="0" lvl="0" indent="-514350" algn="l" rtl="0">
-              <a:lnSpc>
-                <a:spcPct val="90000"/>
-              </a:lnSpc>
-              <a:spcBef>
-                <a:spcPts val="1000"/>
-              </a:spcBef>
-              <a:spcAft>
-                <a:spcPts val="0"/>
-              </a:spcAft>
-              <a:buClr>
-                <a:schemeClr val="dk1"/>
-              </a:buClr>
-              <a:buSzPts val="1800"/>
-              <a:buFont typeface="Arial"/>
-              <a:buAutoNum type="arabicPeriod"/>
-            </a:pPr>
-            <a:r>
-              <a:rPr lang="en-US" sz="2000" i="1">
-                <a:solidFill>
-                  <a:schemeClr val="dk1"/>
-                </a:solidFill>
-                <a:latin typeface="Calibri"/>
-                <a:ea typeface="Calibri"/>
-                <a:cs typeface="Calibri"/>
-                <a:sym typeface="Calibri"/>
-              </a:rPr>
-              <a:t>Laura Igual &amp; Santi Seguí</a:t>
-            </a:r>
-            <a:r>
-              <a:rPr lang="en-US" sz="2000">
-                <a:solidFill>
-                  <a:schemeClr val="dk1"/>
-                </a:solidFill>
-                <a:latin typeface="Calibri"/>
-                <a:ea typeface="Calibri"/>
-                <a:cs typeface="Calibri"/>
-                <a:sym typeface="Calibri"/>
-              </a:rPr>
-              <a:t>, “Introduction to Data Science: A Python Approach to Concepts, Techniques and Applications “, Springer, 2017</a:t>
-            </a:r>
-            <a:endParaRPr sz="2800">
-              <a:solidFill>
-                <a:schemeClr val="dk1"/>
-              </a:solidFill>
-              <a:latin typeface="Calibri"/>
-              <a:ea typeface="Calibri"/>
-              <a:cs typeface="Calibri"/>
-              <a:sym typeface="Calibri"/>
-            </a:endParaRPr>
-          </a:p>
-          <a:p>
-            <a:pPr marL="628650" marR="0" lvl="0" indent="-514350" algn="l" rtl="0">
-              <a:lnSpc>
-                <a:spcPct val="90000"/>
-              </a:lnSpc>
-              <a:spcBef>
-                <a:spcPts val="1000"/>
-              </a:spcBef>
-              <a:spcAft>
-                <a:spcPts val="0"/>
-              </a:spcAft>
-              <a:buClr>
-                <a:schemeClr val="dk1"/>
-              </a:buClr>
-              <a:buSzPts val="1800"/>
-              <a:buFont typeface="Arial"/>
-              <a:buAutoNum type="arabicPeriod"/>
-            </a:pPr>
-            <a:r>
-              <a:rPr lang="en-US" sz="2000" i="1">
-                <a:solidFill>
-                  <a:schemeClr val="dk1"/>
-                </a:solidFill>
-                <a:latin typeface="Calibri"/>
-                <a:ea typeface="Calibri"/>
-                <a:cs typeface="Calibri"/>
-                <a:sym typeface="Calibri"/>
-              </a:rPr>
-              <a:t>Morteza Nazari-Heris et al</a:t>
-            </a:r>
-            <a:r>
-              <a:rPr lang="en-US" sz="2000">
-                <a:solidFill>
-                  <a:schemeClr val="dk1"/>
-                </a:solidFill>
-                <a:latin typeface="Calibri"/>
-                <a:ea typeface="Calibri"/>
-                <a:cs typeface="Calibri"/>
-                <a:sym typeface="Calibri"/>
-              </a:rPr>
-              <a:t>, “Application of Machine Learning and Deep Learning Methods to Power System Problems”, Springer, 2021</a:t>
-            </a:r>
-            <a:endParaRPr/>
-          </a:p>
-        </p:txBody>
-      </p:sp>
-      <p:sp>
-        <p:nvSpPr>
-          <p:cNvPr id="216" name="Google Shape;216;p16"/>
-          <p:cNvSpPr txBox="1">
-            <a:spLocks noGrp="1"/>
-          </p:cNvSpPr>
-          <p:nvPr>
-            <p:ph type="title"/>
-          </p:nvPr>
-        </p:nvSpPr>
-        <p:spPr>
-          <a:xfrm>
-            <a:off x="628650" y="1131248"/>
-            <a:ext cx="7886700" cy="763455"/>
-          </a:xfrm>
-          <a:prstGeom prst="rect">
-            <a:avLst/>
-          </a:prstGeom>
-          <a:noFill/>
-          <a:ln>
-            <a:noFill/>
-          </a:ln>
-        </p:spPr>
-        <p:txBody>
-          <a:bodyPr spcFirstLastPara="1" wrap="square" lIns="91425" tIns="45700" rIns="91425" bIns="45700" anchor="ctr" anchorCtr="0">
-            <a:normAutofit/>
-          </a:bodyPr>
-          <a:lstStyle/>
-          <a:p>
-            <a:pPr marL="0" lvl="0" indent="0" algn="ctr" rtl="0">
-              <a:lnSpc>
-                <a:spcPct val="90000"/>
-              </a:lnSpc>
-              <a:spcBef>
-                <a:spcPts val="0"/>
-              </a:spcBef>
-              <a:spcAft>
-                <a:spcPts val="0"/>
-              </a:spcAft>
-              <a:buClr>
-                <a:schemeClr val="dk1"/>
-              </a:buClr>
-              <a:buSzPts val="4000"/>
-              <a:buFont typeface="Calibri"/>
-              <a:buNone/>
-            </a:pPr>
-            <a:r>
-              <a:rPr lang="es-ES" b="1" noProof="0" dirty="0"/>
-              <a:t>Referencias</a:t>
-            </a:r>
-          </a:p>
-        </p:txBody>
-      </p:sp>
-    </p:spTree>
-  </p:cSld>
-  <p:clrMapOvr>
-    <a:masterClrMapping/>
-  </p:clrMapOvr>
-</p:sld>
-</file>
-
-<file path=ppt/slides/slide2.xml><?xml version="1.0" encoding="utf-8"?>
-<p:sld xmlns:a="http://schemas.openxmlformats.org/drawingml/2006/main" xmlns:r="http://schemas.openxmlformats.org/officeDocument/2006/relationships" xmlns:p="http://schemas.openxmlformats.org/presentationml/2006/main">
-  <p:cSld>
-    <p:spTree>
-      <p:nvGrpSpPr>
-        <p:cNvPr id="1" name="Shape 80"/>
-        <p:cNvGrpSpPr/>
-        <p:nvPr/>
-      </p:nvGrpSpPr>
-      <p:grpSpPr>
-        <a:xfrm>
-          <a:off x="0" y="0"/>
-          <a:ext cx="0" cy="0"/>
-          <a:chOff x="0" y="0"/>
-          <a:chExt cx="0" cy="0"/>
-        </a:xfrm>
-      </p:grpSpPr>
-      <p:sp>
-        <p:nvSpPr>
-          <p:cNvPr id="81" name="Google Shape;81;p2"/>
-          <p:cNvSpPr txBox="1">
-            <a:spLocks noGrp="1"/>
-          </p:cNvSpPr>
-          <p:nvPr>
-            <p:ph type="sldNum" idx="12"/>
-          </p:nvPr>
-        </p:nvSpPr>
-        <p:spPr>
-          <a:xfrm>
-            <a:off x="6457950" y="6356355"/>
-            <a:ext cx="2057400" cy="365125"/>
-          </a:xfrm>
-          <a:prstGeom prst="rect">
-            <a:avLst/>
-          </a:prstGeom>
-          <a:noFill/>
-          <a:ln>
-            <a:noFill/>
-          </a:ln>
-        </p:spPr>
-        <p:txBody>
-          <a:bodyPr spcFirstLastPara="1" wrap="square" lIns="91425" tIns="45700" rIns="91425" bIns="45700" anchor="ctr" anchorCtr="0">
-            <a:noAutofit/>
-          </a:bodyPr>
-          <a:lstStyle/>
-          <a:p>
-            <a:pPr marL="0" lvl="0" indent="0" algn="r" rtl="0">
-              <a:spcBef>
-                <a:spcPts val="0"/>
-              </a:spcBef>
-              <a:spcAft>
-                <a:spcPts val="0"/>
-              </a:spcAft>
-              <a:buNone/>
-            </a:pPr>
-            <a:fld id="{00000000-1234-1234-1234-123412341234}" type="slidenum">
-              <a:rPr lang="en-US"/>
-              <a:t>2</a:t>
-            </a:fld>
-            <a:endParaRPr/>
-          </a:p>
-        </p:txBody>
-      </p:sp>
-      <p:sp>
-        <p:nvSpPr>
-          <p:cNvPr id="82" name="Google Shape;82;p2"/>
-          <p:cNvSpPr txBox="1">
-            <a:spLocks noGrp="1"/>
-          </p:cNvSpPr>
-          <p:nvPr>
-            <p:ph type="title"/>
-          </p:nvPr>
-        </p:nvSpPr>
-        <p:spPr>
-          <a:xfrm>
-            <a:off x="628650" y="1131248"/>
-            <a:ext cx="7886700" cy="763455"/>
-          </a:xfrm>
-          <a:prstGeom prst="rect">
-            <a:avLst/>
-          </a:prstGeom>
-          <a:noFill/>
-          <a:ln>
-            <a:noFill/>
-          </a:ln>
-        </p:spPr>
-        <p:txBody>
-          <a:bodyPr spcFirstLastPara="1" wrap="square" lIns="91425" tIns="45700" rIns="91425" bIns="45700" anchor="ctr" anchorCtr="0">
-            <a:normAutofit/>
-          </a:bodyPr>
-          <a:lstStyle/>
-          <a:p>
-            <a:pPr marL="0" lvl="0" indent="0" algn="ctr" rtl="0">
-              <a:lnSpc>
-                <a:spcPct val="90000"/>
-              </a:lnSpc>
-              <a:spcBef>
-                <a:spcPts val="0"/>
-              </a:spcBef>
-              <a:spcAft>
-                <a:spcPts val="0"/>
-              </a:spcAft>
-              <a:buClr>
-                <a:schemeClr val="dk1"/>
-              </a:buClr>
-              <a:buSzPts val="4000"/>
-              <a:buFont typeface="Calibri"/>
-              <a:buNone/>
-            </a:pPr>
-            <a:r>
-              <a:rPr lang="es-ES" b="1" noProof="0" dirty="0"/>
-              <a:t>Introducción al curso</a:t>
-            </a:r>
-          </a:p>
-        </p:txBody>
-      </p:sp>
-      <p:sp>
-        <p:nvSpPr>
-          <p:cNvPr id="83" name="Google Shape;83;p2"/>
-          <p:cNvSpPr txBox="1"/>
-          <p:nvPr/>
-        </p:nvSpPr>
-        <p:spPr>
-          <a:xfrm>
-            <a:off x="628650" y="2254245"/>
-            <a:ext cx="7886700" cy="2784894"/>
-          </a:xfrm>
-          <a:prstGeom prst="rect">
-            <a:avLst/>
-          </a:prstGeom>
-          <a:noFill/>
-          <a:ln>
-            <a:noFill/>
-          </a:ln>
-        </p:spPr>
-        <p:txBody>
-          <a:bodyPr spcFirstLastPara="1" wrap="square" lIns="91425" tIns="45700" rIns="91425" bIns="45700" anchor="t" anchorCtr="0">
-            <a:normAutofit/>
-          </a:bodyPr>
-          <a:lstStyle/>
-          <a:p>
-            <a:pPr marL="457200" marR="0" lvl="0" indent="-342900" algn="l" rtl="0">
-              <a:lnSpc>
-                <a:spcPct val="90000"/>
-              </a:lnSpc>
-              <a:spcBef>
-                <a:spcPts val="1000"/>
-              </a:spcBef>
-              <a:spcAft>
-                <a:spcPts val="0"/>
-              </a:spcAft>
-              <a:buClr>
-                <a:schemeClr val="dk1"/>
-              </a:buClr>
-              <a:buSzPts val="1800"/>
-              <a:buFont typeface="Arial"/>
-              <a:buChar char="•"/>
-            </a:pPr>
-            <a:r>
-              <a:rPr lang="en-US" sz="2800" b="0" i="0" u="none" strike="noStrike" cap="none" dirty="0" err="1">
-                <a:solidFill>
-                  <a:schemeClr val="dk1"/>
-                </a:solidFill>
-                <a:latin typeface="Calibri"/>
-                <a:ea typeface="Calibri"/>
-                <a:cs typeface="Calibri"/>
-                <a:sym typeface="Calibri"/>
-              </a:rPr>
-              <a:t>Introducción</a:t>
-            </a:r>
-            <a:r>
-              <a:rPr lang="en-US" sz="2800" b="0" i="0" u="none" strike="noStrike" cap="none" dirty="0">
-                <a:solidFill>
-                  <a:schemeClr val="dk1"/>
-                </a:solidFill>
-                <a:latin typeface="Calibri"/>
-                <a:ea typeface="Calibri"/>
-                <a:cs typeface="Calibri"/>
-                <a:sym typeface="Calibri"/>
-              </a:rPr>
-              <a:t> del </a:t>
-            </a:r>
-            <a:r>
-              <a:rPr lang="en-US" sz="2800" b="0" i="0" u="none" strike="noStrike" cap="none" dirty="0" err="1">
-                <a:solidFill>
-                  <a:schemeClr val="dk1"/>
-                </a:solidFill>
-                <a:latin typeface="Calibri"/>
-                <a:ea typeface="Calibri"/>
-                <a:cs typeface="Calibri"/>
-                <a:sym typeface="Calibri"/>
-              </a:rPr>
-              <a:t>profesorado</a:t>
-            </a:r>
-            <a:endParaRPr lang="en-US" sz="2800" dirty="0">
-              <a:solidFill>
-                <a:schemeClr val="dk1"/>
-              </a:solidFill>
-              <a:latin typeface="Calibri"/>
-              <a:ea typeface="Calibri"/>
-              <a:cs typeface="Calibri"/>
-              <a:sym typeface="Calibri"/>
-            </a:endParaRPr>
-          </a:p>
-          <a:p>
-            <a:pPr marL="457200" marR="0" lvl="0" indent="-342900" algn="l" rtl="0">
-              <a:lnSpc>
-                <a:spcPct val="90000"/>
-              </a:lnSpc>
-              <a:spcBef>
-                <a:spcPts val="1000"/>
-              </a:spcBef>
-              <a:spcAft>
-                <a:spcPts val="0"/>
-              </a:spcAft>
-              <a:buClr>
-                <a:schemeClr val="dk1"/>
-              </a:buClr>
-              <a:buSzPts val="1800"/>
-              <a:buFont typeface="Arial"/>
-              <a:buChar char="•"/>
-            </a:pPr>
-            <a:r>
-              <a:rPr lang="en-US" sz="2800" b="0" i="0" u="none" strike="noStrike" cap="none" dirty="0" err="1">
-                <a:solidFill>
-                  <a:schemeClr val="dk1"/>
-                </a:solidFill>
-                <a:latin typeface="Calibri"/>
-                <a:ea typeface="Calibri"/>
-                <a:cs typeface="Calibri"/>
-                <a:sym typeface="Calibri"/>
-              </a:rPr>
-              <a:t>Objetivos</a:t>
-            </a:r>
-            <a:endParaRPr sz="2800" b="0" i="0" u="none" strike="noStrike" cap="none" dirty="0">
-              <a:solidFill>
-                <a:schemeClr val="dk1"/>
-              </a:solidFill>
-              <a:latin typeface="Calibri"/>
-              <a:ea typeface="Calibri"/>
-              <a:cs typeface="Calibri"/>
-              <a:sym typeface="Calibri"/>
-            </a:endParaRPr>
-          </a:p>
-          <a:p>
-            <a:pPr marL="457200" marR="0" lvl="0" indent="-342900" algn="l" rtl="0">
-              <a:lnSpc>
-                <a:spcPct val="90000"/>
-              </a:lnSpc>
-              <a:spcBef>
-                <a:spcPts val="1000"/>
-              </a:spcBef>
-              <a:spcAft>
-                <a:spcPts val="0"/>
-              </a:spcAft>
-              <a:buClr>
-                <a:schemeClr val="dk1"/>
-              </a:buClr>
-              <a:buSzPts val="1800"/>
-              <a:buFont typeface="Arial"/>
-              <a:buChar char="•"/>
-            </a:pPr>
-            <a:r>
-              <a:rPr lang="en-US" sz="2800" b="0" i="0" u="none" strike="noStrike" cap="none" dirty="0" err="1">
-                <a:solidFill>
-                  <a:schemeClr val="dk1"/>
-                </a:solidFill>
-                <a:latin typeface="Calibri"/>
-                <a:ea typeface="Calibri"/>
-                <a:cs typeface="Calibri"/>
-                <a:sym typeface="Calibri"/>
-              </a:rPr>
-              <a:t>Calendario</a:t>
-            </a:r>
-            <a:r>
-              <a:rPr lang="en-US" sz="2800" b="0" i="0" u="none" strike="noStrike" cap="none" dirty="0">
-                <a:solidFill>
-                  <a:schemeClr val="dk1"/>
-                </a:solidFill>
-                <a:latin typeface="Calibri"/>
-                <a:ea typeface="Calibri"/>
-                <a:cs typeface="Calibri"/>
-                <a:sym typeface="Calibri"/>
-              </a:rPr>
-              <a:t> y </a:t>
-            </a:r>
-            <a:r>
-              <a:rPr lang="en-US" sz="2800" b="0" i="0" u="none" strike="noStrike" cap="none" dirty="0" err="1">
-                <a:solidFill>
-                  <a:schemeClr val="dk1"/>
-                </a:solidFill>
-                <a:latin typeface="Calibri"/>
-                <a:ea typeface="Calibri"/>
-                <a:cs typeface="Calibri"/>
-                <a:sym typeface="Calibri"/>
-              </a:rPr>
-              <a:t>estructura</a:t>
-            </a:r>
-            <a:endParaRPr sz="2800" b="0" i="0" u="none" strike="noStrike" cap="none" dirty="0">
-              <a:solidFill>
-                <a:schemeClr val="dk1"/>
-              </a:solidFill>
-              <a:latin typeface="Calibri"/>
-              <a:ea typeface="Calibri"/>
-              <a:cs typeface="Calibri"/>
-              <a:sym typeface="Calibri"/>
-            </a:endParaRPr>
-          </a:p>
-          <a:p>
-            <a:pPr marL="457200" marR="0" lvl="0" indent="-342900" algn="l" rtl="0">
-              <a:lnSpc>
-                <a:spcPct val="90000"/>
-              </a:lnSpc>
-              <a:spcBef>
-                <a:spcPts val="1000"/>
-              </a:spcBef>
-              <a:spcAft>
-                <a:spcPts val="0"/>
-              </a:spcAft>
-              <a:buClr>
-                <a:schemeClr val="dk1"/>
-              </a:buClr>
-              <a:buSzPts val="1800"/>
-              <a:buFont typeface="Arial"/>
-              <a:buChar char="•"/>
-            </a:pPr>
-            <a:r>
-              <a:rPr lang="en-US" sz="2800" b="0" i="0" u="none" strike="noStrike" cap="none" dirty="0" err="1">
-                <a:solidFill>
-                  <a:schemeClr val="dk1"/>
-                </a:solidFill>
-                <a:latin typeface="Calibri"/>
-                <a:ea typeface="Calibri"/>
-                <a:cs typeface="Calibri"/>
-                <a:sym typeface="Calibri"/>
-              </a:rPr>
-              <a:t>Evaluación</a:t>
-            </a:r>
-            <a:endParaRPr sz="2800" b="0" i="0" u="none" strike="noStrike" cap="none" dirty="0">
-              <a:solidFill>
-                <a:schemeClr val="dk1"/>
-              </a:solidFill>
-              <a:latin typeface="Calibri"/>
-              <a:ea typeface="Calibri"/>
-              <a:cs typeface="Calibri"/>
-              <a:sym typeface="Calibri"/>
-            </a:endParaRPr>
-          </a:p>
-          <a:p>
-            <a:pPr marL="457200" marR="0" lvl="0" indent="-342900" algn="l" rtl="0">
-              <a:lnSpc>
-                <a:spcPct val="90000"/>
-              </a:lnSpc>
-              <a:spcBef>
-                <a:spcPts val="1000"/>
-              </a:spcBef>
-              <a:spcAft>
-                <a:spcPts val="0"/>
-              </a:spcAft>
-              <a:buClr>
-                <a:schemeClr val="dk1"/>
-              </a:buClr>
-              <a:buSzPts val="1800"/>
-              <a:buFont typeface="Arial"/>
-              <a:buChar char="•"/>
-            </a:pPr>
-            <a:r>
-              <a:rPr lang="en-US" sz="2800" b="0" i="0" u="none" strike="noStrike" cap="none" dirty="0" err="1">
-                <a:solidFill>
-                  <a:schemeClr val="dk1"/>
-                </a:solidFill>
-                <a:latin typeface="Calibri"/>
-                <a:ea typeface="Calibri"/>
-                <a:cs typeface="Calibri"/>
-                <a:sym typeface="Calibri"/>
-              </a:rPr>
-              <a:t>Referencias</a:t>
-            </a:r>
-            <a:endParaRPr sz="2800" b="0" i="0" u="none" strike="noStrike" cap="none" dirty="0">
-              <a:solidFill>
-                <a:schemeClr val="dk1"/>
-              </a:solidFill>
-              <a:latin typeface="Calibri"/>
-              <a:ea typeface="Calibri"/>
-              <a:cs typeface="Calibri"/>
-              <a:sym typeface="Calibri"/>
-            </a:endParaRPr>
-          </a:p>
-          <a:p>
-            <a:pPr marL="457200" marR="0" lvl="0" indent="-228600" algn="l" rtl="0">
-              <a:lnSpc>
-                <a:spcPct val="90000"/>
-              </a:lnSpc>
-              <a:spcBef>
-                <a:spcPts val="1000"/>
-              </a:spcBef>
-              <a:spcAft>
-                <a:spcPts val="0"/>
-              </a:spcAft>
-              <a:buClr>
-                <a:schemeClr val="dk1"/>
-              </a:buClr>
-              <a:buSzPts val="1800"/>
-              <a:buFont typeface="Arial"/>
-              <a:buNone/>
-            </a:pPr>
-            <a:endParaRPr sz="2800" b="0" i="0" u="none" strike="noStrike" cap="none" dirty="0">
-              <a:solidFill>
-                <a:schemeClr val="dk1"/>
-              </a:solidFill>
-              <a:latin typeface="Calibri"/>
-              <a:ea typeface="Calibri"/>
-              <a:cs typeface="Calibri"/>
-              <a:sym typeface="Calibri"/>
-            </a:endParaRPr>
-          </a:p>
-        </p:txBody>
-      </p:sp>
-    </p:spTree>
-  </p:cSld>
-  <p:clrMapOvr>
-    <a:masterClrMapping/>
-  </p:clrMapOvr>
-</p:sld>
-</file>
-
-<file path=ppt/slides/slide3.xml><?xml version="1.0" encoding="utf-8"?>
-<p:sld xmlns:a="http://schemas.openxmlformats.org/drawingml/2006/main" xmlns:r="http://schemas.openxmlformats.org/officeDocument/2006/relationships" xmlns:p="http://schemas.openxmlformats.org/presentationml/2006/main">
-  <p:cSld>
-    <p:spTree>
-      <p:nvGrpSpPr>
-        <p:cNvPr id="1" name="Shape 87"/>
-        <p:cNvGrpSpPr/>
-        <p:nvPr/>
-      </p:nvGrpSpPr>
-      <p:grpSpPr>
-        <a:xfrm>
-          <a:off x="0" y="0"/>
-          <a:ext cx="0" cy="0"/>
-          <a:chOff x="0" y="0"/>
-          <a:chExt cx="0" cy="0"/>
-        </a:xfrm>
-      </p:grpSpPr>
-      <p:sp>
-        <p:nvSpPr>
-          <p:cNvPr id="88" name="Google Shape;88;p3"/>
-          <p:cNvSpPr txBox="1">
-            <a:spLocks noGrp="1"/>
-          </p:cNvSpPr>
-          <p:nvPr>
-            <p:ph type="sldNum" idx="12"/>
-          </p:nvPr>
-        </p:nvSpPr>
-        <p:spPr>
-          <a:xfrm>
-            <a:off x="6457950" y="6356355"/>
-            <a:ext cx="2057400" cy="365125"/>
-          </a:xfrm>
-          <a:prstGeom prst="rect">
-            <a:avLst/>
-          </a:prstGeom>
-          <a:noFill/>
-          <a:ln>
-            <a:noFill/>
-          </a:ln>
-        </p:spPr>
-        <p:txBody>
-          <a:bodyPr spcFirstLastPara="1" wrap="square" lIns="91425" tIns="45700" rIns="91425" bIns="45700" anchor="ctr" anchorCtr="0">
-            <a:noAutofit/>
-          </a:bodyPr>
-          <a:lstStyle/>
-          <a:p>
-            <a:pPr marL="0" lvl="0" indent="0" algn="r" rtl="0">
-              <a:spcBef>
-                <a:spcPts val="0"/>
-              </a:spcBef>
-              <a:spcAft>
-                <a:spcPts val="0"/>
-              </a:spcAft>
-              <a:buNone/>
-            </a:pPr>
-            <a:fld id="{00000000-1234-1234-1234-123412341234}" type="slidenum">
-              <a:rPr lang="en-US"/>
-              <a:t>3</a:t>
-            </a:fld>
-            <a:endParaRPr/>
-          </a:p>
-        </p:txBody>
-      </p:sp>
-      <p:sp>
-        <p:nvSpPr>
-          <p:cNvPr id="89" name="Google Shape;89;p3"/>
-          <p:cNvSpPr txBox="1">
-            <a:spLocks noGrp="1"/>
-          </p:cNvSpPr>
-          <p:nvPr>
-            <p:ph type="title"/>
-          </p:nvPr>
-        </p:nvSpPr>
-        <p:spPr>
-          <a:xfrm>
-            <a:off x="628650" y="1131248"/>
-            <a:ext cx="7886700" cy="763455"/>
-          </a:xfrm>
-          <a:prstGeom prst="rect">
-            <a:avLst/>
-          </a:prstGeom>
-          <a:noFill/>
-          <a:ln>
-            <a:noFill/>
-          </a:ln>
-        </p:spPr>
-        <p:txBody>
-          <a:bodyPr spcFirstLastPara="1" wrap="square" lIns="91425" tIns="45700" rIns="91425" bIns="45700" anchor="ctr" anchorCtr="0">
-            <a:normAutofit/>
-          </a:bodyPr>
-          <a:lstStyle/>
-          <a:p>
-            <a:pPr marL="0" lvl="0" indent="0" algn="ctr" rtl="0">
-              <a:lnSpc>
-                <a:spcPct val="90000"/>
-              </a:lnSpc>
-              <a:spcBef>
-                <a:spcPts val="0"/>
-              </a:spcBef>
-              <a:spcAft>
-                <a:spcPts val="0"/>
-              </a:spcAft>
-              <a:buClr>
-                <a:schemeClr val="dk1"/>
-              </a:buClr>
-              <a:buSzPts val="4000"/>
-              <a:buFont typeface="Calibri"/>
-              <a:buNone/>
-            </a:pPr>
-            <a:r>
-              <a:rPr lang="es-ES" b="1" noProof="0" dirty="0"/>
-              <a:t>Introducción al curso</a:t>
-            </a:r>
-          </a:p>
-        </p:txBody>
-      </p:sp>
-      <p:sp>
-        <p:nvSpPr>
-          <p:cNvPr id="90" name="Google Shape;90;p3"/>
-          <p:cNvSpPr txBox="1"/>
-          <p:nvPr/>
-        </p:nvSpPr>
-        <p:spPr>
-          <a:xfrm>
-            <a:off x="628650" y="2254245"/>
-            <a:ext cx="7886700" cy="2784894"/>
-          </a:xfrm>
-          <a:prstGeom prst="rect">
-            <a:avLst/>
-          </a:prstGeom>
-          <a:noFill/>
-          <a:ln>
-            <a:noFill/>
-          </a:ln>
-        </p:spPr>
-        <p:txBody>
-          <a:bodyPr spcFirstLastPara="1" wrap="square" lIns="91425" tIns="45700" rIns="91425" bIns="45700" anchor="t" anchorCtr="0">
-            <a:normAutofit/>
-          </a:bodyPr>
-          <a:lstStyle/>
-          <a:p>
-            <a:pPr marL="457200" marR="0" lvl="0" indent="-342900" algn="l" rtl="0">
-              <a:lnSpc>
-                <a:spcPct val="90000"/>
-              </a:lnSpc>
-              <a:spcBef>
-                <a:spcPts val="1000"/>
-              </a:spcBef>
-              <a:spcAft>
-                <a:spcPts val="0"/>
-              </a:spcAft>
-              <a:buClr>
-                <a:schemeClr val="dk1"/>
-              </a:buClr>
-              <a:buSzPts val="1800"/>
-              <a:buFont typeface="Arial"/>
-              <a:buChar char="•"/>
-            </a:pPr>
-            <a:r>
-              <a:rPr lang="es-ES" sz="2800" b="1" dirty="0">
-                <a:solidFill>
-                  <a:srgbClr val="006DA5"/>
-                </a:solidFill>
-                <a:latin typeface="Calibri"/>
-                <a:ea typeface="Calibri"/>
-                <a:cs typeface="Calibri"/>
-                <a:sym typeface="Calibri"/>
-              </a:rPr>
-              <a:t>Introducción del profesorado</a:t>
-            </a:r>
-          </a:p>
-          <a:p>
-            <a:pPr marL="457200" marR="0" lvl="0" indent="-342900" algn="l" rtl="0">
-              <a:lnSpc>
-                <a:spcPct val="90000"/>
-              </a:lnSpc>
-              <a:spcBef>
-                <a:spcPts val="1000"/>
-              </a:spcBef>
-              <a:spcAft>
-                <a:spcPts val="0"/>
-              </a:spcAft>
-              <a:buClr>
-                <a:schemeClr val="dk1"/>
-              </a:buClr>
-              <a:buSzPts val="1800"/>
-              <a:buFont typeface="Arial"/>
-              <a:buChar char="•"/>
-            </a:pPr>
-            <a:r>
-              <a:rPr lang="es-ES" sz="2800" dirty="0">
-                <a:solidFill>
-                  <a:srgbClr val="A5A5A5"/>
-                </a:solidFill>
-                <a:latin typeface="Calibri"/>
-                <a:ea typeface="Calibri"/>
-                <a:cs typeface="Calibri"/>
-                <a:sym typeface="Calibri"/>
-              </a:rPr>
-              <a:t>Objetivos</a:t>
-            </a:r>
-          </a:p>
-          <a:p>
-            <a:pPr marL="457200" marR="0" lvl="0" indent="-342900" algn="l" rtl="0">
-              <a:lnSpc>
-                <a:spcPct val="90000"/>
-              </a:lnSpc>
-              <a:spcBef>
-                <a:spcPts val="1000"/>
-              </a:spcBef>
-              <a:spcAft>
-                <a:spcPts val="0"/>
-              </a:spcAft>
-              <a:buClr>
-                <a:schemeClr val="dk1"/>
-              </a:buClr>
-              <a:buSzPts val="1800"/>
-              <a:buFont typeface="Arial"/>
-              <a:buChar char="•"/>
-            </a:pPr>
-            <a:r>
-              <a:rPr lang="es-ES" sz="2800" dirty="0">
-                <a:solidFill>
-                  <a:srgbClr val="A5A5A5"/>
-                </a:solidFill>
-                <a:latin typeface="Calibri"/>
-                <a:ea typeface="Calibri"/>
-                <a:cs typeface="Calibri"/>
-                <a:sym typeface="Calibri"/>
-              </a:rPr>
-              <a:t>Calendario y estructura</a:t>
-            </a:r>
-          </a:p>
-          <a:p>
-            <a:pPr marL="457200" marR="0" lvl="0" indent="-342900" algn="l" rtl="0">
-              <a:lnSpc>
-                <a:spcPct val="90000"/>
-              </a:lnSpc>
-              <a:spcBef>
-                <a:spcPts val="1000"/>
-              </a:spcBef>
-              <a:spcAft>
-                <a:spcPts val="0"/>
-              </a:spcAft>
-              <a:buClr>
-                <a:schemeClr val="dk1"/>
-              </a:buClr>
-              <a:buSzPts val="1800"/>
-              <a:buFont typeface="Arial"/>
-              <a:buChar char="•"/>
-            </a:pPr>
-            <a:r>
-              <a:rPr lang="es-ES" sz="2800" dirty="0">
-                <a:solidFill>
-                  <a:srgbClr val="A5A5A5"/>
-                </a:solidFill>
-                <a:latin typeface="Calibri"/>
-                <a:ea typeface="Calibri"/>
-                <a:cs typeface="Calibri"/>
-                <a:sym typeface="Calibri"/>
-              </a:rPr>
-              <a:t>Evaluación</a:t>
-            </a:r>
-          </a:p>
-          <a:p>
-            <a:pPr marL="457200" marR="0" lvl="0" indent="-342900" algn="l" rtl="0">
-              <a:lnSpc>
-                <a:spcPct val="90000"/>
-              </a:lnSpc>
-              <a:spcBef>
-                <a:spcPts val="1000"/>
-              </a:spcBef>
-              <a:spcAft>
-                <a:spcPts val="0"/>
-              </a:spcAft>
-              <a:buClr>
-                <a:schemeClr val="dk1"/>
-              </a:buClr>
-              <a:buSzPts val="1800"/>
-              <a:buFont typeface="Arial"/>
-              <a:buChar char="•"/>
-            </a:pPr>
-            <a:r>
-              <a:rPr lang="es-ES" sz="2800" dirty="0">
-                <a:solidFill>
-                  <a:srgbClr val="A5A5A5"/>
-                </a:solidFill>
-                <a:latin typeface="Calibri"/>
-                <a:ea typeface="Calibri"/>
-                <a:cs typeface="Calibri"/>
-                <a:sym typeface="Calibri"/>
-              </a:rPr>
-              <a:t>Referencias</a:t>
-            </a:r>
-            <a:endParaRPr lang="en-US" sz="2800" dirty="0">
-              <a:solidFill>
-                <a:srgbClr val="A5A5A5"/>
-              </a:solidFill>
-              <a:latin typeface="Calibri"/>
-              <a:ea typeface="Calibri"/>
-              <a:cs typeface="Calibri"/>
-              <a:sym typeface="Calibri"/>
-            </a:endParaRPr>
-          </a:p>
-          <a:p>
-            <a:pPr marL="457200" marR="0" lvl="0" indent="-228600" algn="l" rtl="0">
-              <a:lnSpc>
-                <a:spcPct val="90000"/>
-              </a:lnSpc>
-              <a:spcBef>
-                <a:spcPts val="1000"/>
-              </a:spcBef>
-              <a:spcAft>
-                <a:spcPts val="0"/>
-              </a:spcAft>
-              <a:buClr>
-                <a:schemeClr val="dk1"/>
-              </a:buClr>
-              <a:buSzPts val="1800"/>
-              <a:buFont typeface="Arial"/>
-              <a:buNone/>
-            </a:pPr>
-            <a:endParaRPr lang="es-ES" sz="3200" b="0" i="0" u="none" strike="noStrike" cap="none" dirty="0">
-              <a:solidFill>
-                <a:schemeClr val="dk1"/>
-              </a:solidFill>
-              <a:latin typeface="Calibri"/>
-              <a:ea typeface="Calibri"/>
-              <a:cs typeface="Calibri"/>
-              <a:sym typeface="Calibri"/>
-            </a:endParaRPr>
-          </a:p>
-        </p:txBody>
-      </p:sp>
-    </p:spTree>
-  </p:cSld>
-  <p:clrMapOvr>
-    <a:masterClrMapping/>
-  </p:clrMapOvr>
-</p:sld>
-</file>
-
-<file path=ppt/slides/slide4.xml><?xml version="1.0" encoding="utf-8"?>
-<p:sld xmlns:a="http://schemas.openxmlformats.org/drawingml/2006/main" xmlns:r="http://schemas.openxmlformats.org/officeDocument/2006/relationships" xmlns:p="http://schemas.openxmlformats.org/presentationml/2006/main">
-  <p:cSld>
-    <p:spTree>
-      <p:nvGrpSpPr>
-        <p:cNvPr id="1" name="Shape 94"/>
-        <p:cNvGrpSpPr/>
-        <p:nvPr/>
-      </p:nvGrpSpPr>
-      <p:grpSpPr>
-        <a:xfrm>
-          <a:off x="0" y="0"/>
-          <a:ext cx="0" cy="0"/>
-          <a:chOff x="0" y="0"/>
-          <a:chExt cx="0" cy="0"/>
-        </a:xfrm>
-      </p:grpSpPr>
-      <p:sp>
-        <p:nvSpPr>
-          <p:cNvPr id="95" name="Google Shape;95;p4"/>
-          <p:cNvSpPr txBox="1">
-            <a:spLocks noGrp="1"/>
-          </p:cNvSpPr>
-          <p:nvPr>
-            <p:ph type="sldNum" idx="12"/>
-          </p:nvPr>
-        </p:nvSpPr>
-        <p:spPr>
-          <a:xfrm>
-            <a:off x="6457950" y="6356355"/>
-            <a:ext cx="2057400" cy="365125"/>
-          </a:xfrm>
-          <a:prstGeom prst="rect">
-            <a:avLst/>
-          </a:prstGeom>
-          <a:noFill/>
-          <a:ln>
-            <a:noFill/>
-          </a:ln>
-        </p:spPr>
-        <p:txBody>
-          <a:bodyPr spcFirstLastPara="1" wrap="square" lIns="91425" tIns="45700" rIns="91425" bIns="45700" anchor="ctr" anchorCtr="0">
-            <a:noAutofit/>
-          </a:bodyPr>
-          <a:lstStyle/>
-          <a:p>
-            <a:pPr marL="0" lvl="0" indent="0" algn="r" rtl="0">
-              <a:spcBef>
-                <a:spcPts val="0"/>
-              </a:spcBef>
-              <a:spcAft>
-                <a:spcPts val="0"/>
-              </a:spcAft>
-              <a:buNone/>
-            </a:pPr>
-            <a:fld id="{00000000-1234-1234-1234-123412341234}" type="slidenum">
-              <a:rPr lang="en-US"/>
-              <a:t>4</a:t>
-            </a:fld>
-            <a:endParaRPr/>
-          </a:p>
-        </p:txBody>
-      </p:sp>
-      <p:sp>
-        <p:nvSpPr>
-          <p:cNvPr id="99" name="Google Shape;99;p4"/>
-          <p:cNvSpPr txBox="1">
-            <a:spLocks noGrp="1"/>
-          </p:cNvSpPr>
-          <p:nvPr>
-            <p:ph type="title"/>
-          </p:nvPr>
-        </p:nvSpPr>
-        <p:spPr>
-          <a:xfrm>
-            <a:off x="628650" y="1131248"/>
-            <a:ext cx="7886700" cy="763455"/>
-          </a:xfrm>
-          <a:prstGeom prst="rect">
-            <a:avLst/>
-          </a:prstGeom>
-          <a:noFill/>
-          <a:ln>
-            <a:noFill/>
-          </a:ln>
-        </p:spPr>
-        <p:txBody>
-          <a:bodyPr spcFirstLastPara="1" wrap="square" lIns="91425" tIns="45700" rIns="91425" bIns="45700" anchor="ctr" anchorCtr="0">
-            <a:normAutofit/>
-          </a:bodyPr>
-          <a:lstStyle/>
-          <a:p>
-            <a:pPr marL="0" lvl="0" indent="0" algn="ctr" rtl="0">
-              <a:lnSpc>
-                <a:spcPct val="90000"/>
-              </a:lnSpc>
-              <a:spcBef>
-                <a:spcPts val="0"/>
-              </a:spcBef>
-              <a:spcAft>
-                <a:spcPts val="0"/>
-              </a:spcAft>
-              <a:buClr>
-                <a:schemeClr val="dk1"/>
-              </a:buClr>
-              <a:buSzPts val="4000"/>
-              <a:buFont typeface="Calibri"/>
-              <a:buNone/>
-            </a:pPr>
-            <a:r>
-              <a:rPr lang="es-ES" b="1" noProof="0" dirty="0"/>
-              <a:t>Profesorado</a:t>
-            </a:r>
-          </a:p>
-        </p:txBody>
-      </p:sp>
-      <p:grpSp>
-        <p:nvGrpSpPr>
-          <p:cNvPr id="4" name="Group 3">
-            <a:extLst>
-              <a:ext uri="{FF2B5EF4-FFF2-40B4-BE49-F238E27FC236}">
-                <a16:creationId xmlns:a16="http://schemas.microsoft.com/office/drawing/2014/main" id="{21F8EEC0-451E-4E49-8242-6B1AEAC1B35E}"/>
-              </a:ext>
-            </a:extLst>
-          </p:cNvPr>
-          <p:cNvGrpSpPr/>
-          <p:nvPr/>
-        </p:nvGrpSpPr>
-        <p:grpSpPr>
-          <a:xfrm>
-            <a:off x="309562" y="2764219"/>
-            <a:ext cx="2352676" cy="2999957"/>
-            <a:chOff x="713287" y="2764219"/>
-            <a:chExt cx="2352676" cy="2999957"/>
-          </a:xfrm>
-        </p:grpSpPr>
-        <p:sp>
-          <p:nvSpPr>
-            <p:cNvPr id="96" name="Google Shape;96;p4"/>
-            <p:cNvSpPr txBox="1"/>
-            <p:nvPr/>
-          </p:nvSpPr>
-          <p:spPr>
-            <a:xfrm>
-              <a:off x="713287" y="4526119"/>
-              <a:ext cx="2352676" cy="1238057"/>
-            </a:xfrm>
-            <a:prstGeom prst="rect">
-              <a:avLst/>
-            </a:prstGeom>
-            <a:noFill/>
-            <a:ln>
-              <a:noFill/>
-            </a:ln>
-          </p:spPr>
-          <p:txBody>
-            <a:bodyPr spcFirstLastPara="1" wrap="square" lIns="91425" tIns="45700" rIns="91425" bIns="45700" anchor="t" anchorCtr="0">
-              <a:noAutofit/>
-            </a:bodyPr>
-            <a:lstStyle/>
-            <a:p>
-              <a:pPr marR="0" lvl="1" algn="ctr" rtl="0">
-                <a:lnSpc>
-                  <a:spcPct val="150000"/>
-                </a:lnSpc>
-                <a:spcBef>
-                  <a:spcPts val="500"/>
-                </a:spcBef>
-                <a:spcAft>
-                  <a:spcPts val="0"/>
-                </a:spcAft>
-                <a:buClr>
-                  <a:schemeClr val="dk1"/>
-                </a:buClr>
-                <a:buSzPts val="1800"/>
-              </a:pPr>
-              <a:r>
-                <a:rPr lang="en-US" sz="1800" b="0" i="0" u="none" strike="noStrike" cap="none" dirty="0">
-                  <a:solidFill>
-                    <a:schemeClr val="dk1"/>
-                  </a:solidFill>
-                  <a:latin typeface="Calibri"/>
-                  <a:ea typeface="Calibri"/>
-                  <a:cs typeface="Calibri"/>
-                  <a:sym typeface="Calibri"/>
-                </a:rPr>
-                <a:t>Vinicius Gadelha</a:t>
-              </a:r>
-              <a:endParaRPr lang="en-US" sz="1600" b="0" i="0" u="sng" strike="noStrike" cap="none" dirty="0">
-                <a:solidFill>
-                  <a:schemeClr val="hlink"/>
-                </a:solidFill>
-                <a:latin typeface="Calibri"/>
-                <a:ea typeface="Calibri"/>
-                <a:cs typeface="Calibri"/>
-                <a:sym typeface="Calibri"/>
-              </a:endParaRPr>
-            </a:p>
-            <a:p>
-              <a:pPr marR="0" lvl="1" algn="ctr" rtl="0">
-                <a:lnSpc>
-                  <a:spcPct val="150000"/>
-                </a:lnSpc>
-                <a:spcBef>
-                  <a:spcPts val="500"/>
-                </a:spcBef>
-                <a:spcAft>
-                  <a:spcPts val="0"/>
-                </a:spcAft>
-                <a:buClr>
-                  <a:schemeClr val="dk1"/>
-                </a:buClr>
-                <a:buSzPts val="1800"/>
-              </a:pPr>
-              <a:r>
-                <a:rPr lang="en-US" sz="1600" b="0" i="0" u="sng" strike="noStrike" cap="none" dirty="0">
-                  <a:solidFill>
-                    <a:schemeClr val="hlink"/>
-                  </a:solidFill>
-                  <a:latin typeface="Calibri"/>
-                  <a:ea typeface="Calibri"/>
-                  <a:cs typeface="Calibri"/>
-                  <a:sym typeface="Calibri"/>
-                </a:rPr>
-                <a:t>vinicius.gadelha@upc.edu</a:t>
-              </a:r>
-              <a:endParaRPr sz="1600" b="0" i="0" u="none" strike="noStrike" cap="none" dirty="0">
-                <a:solidFill>
-                  <a:schemeClr val="dk1"/>
-                </a:solidFill>
-                <a:latin typeface="Calibri"/>
-                <a:ea typeface="Calibri"/>
-                <a:cs typeface="Calibri"/>
-                <a:sym typeface="Calibri"/>
-              </a:endParaRPr>
-            </a:p>
-          </p:txBody>
-        </p:sp>
-        <p:pic>
-          <p:nvPicPr>
-            <p:cNvPr id="100" name="Google Shape;100;p4"/>
-            <p:cNvPicPr preferRelativeResize="0"/>
-            <p:nvPr/>
-          </p:nvPicPr>
-          <p:blipFill rotWithShape="1">
-            <a:blip r:embed="rId3"/>
-            <a:srcRect l="34626" t="6093" r="39196" b="35785"/>
-            <a:stretch/>
-          </p:blipFill>
-          <p:spPr>
-            <a:xfrm>
-              <a:off x="1079625" y="2764219"/>
-              <a:ext cx="1620000" cy="1620000"/>
-            </a:xfrm>
-            <a:prstGeom prst="ellipse">
-              <a:avLst/>
-            </a:prstGeom>
-            <a:noFill/>
-            <a:ln w="9525" cap="rnd" cmpd="sng">
-              <a:solidFill>
-                <a:schemeClr val="dk1"/>
-              </a:solidFill>
-              <a:prstDash val="solid"/>
-              <a:round/>
-              <a:headEnd type="none" w="sm" len="sm"/>
-              <a:tailEnd type="none" w="sm" len="sm"/>
-            </a:ln>
-          </p:spPr>
-        </p:pic>
-      </p:grpSp>
-      <p:grpSp>
-        <p:nvGrpSpPr>
-          <p:cNvPr id="2" name="Group 1">
-            <a:extLst>
-              <a:ext uri="{FF2B5EF4-FFF2-40B4-BE49-F238E27FC236}">
-                <a16:creationId xmlns:a16="http://schemas.microsoft.com/office/drawing/2014/main" id="{F42EBC42-703E-46B7-A2C7-DE238E482EB5}"/>
-              </a:ext>
-            </a:extLst>
-          </p:cNvPr>
-          <p:cNvGrpSpPr/>
-          <p:nvPr/>
-        </p:nvGrpSpPr>
-        <p:grpSpPr>
-          <a:xfrm>
-            <a:off x="6481762" y="2764219"/>
-            <a:ext cx="2352676" cy="2999957"/>
-            <a:chOff x="6371137" y="2764219"/>
-            <a:chExt cx="2352676" cy="2999957"/>
-          </a:xfrm>
-        </p:grpSpPr>
-        <p:sp>
-          <p:nvSpPr>
-            <p:cNvPr id="10" name="Google Shape;96;p4">
-              <a:extLst>
-                <a:ext uri="{FF2B5EF4-FFF2-40B4-BE49-F238E27FC236}">
-                  <a16:creationId xmlns:a16="http://schemas.microsoft.com/office/drawing/2014/main" id="{09EA4EE9-2FA1-4B71-BC0D-E0AC6A951C95}"/>
-                </a:ext>
-              </a:extLst>
-            </p:cNvPr>
-            <p:cNvSpPr txBox="1"/>
-            <p:nvPr/>
-          </p:nvSpPr>
-          <p:spPr>
-            <a:xfrm>
-              <a:off x="6371137" y="4526119"/>
-              <a:ext cx="2352676" cy="1238057"/>
-            </a:xfrm>
-            <a:prstGeom prst="rect">
-              <a:avLst/>
-            </a:prstGeom>
-            <a:noFill/>
-            <a:ln>
-              <a:noFill/>
-            </a:ln>
-          </p:spPr>
-          <p:txBody>
-            <a:bodyPr spcFirstLastPara="1" wrap="square" lIns="91425" tIns="45700" rIns="91425" bIns="45700" anchor="t" anchorCtr="0">
-              <a:noAutofit/>
-            </a:bodyPr>
-            <a:lstStyle/>
-            <a:p>
-              <a:pPr marR="0" lvl="1" algn="ctr" rtl="0">
-                <a:lnSpc>
-                  <a:spcPct val="150000"/>
-                </a:lnSpc>
-                <a:spcBef>
-                  <a:spcPts val="500"/>
-                </a:spcBef>
-                <a:spcAft>
-                  <a:spcPts val="0"/>
-                </a:spcAft>
-                <a:buClr>
-                  <a:schemeClr val="dk1"/>
-                </a:buClr>
-                <a:buSzPts val="1800"/>
-              </a:pPr>
-              <a:r>
-                <a:rPr lang="en-US" sz="1800" b="0" i="0" u="none" strike="noStrike" cap="none" dirty="0">
-                  <a:solidFill>
-                    <a:schemeClr val="dk1"/>
-                  </a:solidFill>
-                  <a:latin typeface="Calibri"/>
-                  <a:ea typeface="Calibri"/>
-                  <a:cs typeface="Calibri"/>
-                  <a:sym typeface="Calibri"/>
-                </a:rPr>
-                <a:t>Marc Jené Vinuesa</a:t>
-              </a:r>
-            </a:p>
-            <a:p>
-              <a:pPr marR="0" lvl="1" algn="ctr" rtl="0">
-                <a:lnSpc>
-                  <a:spcPct val="150000"/>
-                </a:lnSpc>
-                <a:spcBef>
-                  <a:spcPts val="500"/>
-                </a:spcBef>
-                <a:spcAft>
-                  <a:spcPts val="0"/>
-                </a:spcAft>
-                <a:buClr>
-                  <a:schemeClr val="dk1"/>
-                </a:buClr>
-                <a:buSzPts val="1800"/>
-              </a:pPr>
-              <a:r>
-                <a:rPr lang="en-US" sz="1600" b="0" i="0" u="sng" strike="noStrike" cap="none" dirty="0">
-                  <a:solidFill>
-                    <a:schemeClr val="hlink"/>
-                  </a:solidFill>
-                  <a:latin typeface="Calibri"/>
-                  <a:ea typeface="Calibri"/>
-                  <a:cs typeface="Calibri"/>
-                  <a:sym typeface="Calibri"/>
-                  <a:hlinkClick r:id="rId4"/>
-                </a:rPr>
-                <a:t>marc.jene@upc.edu</a:t>
-              </a:r>
-              <a:endParaRPr sz="1600" b="0" i="0" u="none" strike="noStrike" cap="none" dirty="0">
-                <a:solidFill>
-                  <a:schemeClr val="dk1"/>
-                </a:solidFill>
-                <a:latin typeface="Calibri"/>
-                <a:ea typeface="Calibri"/>
-                <a:cs typeface="Calibri"/>
-                <a:sym typeface="Calibri"/>
-              </a:endParaRPr>
-            </a:p>
-          </p:txBody>
-        </p:sp>
-        <p:pic>
-          <p:nvPicPr>
-            <p:cNvPr id="11" name="Google Shape;100;p4">
-              <a:extLst>
-                <a:ext uri="{FF2B5EF4-FFF2-40B4-BE49-F238E27FC236}">
-                  <a16:creationId xmlns:a16="http://schemas.microsoft.com/office/drawing/2014/main" id="{59B80B27-7F92-4220-AD34-C21367C57004}"/>
-                </a:ext>
-              </a:extLst>
-            </p:cNvPr>
-            <p:cNvPicPr preferRelativeResize="0"/>
-            <p:nvPr/>
-          </p:nvPicPr>
-          <p:blipFill rotWithShape="1">
-            <a:blip r:embed="rId5">
-              <a:alphaModFix/>
-            </a:blip>
-            <a:srcRect/>
-            <a:stretch/>
-          </p:blipFill>
-          <p:spPr>
-            <a:xfrm>
-              <a:off x="6737475" y="2764219"/>
-              <a:ext cx="1620000" cy="1620000"/>
-            </a:xfrm>
-            <a:prstGeom prst="ellipse">
-              <a:avLst/>
-            </a:prstGeom>
-            <a:noFill/>
-            <a:ln w="9525" cap="rnd" cmpd="sng">
-              <a:solidFill>
-                <a:schemeClr val="dk1"/>
-              </a:solidFill>
-              <a:prstDash val="solid"/>
-              <a:round/>
-              <a:headEnd type="none" w="sm" len="sm"/>
-              <a:tailEnd type="none" w="sm" len="sm"/>
-            </a:ln>
-          </p:spPr>
-        </p:pic>
-      </p:grpSp>
-      <p:grpSp>
-        <p:nvGrpSpPr>
-          <p:cNvPr id="6" name="Group 5">
-            <a:extLst>
-              <a:ext uri="{FF2B5EF4-FFF2-40B4-BE49-F238E27FC236}">
-                <a16:creationId xmlns:a16="http://schemas.microsoft.com/office/drawing/2014/main" id="{1E147B53-984E-4CF1-8893-26FB514DDFAC}"/>
-              </a:ext>
-            </a:extLst>
-          </p:cNvPr>
-          <p:cNvGrpSpPr/>
-          <p:nvPr/>
-        </p:nvGrpSpPr>
-        <p:grpSpPr>
-          <a:xfrm>
-            <a:off x="2847976" y="2764219"/>
-            <a:ext cx="3448049" cy="2999957"/>
-            <a:chOff x="2847975" y="2764219"/>
-            <a:chExt cx="3448049" cy="2999957"/>
-          </a:xfrm>
-        </p:grpSpPr>
-        <p:sp>
-          <p:nvSpPr>
-            <p:cNvPr id="8" name="Google Shape;96;p4">
-              <a:extLst>
-                <a:ext uri="{FF2B5EF4-FFF2-40B4-BE49-F238E27FC236}">
-                  <a16:creationId xmlns:a16="http://schemas.microsoft.com/office/drawing/2014/main" id="{0D13CC6E-BD0A-46AB-90B0-AFD0D283006D}"/>
-                </a:ext>
-              </a:extLst>
-            </p:cNvPr>
-            <p:cNvSpPr txBox="1"/>
-            <p:nvPr/>
-          </p:nvSpPr>
-          <p:spPr>
-            <a:xfrm>
-              <a:off x="2847975" y="4526119"/>
-              <a:ext cx="3448049" cy="1238057"/>
-            </a:xfrm>
-            <a:prstGeom prst="rect">
-              <a:avLst/>
-            </a:prstGeom>
-            <a:noFill/>
-            <a:ln>
-              <a:noFill/>
-            </a:ln>
-          </p:spPr>
-          <p:txBody>
-            <a:bodyPr spcFirstLastPara="1" wrap="square" lIns="91425" tIns="45700" rIns="91425" bIns="45700" anchor="t" anchorCtr="0">
-              <a:noAutofit/>
-            </a:bodyPr>
-            <a:lstStyle/>
-            <a:p>
-              <a:pPr marR="0" lvl="1" algn="ctr" rtl="0">
-                <a:lnSpc>
-                  <a:spcPct val="150000"/>
-                </a:lnSpc>
-                <a:spcBef>
-                  <a:spcPts val="500"/>
-                </a:spcBef>
-                <a:spcAft>
-                  <a:spcPts val="0"/>
-                </a:spcAft>
-                <a:buClr>
-                  <a:schemeClr val="dk1"/>
-                </a:buClr>
-                <a:buSzPts val="1800"/>
-              </a:pPr>
-              <a:r>
-                <a:rPr lang="en-US" sz="1800" b="0" i="0" u="none" strike="noStrike" cap="none" dirty="0">
-                  <a:solidFill>
-                    <a:schemeClr val="dk1"/>
-                  </a:solidFill>
-                  <a:latin typeface="Calibri"/>
-                  <a:ea typeface="Calibri"/>
-                  <a:cs typeface="Calibri"/>
-                  <a:sym typeface="Calibri"/>
-                </a:rPr>
-                <a:t>Antonio E. </a:t>
-              </a:r>
-              <a:r>
-                <a:rPr lang="en-US" sz="1800" dirty="0" err="1">
-                  <a:solidFill>
-                    <a:schemeClr val="dk1"/>
-                  </a:solidFill>
-                  <a:latin typeface="Calibri"/>
-                  <a:ea typeface="Calibri"/>
-                  <a:cs typeface="Calibri"/>
-                  <a:sym typeface="Calibri"/>
-                </a:rPr>
-                <a:t>Saldaña</a:t>
-              </a:r>
-              <a:r>
-                <a:rPr lang="en-US" sz="1800" dirty="0">
-                  <a:solidFill>
-                    <a:schemeClr val="dk1"/>
-                  </a:solidFill>
-                  <a:latin typeface="Calibri"/>
-                  <a:ea typeface="Calibri"/>
-                  <a:cs typeface="Calibri"/>
-                  <a:sym typeface="Calibri"/>
-                </a:rPr>
-                <a:t> González</a:t>
-              </a:r>
-              <a:r>
-                <a:rPr lang="en-US" sz="1800" b="0" i="0" u="none" strike="noStrike" cap="none" dirty="0">
-                  <a:solidFill>
-                    <a:schemeClr val="dk1"/>
-                  </a:solidFill>
-                  <a:latin typeface="Calibri"/>
-                  <a:ea typeface="Calibri"/>
-                  <a:cs typeface="Calibri"/>
-                  <a:sym typeface="Calibri"/>
-                </a:rPr>
-                <a:t> </a:t>
-              </a:r>
-              <a:endParaRPr lang="en-US" sz="1800" b="0" i="0" u="sng" strike="noStrike" cap="none" dirty="0">
-                <a:solidFill>
-                  <a:schemeClr val="hlink"/>
-                </a:solidFill>
-                <a:latin typeface="Calibri"/>
-                <a:ea typeface="Calibri"/>
-                <a:cs typeface="Calibri"/>
-                <a:sym typeface="Calibri"/>
-              </a:endParaRPr>
-            </a:p>
-            <a:p>
-              <a:pPr marR="0" lvl="1" algn="ctr" rtl="0">
-                <a:lnSpc>
-                  <a:spcPct val="150000"/>
-                </a:lnSpc>
-                <a:spcBef>
-                  <a:spcPts val="500"/>
-                </a:spcBef>
-                <a:spcAft>
-                  <a:spcPts val="0"/>
-                </a:spcAft>
-                <a:buClr>
-                  <a:schemeClr val="dk1"/>
-                </a:buClr>
-                <a:buSzPts val="1800"/>
-              </a:pPr>
-              <a:r>
-                <a:rPr lang="en-US" sz="1600" b="0" i="0" u="sng" strike="noStrike" cap="none" dirty="0">
-                  <a:solidFill>
-                    <a:schemeClr val="hlink"/>
-                  </a:solidFill>
-                  <a:latin typeface="Calibri"/>
-                  <a:ea typeface="Calibri"/>
-                  <a:cs typeface="Calibri"/>
-                  <a:sym typeface="Calibri"/>
-                </a:rPr>
-                <a:t>antonio.emmanuel.saldana@upc.edu</a:t>
-              </a:r>
-              <a:endParaRPr sz="1600" b="0" i="0" u="none" strike="noStrike" cap="none" dirty="0">
-                <a:solidFill>
-                  <a:schemeClr val="dk1"/>
-                </a:solidFill>
-                <a:latin typeface="Calibri"/>
-                <a:ea typeface="Calibri"/>
-                <a:cs typeface="Calibri"/>
-                <a:sym typeface="Calibri"/>
-              </a:endParaRPr>
-            </a:p>
-          </p:txBody>
-        </p:sp>
-        <p:pic>
-          <p:nvPicPr>
-            <p:cNvPr id="18" name="Google Shape;115;p6">
-              <a:extLst>
-                <a:ext uri="{FF2B5EF4-FFF2-40B4-BE49-F238E27FC236}">
-                  <a16:creationId xmlns:a16="http://schemas.microsoft.com/office/drawing/2014/main" id="{E9EFAC7C-F6B3-4A07-BEDE-4FB739D4307C}"/>
-                </a:ext>
-              </a:extLst>
-            </p:cNvPr>
-            <p:cNvPicPr preferRelativeResize="0"/>
-            <p:nvPr/>
-          </p:nvPicPr>
-          <p:blipFill rotWithShape="1">
-            <a:blip r:embed="rId6">
-              <a:alphaModFix/>
-            </a:blip>
-            <a:srcRect/>
-            <a:stretch/>
-          </p:blipFill>
-          <p:spPr>
-            <a:xfrm>
-              <a:off x="3761999" y="2764219"/>
-              <a:ext cx="1620000" cy="1620000"/>
-            </a:xfrm>
-            <a:prstGeom prst="ellipse">
-              <a:avLst/>
-            </a:prstGeom>
-            <a:noFill/>
-            <a:ln w="9525" cap="rnd" cmpd="sng">
-              <a:solidFill>
-                <a:schemeClr val="dk1"/>
-              </a:solidFill>
-              <a:prstDash val="solid"/>
-              <a:round/>
-              <a:headEnd type="none" w="sm" len="sm"/>
-              <a:tailEnd type="none" w="sm" len="sm"/>
-            </a:ln>
-          </p:spPr>
-        </p:pic>
-      </p:grpSp>
-    </p:spTree>
-  </p:cSld>
-  <p:clrMapOvr>
-    <a:masterClrMapping/>
-  </p:clrMapOvr>
-</p:sld>
-</file>
-
-<file path=ppt/slides/slide5.xml><?xml version="1.0" encoding="utf-8"?>
-<p:sld xmlns:a="http://schemas.openxmlformats.org/drawingml/2006/main" xmlns:r="http://schemas.openxmlformats.org/officeDocument/2006/relationships" xmlns:p="http://schemas.openxmlformats.org/presentationml/2006/main">
-  <p:cSld>
-    <p:spTree>
-      <p:nvGrpSpPr>
-        <p:cNvPr id="1" name="Shape 87"/>
-        <p:cNvGrpSpPr/>
-        <p:nvPr/>
-      </p:nvGrpSpPr>
-      <p:grpSpPr>
-        <a:xfrm>
-          <a:off x="0" y="0"/>
-          <a:ext cx="0" cy="0"/>
-          <a:chOff x="0" y="0"/>
-          <a:chExt cx="0" cy="0"/>
-        </a:xfrm>
-      </p:grpSpPr>
-      <p:sp>
-        <p:nvSpPr>
-          <p:cNvPr id="88" name="Google Shape;88;p3"/>
-          <p:cNvSpPr txBox="1">
-            <a:spLocks noGrp="1"/>
-          </p:cNvSpPr>
-          <p:nvPr>
-            <p:ph type="sldNum" idx="12"/>
-          </p:nvPr>
-        </p:nvSpPr>
-        <p:spPr>
-          <a:xfrm>
-            <a:off x="6457950" y="6356355"/>
-            <a:ext cx="2057400" cy="365125"/>
-          </a:xfrm>
-          <a:prstGeom prst="rect">
-            <a:avLst/>
-          </a:prstGeom>
-          <a:noFill/>
-          <a:ln>
-            <a:noFill/>
-          </a:ln>
-        </p:spPr>
-        <p:txBody>
-          <a:bodyPr spcFirstLastPara="1" wrap="square" lIns="91425" tIns="45700" rIns="91425" bIns="45700" anchor="ctr" anchorCtr="0">
-            <a:noAutofit/>
-          </a:bodyPr>
-          <a:lstStyle/>
-          <a:p>
-            <a:pPr marL="0" lvl="0" indent="0" algn="r" rtl="0">
-              <a:spcBef>
-                <a:spcPts val="0"/>
-              </a:spcBef>
-              <a:spcAft>
-                <a:spcPts val="0"/>
-              </a:spcAft>
-              <a:buNone/>
-            </a:pPr>
-            <a:fld id="{00000000-1234-1234-1234-123412341234}" type="slidenum">
-              <a:rPr lang="en-US"/>
-              <a:t>5</a:t>
-            </a:fld>
-            <a:endParaRPr/>
-          </a:p>
-        </p:txBody>
-      </p:sp>
-      <p:sp>
-        <p:nvSpPr>
-          <p:cNvPr id="89" name="Google Shape;89;p3"/>
-          <p:cNvSpPr txBox="1">
-            <a:spLocks noGrp="1"/>
-          </p:cNvSpPr>
-          <p:nvPr>
-            <p:ph type="title"/>
-          </p:nvPr>
-        </p:nvSpPr>
-        <p:spPr>
-          <a:xfrm>
-            <a:off x="628650" y="1131248"/>
-            <a:ext cx="7886700" cy="763455"/>
-          </a:xfrm>
-          <a:prstGeom prst="rect">
-            <a:avLst/>
-          </a:prstGeom>
-          <a:noFill/>
-          <a:ln>
-            <a:noFill/>
-          </a:ln>
-        </p:spPr>
-        <p:txBody>
-          <a:bodyPr spcFirstLastPara="1" wrap="square" lIns="91425" tIns="45700" rIns="91425" bIns="45700" anchor="ctr" anchorCtr="0">
-            <a:normAutofit/>
-          </a:bodyPr>
-          <a:lstStyle/>
-          <a:p>
-            <a:pPr marL="0" lvl="0" indent="0" algn="ctr" rtl="0">
-              <a:lnSpc>
-                <a:spcPct val="90000"/>
-              </a:lnSpc>
-              <a:spcBef>
-                <a:spcPts val="0"/>
-              </a:spcBef>
-              <a:spcAft>
-                <a:spcPts val="0"/>
-              </a:spcAft>
-              <a:buClr>
-                <a:schemeClr val="dk1"/>
-              </a:buClr>
-              <a:buSzPts val="4000"/>
-              <a:buFont typeface="Calibri"/>
-              <a:buNone/>
-            </a:pPr>
-            <a:r>
-              <a:rPr lang="es-ES" b="1" noProof="0" dirty="0"/>
-              <a:t>Introducción al curso</a:t>
-            </a:r>
-          </a:p>
-        </p:txBody>
-      </p:sp>
-      <p:sp>
-        <p:nvSpPr>
-          <p:cNvPr id="90" name="Google Shape;90;p3"/>
-          <p:cNvSpPr txBox="1"/>
-          <p:nvPr/>
-        </p:nvSpPr>
-        <p:spPr>
-          <a:xfrm>
-            <a:off x="628650" y="2254245"/>
-            <a:ext cx="7886700" cy="2784894"/>
-          </a:xfrm>
-          <a:prstGeom prst="rect">
-            <a:avLst/>
-          </a:prstGeom>
-          <a:noFill/>
-          <a:ln>
-            <a:noFill/>
-          </a:ln>
-        </p:spPr>
-        <p:txBody>
-          <a:bodyPr spcFirstLastPara="1" wrap="square" lIns="91425" tIns="45700" rIns="91425" bIns="45700" anchor="t" anchorCtr="0">
-            <a:normAutofit/>
-          </a:bodyPr>
-          <a:lstStyle/>
-          <a:p>
-            <a:pPr marL="457200" marR="0" lvl="0" indent="-342900" algn="l" rtl="0">
-              <a:lnSpc>
-                <a:spcPct val="90000"/>
-              </a:lnSpc>
-              <a:spcBef>
-                <a:spcPts val="1000"/>
-              </a:spcBef>
-              <a:spcAft>
-                <a:spcPts val="0"/>
-              </a:spcAft>
-              <a:buClr>
-                <a:schemeClr val="dk1"/>
-              </a:buClr>
-              <a:buSzPts val="1800"/>
-              <a:buFont typeface="Arial"/>
-              <a:buChar char="•"/>
-            </a:pPr>
-            <a:r>
-              <a:rPr lang="es-ES" sz="2800" dirty="0">
-                <a:solidFill>
-                  <a:srgbClr val="A5A5A5"/>
-                </a:solidFill>
-                <a:latin typeface="Calibri"/>
-                <a:ea typeface="Calibri"/>
-                <a:cs typeface="Calibri"/>
-                <a:sym typeface="Calibri"/>
-              </a:rPr>
-              <a:t>Introducción del profesorado</a:t>
-            </a:r>
-          </a:p>
-          <a:p>
-            <a:pPr marL="457200" marR="0" lvl="0" indent="-342900" algn="l" rtl="0">
-              <a:lnSpc>
-                <a:spcPct val="90000"/>
-              </a:lnSpc>
-              <a:spcBef>
-                <a:spcPts val="1000"/>
-              </a:spcBef>
-              <a:spcAft>
-                <a:spcPts val="0"/>
-              </a:spcAft>
-              <a:buClr>
-                <a:schemeClr val="dk1"/>
-              </a:buClr>
-              <a:buSzPts val="1800"/>
-              <a:buFont typeface="Arial"/>
-              <a:buChar char="•"/>
-            </a:pPr>
-            <a:r>
-              <a:rPr lang="es-ES" sz="2800" b="1" dirty="0">
-                <a:solidFill>
-                  <a:srgbClr val="006DA5"/>
-                </a:solidFill>
-                <a:latin typeface="Calibri"/>
-                <a:ea typeface="Calibri"/>
-                <a:cs typeface="Calibri"/>
-                <a:sym typeface="Calibri"/>
-              </a:rPr>
-              <a:t>Objetivos</a:t>
-            </a:r>
-          </a:p>
-          <a:p>
-            <a:pPr marL="457200" marR="0" lvl="0" indent="-342900" algn="l" rtl="0">
-              <a:lnSpc>
-                <a:spcPct val="90000"/>
-              </a:lnSpc>
-              <a:spcBef>
-                <a:spcPts val="1000"/>
-              </a:spcBef>
-              <a:spcAft>
-                <a:spcPts val="0"/>
-              </a:spcAft>
-              <a:buClr>
-                <a:schemeClr val="dk1"/>
-              </a:buClr>
-              <a:buSzPts val="1800"/>
-              <a:buFont typeface="Arial"/>
-              <a:buChar char="•"/>
-            </a:pPr>
-            <a:r>
-              <a:rPr lang="es-ES" sz="2800" dirty="0">
-                <a:solidFill>
-                  <a:srgbClr val="A5A5A5"/>
-                </a:solidFill>
-                <a:latin typeface="Calibri"/>
-                <a:ea typeface="Calibri"/>
-                <a:cs typeface="Calibri"/>
-                <a:sym typeface="Calibri"/>
-              </a:rPr>
-              <a:t>Calendario y estructura</a:t>
-            </a:r>
-          </a:p>
-          <a:p>
-            <a:pPr marL="457200" marR="0" lvl="0" indent="-342900" algn="l" rtl="0">
-              <a:lnSpc>
-                <a:spcPct val="90000"/>
-              </a:lnSpc>
-              <a:spcBef>
-                <a:spcPts val="1000"/>
-              </a:spcBef>
-              <a:spcAft>
-                <a:spcPts val="0"/>
-              </a:spcAft>
-              <a:buClr>
-                <a:schemeClr val="dk1"/>
-              </a:buClr>
-              <a:buSzPts val="1800"/>
-              <a:buFont typeface="Arial"/>
-              <a:buChar char="•"/>
-            </a:pPr>
-            <a:r>
-              <a:rPr lang="es-ES" sz="2800" dirty="0">
-                <a:solidFill>
-                  <a:srgbClr val="A5A5A5"/>
-                </a:solidFill>
-                <a:latin typeface="Calibri"/>
-                <a:ea typeface="Calibri"/>
-                <a:cs typeface="Calibri"/>
-                <a:sym typeface="Calibri"/>
-              </a:rPr>
-              <a:t>Evaluación</a:t>
-            </a:r>
-          </a:p>
-          <a:p>
-            <a:pPr marL="457200" marR="0" lvl="0" indent="-342900" algn="l" rtl="0">
-              <a:lnSpc>
-                <a:spcPct val="90000"/>
-              </a:lnSpc>
-              <a:spcBef>
-                <a:spcPts val="1000"/>
-              </a:spcBef>
-              <a:spcAft>
-                <a:spcPts val="0"/>
-              </a:spcAft>
-              <a:buClr>
-                <a:schemeClr val="dk1"/>
-              </a:buClr>
-              <a:buSzPts val="1800"/>
-              <a:buFont typeface="Arial"/>
-              <a:buChar char="•"/>
-            </a:pPr>
-            <a:r>
-              <a:rPr lang="es-ES" sz="2800" dirty="0">
-                <a:solidFill>
-                  <a:srgbClr val="A5A5A5"/>
-                </a:solidFill>
-                <a:latin typeface="Calibri"/>
-                <a:ea typeface="Calibri"/>
-                <a:cs typeface="Calibri"/>
-                <a:sym typeface="Calibri"/>
-              </a:rPr>
-              <a:t>Referencias</a:t>
-            </a:r>
-            <a:endParaRPr lang="en-US" sz="2800" dirty="0">
-              <a:solidFill>
-                <a:srgbClr val="A5A5A5"/>
-              </a:solidFill>
-              <a:latin typeface="Calibri"/>
-              <a:ea typeface="Calibri"/>
-              <a:cs typeface="Calibri"/>
-              <a:sym typeface="Calibri"/>
-            </a:endParaRPr>
-          </a:p>
-          <a:p>
-            <a:pPr marL="457200" marR="0" lvl="0" indent="-228600" algn="l" rtl="0">
-              <a:lnSpc>
-                <a:spcPct val="90000"/>
-              </a:lnSpc>
-              <a:spcBef>
-                <a:spcPts val="1000"/>
-              </a:spcBef>
-              <a:spcAft>
-                <a:spcPts val="0"/>
-              </a:spcAft>
-              <a:buClr>
-                <a:schemeClr val="dk1"/>
-              </a:buClr>
-              <a:buSzPts val="1800"/>
-              <a:buFont typeface="Arial"/>
-              <a:buNone/>
-            </a:pPr>
-            <a:endParaRPr lang="es-ES" sz="3200" b="0" i="0" u="none" strike="noStrike" cap="none" dirty="0">
-              <a:solidFill>
-                <a:schemeClr val="dk1"/>
-              </a:solidFill>
-              <a:latin typeface="Calibri"/>
-              <a:ea typeface="Calibri"/>
-              <a:cs typeface="Calibri"/>
-              <a:sym typeface="Calibri"/>
-            </a:endParaRPr>
-          </a:p>
-        </p:txBody>
-      </p:sp>
-    </p:spTree>
-    <p:extLst>
-      <p:ext uri="{BB962C8B-B14F-4D97-AF65-F5344CB8AC3E}">
-        <p14:creationId xmlns:p14="http://schemas.microsoft.com/office/powerpoint/2010/main" val="797914020"/>
-      </p:ext>
-    </p:extLst>
-  </p:cSld>
-  <p:clrMapOvr>
-    <a:masterClrMapping/>
-  </p:clrMapOvr>
-</p:sld>
-</file>
-
-<file path=ppt/slides/slide6.xml><?xml version="1.0" encoding="utf-8"?>
-<p:sld xmlns:a="http://schemas.openxmlformats.org/drawingml/2006/main" xmlns:r="http://schemas.openxmlformats.org/officeDocument/2006/relationships" xmlns:p="http://schemas.openxmlformats.org/presentationml/2006/main">
-  <p:cSld>
-    <p:spTree>
-      <p:nvGrpSpPr>
-        <p:cNvPr id="1" name="Shape 159"/>
-        <p:cNvGrpSpPr/>
-        <p:nvPr/>
-      </p:nvGrpSpPr>
-      <p:grpSpPr>
-        <a:xfrm>
-          <a:off x="0" y="0"/>
-          <a:ext cx="0" cy="0"/>
-          <a:chOff x="0" y="0"/>
-          <a:chExt cx="0" cy="0"/>
-        </a:xfrm>
-      </p:grpSpPr>
-      <p:sp>
-        <p:nvSpPr>
-          <p:cNvPr id="160" name="Google Shape;160;p10"/>
-          <p:cNvSpPr txBox="1">
-            <a:spLocks noGrp="1"/>
-          </p:cNvSpPr>
-          <p:nvPr>
-            <p:ph type="sldNum" idx="12"/>
-          </p:nvPr>
-        </p:nvSpPr>
-        <p:spPr>
-          <a:xfrm>
-            <a:off x="6457950" y="6356355"/>
-            <a:ext cx="2057400" cy="365125"/>
-          </a:xfrm>
-          <a:prstGeom prst="rect">
-            <a:avLst/>
-          </a:prstGeom>
-          <a:noFill/>
-          <a:ln>
-            <a:noFill/>
-          </a:ln>
-        </p:spPr>
-        <p:txBody>
-          <a:bodyPr spcFirstLastPara="1" wrap="square" lIns="91425" tIns="45700" rIns="91425" bIns="45700" anchor="ctr" anchorCtr="0">
-            <a:noAutofit/>
-          </a:bodyPr>
-          <a:lstStyle/>
-          <a:p>
-            <a:pPr marL="0" lvl="0" indent="0" algn="r" rtl="0">
-              <a:spcBef>
-                <a:spcPts val="0"/>
-              </a:spcBef>
-              <a:spcAft>
-                <a:spcPts val="0"/>
-              </a:spcAft>
-              <a:buNone/>
-            </a:pPr>
-            <a:fld id="{00000000-1234-1234-1234-123412341234}" type="slidenum">
-              <a:rPr lang="en-US"/>
-              <a:t>6</a:t>
-            </a:fld>
-            <a:endParaRPr/>
-          </a:p>
-        </p:txBody>
-      </p:sp>
-      <p:sp>
-        <p:nvSpPr>
-          <p:cNvPr id="161" name="Google Shape;161;p10"/>
-          <p:cNvSpPr/>
-          <p:nvPr/>
-        </p:nvSpPr>
-        <p:spPr>
-          <a:xfrm>
-            <a:off x="467139" y="1968564"/>
-            <a:ext cx="8290362" cy="3503523"/>
-          </a:xfrm>
-          <a:prstGeom prst="rect">
-            <a:avLst/>
-          </a:prstGeom>
-          <a:noFill/>
-          <a:ln>
-            <a:noFill/>
-          </a:ln>
-        </p:spPr>
-        <p:txBody>
-          <a:bodyPr spcFirstLastPara="1" wrap="square" lIns="91425" tIns="45700" rIns="91425" bIns="45700" anchor="t" anchorCtr="0">
-            <a:spAutoFit/>
-          </a:bodyPr>
-          <a:lstStyle/>
-          <a:p>
-            <a:pPr marL="571500" marR="0" lvl="0" indent="-457200" algn="l" rtl="0">
-              <a:lnSpc>
-                <a:spcPct val="90000"/>
-              </a:lnSpc>
-              <a:spcBef>
-                <a:spcPts val="0"/>
-              </a:spcBef>
-              <a:spcAft>
-                <a:spcPts val="0"/>
-              </a:spcAft>
-              <a:buClr>
-                <a:schemeClr val="dk1"/>
-              </a:buClr>
-              <a:buSzPts val="1800"/>
-              <a:buFont typeface="Arial"/>
-              <a:buAutoNum type="arabicPeriod"/>
-            </a:pPr>
-            <a:r>
-              <a:rPr lang="es-ES" sz="2000" dirty="0">
-                <a:solidFill>
-                  <a:schemeClr val="dk1"/>
-                </a:solidFill>
-                <a:latin typeface="Calibri"/>
-                <a:ea typeface="Calibri"/>
-                <a:cs typeface="Calibri"/>
-                <a:sym typeface="Calibri"/>
-              </a:rPr>
-              <a:t>Entender los principales conceptos en torno a Big Data y Machine </a:t>
-            </a:r>
-            <a:r>
-              <a:rPr lang="es-ES" sz="2000" dirty="0" err="1">
-                <a:solidFill>
-                  <a:schemeClr val="dk1"/>
-                </a:solidFill>
-                <a:latin typeface="Calibri"/>
-                <a:ea typeface="Calibri"/>
-                <a:cs typeface="Calibri"/>
-                <a:sym typeface="Calibri"/>
-              </a:rPr>
-              <a:t>Learning</a:t>
-            </a:r>
-            <a:r>
-              <a:rPr lang="es-ES" sz="2000" dirty="0">
-                <a:solidFill>
-                  <a:schemeClr val="dk1"/>
-                </a:solidFill>
-                <a:latin typeface="Calibri"/>
-                <a:ea typeface="Calibri"/>
-                <a:cs typeface="Calibri"/>
-                <a:sym typeface="Calibri"/>
-              </a:rPr>
-              <a:t>.</a:t>
-            </a:r>
-            <a:endParaRPr lang="es-ES" dirty="0"/>
-          </a:p>
-          <a:p>
-            <a:pPr marL="571500" marR="0" lvl="0" indent="-457200" algn="l" rtl="0">
-              <a:lnSpc>
-                <a:spcPct val="90000"/>
-              </a:lnSpc>
-              <a:spcBef>
-                <a:spcPts val="1000"/>
-              </a:spcBef>
-              <a:spcAft>
-                <a:spcPts val="0"/>
-              </a:spcAft>
-              <a:buClr>
-                <a:schemeClr val="dk1"/>
-              </a:buClr>
-              <a:buSzPts val="1800"/>
-              <a:buFont typeface="Arial"/>
-              <a:buAutoNum type="arabicPeriod"/>
-            </a:pPr>
-            <a:r>
-              <a:rPr lang="es-ES" sz="2000" dirty="0">
-                <a:solidFill>
-                  <a:schemeClr val="dk1"/>
-                </a:solidFill>
-                <a:latin typeface="Calibri"/>
-                <a:ea typeface="Calibri"/>
-                <a:cs typeface="Calibri"/>
-                <a:sym typeface="Calibri"/>
-              </a:rPr>
-              <a:t>Comprender las posibles aplicaciones de Machine </a:t>
-            </a:r>
-            <a:r>
-              <a:rPr lang="es-ES" sz="2000" dirty="0" err="1">
-                <a:solidFill>
-                  <a:schemeClr val="dk1"/>
-                </a:solidFill>
-                <a:latin typeface="Calibri"/>
-                <a:ea typeface="Calibri"/>
-                <a:cs typeface="Calibri"/>
-                <a:sym typeface="Calibri"/>
-              </a:rPr>
-              <a:t>Learning</a:t>
-            </a:r>
-            <a:r>
-              <a:rPr lang="es-ES" sz="2000" dirty="0">
-                <a:solidFill>
-                  <a:schemeClr val="dk1"/>
-                </a:solidFill>
-                <a:latin typeface="Calibri"/>
-                <a:ea typeface="Calibri"/>
-                <a:cs typeface="Calibri"/>
-                <a:sym typeface="Calibri"/>
-              </a:rPr>
-              <a:t> en el sector industrial y del vehículo eléctrico.</a:t>
-            </a:r>
-          </a:p>
-          <a:p>
-            <a:pPr marL="571500" marR="0" lvl="0" indent="-457200" algn="l" rtl="0">
-              <a:lnSpc>
-                <a:spcPct val="90000"/>
-              </a:lnSpc>
-              <a:spcBef>
-                <a:spcPts val="1000"/>
-              </a:spcBef>
-              <a:spcAft>
-                <a:spcPts val="0"/>
-              </a:spcAft>
-              <a:buClr>
-                <a:schemeClr val="dk1"/>
-              </a:buClr>
-              <a:buSzPts val="1800"/>
-              <a:buFont typeface="Arial"/>
-              <a:buAutoNum type="arabicPeriod"/>
-            </a:pPr>
-            <a:r>
-              <a:rPr lang="es-ES" sz="2000" dirty="0">
-                <a:solidFill>
-                  <a:schemeClr val="dk1"/>
-                </a:solidFill>
-                <a:latin typeface="Calibri"/>
-                <a:ea typeface="Calibri"/>
-                <a:cs typeface="Calibri"/>
-                <a:sym typeface="Calibri"/>
-              </a:rPr>
-              <a:t>Aprender a desarrollar un modelo de Machine </a:t>
-            </a:r>
-            <a:r>
-              <a:rPr lang="es-ES" sz="2000" dirty="0" err="1">
-                <a:solidFill>
-                  <a:schemeClr val="dk1"/>
-                </a:solidFill>
-                <a:latin typeface="Calibri"/>
-                <a:ea typeface="Calibri"/>
-                <a:cs typeface="Calibri"/>
-                <a:sym typeface="Calibri"/>
-              </a:rPr>
-              <a:t>Learning</a:t>
-            </a:r>
-            <a:r>
-              <a:rPr lang="es-ES" sz="2000" dirty="0">
-                <a:solidFill>
-                  <a:schemeClr val="dk1"/>
-                </a:solidFill>
-                <a:latin typeface="Calibri"/>
-                <a:ea typeface="Calibri"/>
-                <a:cs typeface="Calibri"/>
-                <a:sym typeface="Calibri"/>
-              </a:rPr>
-              <a:t>.</a:t>
-            </a:r>
-            <a:endParaRPr lang="es-ES" dirty="0"/>
-          </a:p>
-          <a:p>
-            <a:pPr marL="571500" marR="0" lvl="0" indent="-457200" algn="l" rtl="0">
-              <a:lnSpc>
-                <a:spcPct val="90000"/>
-              </a:lnSpc>
-              <a:spcBef>
-                <a:spcPts val="1000"/>
-              </a:spcBef>
-              <a:spcAft>
-                <a:spcPts val="0"/>
-              </a:spcAft>
-              <a:buClr>
-                <a:schemeClr val="dk1"/>
-              </a:buClr>
-              <a:buSzPts val="1800"/>
-              <a:buFont typeface="Arial"/>
-              <a:buAutoNum type="arabicPeriod"/>
-            </a:pPr>
-            <a:r>
-              <a:rPr lang="es-ES" sz="2000" dirty="0">
-                <a:solidFill>
-                  <a:schemeClr val="dk1"/>
-                </a:solidFill>
-                <a:latin typeface="Calibri"/>
-                <a:ea typeface="Calibri"/>
-                <a:cs typeface="Calibri"/>
-                <a:sym typeface="Calibri"/>
-              </a:rPr>
-              <a:t>Explorar los principales tipos de Machine </a:t>
-            </a:r>
-            <a:r>
-              <a:rPr lang="es-ES" sz="2000" dirty="0" err="1">
-                <a:solidFill>
-                  <a:schemeClr val="dk1"/>
-                </a:solidFill>
-                <a:latin typeface="Calibri"/>
-                <a:ea typeface="Calibri"/>
-                <a:cs typeface="Calibri"/>
-                <a:sym typeface="Calibri"/>
-              </a:rPr>
-              <a:t>Learning</a:t>
-            </a:r>
-            <a:r>
-              <a:rPr lang="es-ES" sz="2000" dirty="0">
-                <a:solidFill>
-                  <a:schemeClr val="dk1"/>
-                </a:solidFill>
-                <a:latin typeface="Calibri"/>
-                <a:ea typeface="Calibri"/>
-                <a:cs typeface="Calibri"/>
-                <a:sym typeface="Calibri"/>
-              </a:rPr>
-              <a:t> (Supervisado y No Supervisado).</a:t>
-            </a:r>
-            <a:endParaRPr lang="es-ES" dirty="0"/>
-          </a:p>
-          <a:p>
-            <a:pPr marL="571500" marR="0" lvl="0" indent="-457200" algn="l" rtl="0">
-              <a:lnSpc>
-                <a:spcPct val="90000"/>
-              </a:lnSpc>
-              <a:spcBef>
-                <a:spcPts val="1000"/>
-              </a:spcBef>
-              <a:spcAft>
-                <a:spcPts val="0"/>
-              </a:spcAft>
-              <a:buClr>
-                <a:schemeClr val="dk1"/>
-              </a:buClr>
-              <a:buSzPts val="1800"/>
-              <a:buFont typeface="Arial"/>
-              <a:buAutoNum type="arabicPeriod"/>
-            </a:pPr>
-            <a:r>
-              <a:rPr lang="es-ES" sz="2000" dirty="0">
-                <a:solidFill>
-                  <a:schemeClr val="dk1"/>
-                </a:solidFill>
-                <a:latin typeface="Calibri"/>
-                <a:ea typeface="Calibri"/>
-                <a:cs typeface="Calibri"/>
-                <a:sym typeface="Calibri"/>
-              </a:rPr>
-              <a:t>Aprender Python para aplicaciones de Machine </a:t>
-            </a:r>
-            <a:r>
-              <a:rPr lang="es-ES" sz="2000" dirty="0" err="1">
-                <a:solidFill>
-                  <a:schemeClr val="dk1"/>
-                </a:solidFill>
-                <a:latin typeface="Calibri"/>
-                <a:ea typeface="Calibri"/>
-                <a:cs typeface="Calibri"/>
-                <a:sym typeface="Calibri"/>
-              </a:rPr>
-              <a:t>Learning</a:t>
-            </a:r>
-            <a:r>
-              <a:rPr lang="es-ES" sz="2000" dirty="0">
-                <a:solidFill>
-                  <a:schemeClr val="dk1"/>
-                </a:solidFill>
-                <a:latin typeface="Calibri"/>
-                <a:ea typeface="Calibri"/>
-                <a:cs typeface="Calibri"/>
-                <a:sym typeface="Calibri"/>
-              </a:rPr>
-              <a:t>.</a:t>
-            </a:r>
-            <a:endParaRPr lang="es-ES" dirty="0"/>
-          </a:p>
-          <a:p>
-            <a:pPr marL="571500" marR="0" lvl="0" indent="-457200" algn="l" rtl="0">
-              <a:lnSpc>
-                <a:spcPct val="90000"/>
-              </a:lnSpc>
-              <a:spcBef>
-                <a:spcPts val="1000"/>
-              </a:spcBef>
-              <a:spcAft>
-                <a:spcPts val="0"/>
-              </a:spcAft>
-              <a:buClr>
-                <a:schemeClr val="dk1"/>
-              </a:buClr>
-              <a:buSzPts val="1800"/>
-              <a:buFont typeface="Arial"/>
-              <a:buAutoNum type="arabicPeriod"/>
-            </a:pPr>
-            <a:r>
-              <a:rPr lang="es-ES" sz="2000" dirty="0">
-                <a:solidFill>
-                  <a:schemeClr val="dk1"/>
-                </a:solidFill>
-                <a:latin typeface="Calibri"/>
-                <a:ea typeface="Calibri"/>
-                <a:cs typeface="Calibri"/>
-                <a:sym typeface="Calibri"/>
-              </a:rPr>
-              <a:t>Desarrollar modelos de Machine </a:t>
-            </a:r>
-            <a:r>
-              <a:rPr lang="es-ES" sz="2000" dirty="0" err="1">
-                <a:solidFill>
-                  <a:schemeClr val="dk1"/>
-                </a:solidFill>
-                <a:latin typeface="Calibri"/>
-                <a:ea typeface="Calibri"/>
-                <a:cs typeface="Calibri"/>
-                <a:sym typeface="Calibri"/>
-              </a:rPr>
-              <a:t>Learning</a:t>
-            </a:r>
-            <a:r>
-              <a:rPr lang="es-ES" sz="2000" dirty="0">
-                <a:solidFill>
-                  <a:schemeClr val="dk1"/>
-                </a:solidFill>
-                <a:latin typeface="Calibri"/>
-                <a:ea typeface="Calibri"/>
-                <a:cs typeface="Calibri"/>
-                <a:sym typeface="Calibri"/>
-              </a:rPr>
-              <a:t> para problemas relacionados con la industria.</a:t>
-            </a:r>
-          </a:p>
-        </p:txBody>
-      </p:sp>
-      <p:sp>
-        <p:nvSpPr>
-          <p:cNvPr id="162" name="Google Shape;162;p10"/>
-          <p:cNvSpPr txBox="1">
-            <a:spLocks noGrp="1"/>
-          </p:cNvSpPr>
-          <p:nvPr>
-            <p:ph type="title"/>
-          </p:nvPr>
-        </p:nvSpPr>
-        <p:spPr>
-          <a:xfrm>
-            <a:off x="628650" y="1131248"/>
-            <a:ext cx="7886700" cy="763455"/>
-          </a:xfrm>
-          <a:prstGeom prst="rect">
-            <a:avLst/>
-          </a:prstGeom>
-          <a:noFill/>
-          <a:ln>
-            <a:noFill/>
-          </a:ln>
-        </p:spPr>
-        <p:txBody>
-          <a:bodyPr spcFirstLastPara="1" wrap="square" lIns="91425" tIns="45700" rIns="91425" bIns="45700" anchor="ctr" anchorCtr="0">
-            <a:normAutofit/>
-          </a:bodyPr>
-          <a:lstStyle/>
-          <a:p>
-            <a:pPr marL="0" lvl="0" indent="0" algn="ctr" rtl="0">
-              <a:lnSpc>
-                <a:spcPct val="90000"/>
-              </a:lnSpc>
-              <a:spcBef>
-                <a:spcPts val="0"/>
-              </a:spcBef>
-              <a:spcAft>
-                <a:spcPts val="0"/>
-              </a:spcAft>
-              <a:buClr>
-                <a:schemeClr val="dk1"/>
-              </a:buClr>
-              <a:buSzPts val="4000"/>
-              <a:buFont typeface="Calibri"/>
-              <a:buNone/>
-            </a:pPr>
-            <a:r>
-              <a:rPr lang="es-ES" b="1" noProof="0" dirty="0"/>
-              <a:t>Objetivos</a:t>
-            </a:r>
-          </a:p>
-        </p:txBody>
-      </p:sp>
-    </p:spTree>
-  </p:cSld>
-  <p:clrMapOvr>
-    <a:masterClrMapping/>
-  </p:clrMapOvr>
-</p:sld>
-</file>
-
-<file path=ppt/slides/slide7.xml><?xml version="1.0" encoding="utf-8"?>
-<p:sld xmlns:a="http://schemas.openxmlformats.org/drawingml/2006/main" xmlns:r="http://schemas.openxmlformats.org/officeDocument/2006/relationships" xmlns:p="http://schemas.openxmlformats.org/presentationml/2006/main">
-  <p:cSld>
-    <p:spTree>
-      <p:nvGrpSpPr>
-        <p:cNvPr id="1" name="Shape 87"/>
-        <p:cNvGrpSpPr/>
-        <p:nvPr/>
-      </p:nvGrpSpPr>
-      <p:grpSpPr>
-        <a:xfrm>
-          <a:off x="0" y="0"/>
-          <a:ext cx="0" cy="0"/>
-          <a:chOff x="0" y="0"/>
-          <a:chExt cx="0" cy="0"/>
-        </a:xfrm>
-      </p:grpSpPr>
-      <p:sp>
-        <p:nvSpPr>
-          <p:cNvPr id="88" name="Google Shape;88;p3"/>
-          <p:cNvSpPr txBox="1">
-            <a:spLocks noGrp="1"/>
-          </p:cNvSpPr>
-          <p:nvPr>
-            <p:ph type="sldNum" idx="12"/>
-          </p:nvPr>
-        </p:nvSpPr>
-        <p:spPr>
-          <a:xfrm>
-            <a:off x="6457950" y="6356355"/>
-            <a:ext cx="2057400" cy="365125"/>
-          </a:xfrm>
-          <a:prstGeom prst="rect">
-            <a:avLst/>
-          </a:prstGeom>
-          <a:noFill/>
-          <a:ln>
-            <a:noFill/>
-          </a:ln>
-        </p:spPr>
-        <p:txBody>
-          <a:bodyPr spcFirstLastPara="1" wrap="square" lIns="91425" tIns="45700" rIns="91425" bIns="45700" anchor="ctr" anchorCtr="0">
-            <a:noAutofit/>
-          </a:bodyPr>
-          <a:lstStyle/>
-          <a:p>
-            <a:pPr marL="0" lvl="0" indent="0" algn="r" rtl="0">
-              <a:spcBef>
-                <a:spcPts val="0"/>
-              </a:spcBef>
-              <a:spcAft>
-                <a:spcPts val="0"/>
-              </a:spcAft>
-              <a:buNone/>
-            </a:pPr>
-            <a:fld id="{00000000-1234-1234-1234-123412341234}" type="slidenum">
-              <a:rPr lang="en-US"/>
-              <a:t>7</a:t>
-            </a:fld>
-            <a:endParaRPr/>
-          </a:p>
-        </p:txBody>
-      </p:sp>
-      <p:sp>
-        <p:nvSpPr>
-          <p:cNvPr id="89" name="Google Shape;89;p3"/>
-          <p:cNvSpPr txBox="1">
-            <a:spLocks noGrp="1"/>
-          </p:cNvSpPr>
-          <p:nvPr>
-            <p:ph type="title"/>
-          </p:nvPr>
-        </p:nvSpPr>
-        <p:spPr>
-          <a:xfrm>
-            <a:off x="628650" y="1131248"/>
-            <a:ext cx="7886700" cy="763455"/>
-          </a:xfrm>
-          <a:prstGeom prst="rect">
-            <a:avLst/>
-          </a:prstGeom>
-          <a:noFill/>
-          <a:ln>
-            <a:noFill/>
-          </a:ln>
-        </p:spPr>
-        <p:txBody>
-          <a:bodyPr spcFirstLastPara="1" wrap="square" lIns="91425" tIns="45700" rIns="91425" bIns="45700" anchor="ctr" anchorCtr="0">
-            <a:normAutofit/>
-          </a:bodyPr>
-          <a:lstStyle/>
-          <a:p>
-            <a:pPr marL="0" lvl="0" indent="0" algn="ctr" rtl="0">
-              <a:lnSpc>
-                <a:spcPct val="90000"/>
-              </a:lnSpc>
-              <a:spcBef>
-                <a:spcPts val="0"/>
-              </a:spcBef>
-              <a:spcAft>
-                <a:spcPts val="0"/>
-              </a:spcAft>
-              <a:buClr>
-                <a:schemeClr val="dk1"/>
-              </a:buClr>
-              <a:buSzPts val="4000"/>
-              <a:buFont typeface="Calibri"/>
-              <a:buNone/>
-            </a:pPr>
-            <a:r>
-              <a:rPr lang="es-ES" b="1" noProof="0" dirty="0"/>
-              <a:t>Introducción al curso</a:t>
-            </a:r>
-          </a:p>
-        </p:txBody>
-      </p:sp>
-      <p:sp>
-        <p:nvSpPr>
-          <p:cNvPr id="90" name="Google Shape;90;p3"/>
-          <p:cNvSpPr txBox="1"/>
-          <p:nvPr/>
-        </p:nvSpPr>
-        <p:spPr>
-          <a:xfrm>
-            <a:off x="628650" y="2254245"/>
-            <a:ext cx="7886700" cy="2784894"/>
-          </a:xfrm>
-          <a:prstGeom prst="rect">
-            <a:avLst/>
-          </a:prstGeom>
-          <a:noFill/>
-          <a:ln>
-            <a:noFill/>
-          </a:ln>
-        </p:spPr>
-        <p:txBody>
-          <a:bodyPr spcFirstLastPara="1" wrap="square" lIns="91425" tIns="45700" rIns="91425" bIns="45700" anchor="t" anchorCtr="0">
-            <a:normAutofit/>
-          </a:bodyPr>
-          <a:lstStyle/>
-          <a:p>
-            <a:pPr marL="457200" marR="0" lvl="0" indent="-342900" algn="l" rtl="0">
-              <a:lnSpc>
-                <a:spcPct val="90000"/>
-              </a:lnSpc>
-              <a:spcBef>
-                <a:spcPts val="1000"/>
-              </a:spcBef>
-              <a:spcAft>
-                <a:spcPts val="0"/>
-              </a:spcAft>
-              <a:buClr>
-                <a:schemeClr val="dk1"/>
-              </a:buClr>
-              <a:buSzPts val="1800"/>
-              <a:buFont typeface="Arial"/>
-              <a:buChar char="•"/>
-            </a:pPr>
-            <a:r>
-              <a:rPr lang="es-ES" sz="2800" dirty="0">
-                <a:solidFill>
-                  <a:srgbClr val="A5A5A5"/>
-                </a:solidFill>
-                <a:latin typeface="Calibri"/>
-                <a:ea typeface="Calibri"/>
-                <a:cs typeface="Calibri"/>
-                <a:sym typeface="Calibri"/>
-              </a:rPr>
-              <a:t>Introducción del profesorado</a:t>
-            </a:r>
-          </a:p>
-          <a:p>
-            <a:pPr marL="457200" marR="0" lvl="0" indent="-342900" algn="l" rtl="0">
-              <a:lnSpc>
-                <a:spcPct val="90000"/>
-              </a:lnSpc>
-              <a:spcBef>
-                <a:spcPts val="1000"/>
-              </a:spcBef>
-              <a:spcAft>
-                <a:spcPts val="0"/>
-              </a:spcAft>
-              <a:buClr>
-                <a:schemeClr val="dk1"/>
-              </a:buClr>
-              <a:buSzPts val="1800"/>
-              <a:buFont typeface="Arial"/>
-              <a:buChar char="•"/>
-            </a:pPr>
-            <a:r>
-              <a:rPr lang="es-ES" sz="2800" dirty="0">
-                <a:solidFill>
-                  <a:srgbClr val="A5A5A5"/>
-                </a:solidFill>
-                <a:latin typeface="Calibri"/>
-                <a:ea typeface="Calibri"/>
-                <a:cs typeface="Calibri"/>
-                <a:sym typeface="Calibri"/>
-              </a:rPr>
-              <a:t>Objetivos</a:t>
-            </a:r>
-          </a:p>
-          <a:p>
-            <a:pPr marL="457200" marR="0" lvl="0" indent="-342900" algn="l" rtl="0">
-              <a:lnSpc>
-                <a:spcPct val="90000"/>
-              </a:lnSpc>
-              <a:spcBef>
-                <a:spcPts val="1000"/>
-              </a:spcBef>
-              <a:spcAft>
-                <a:spcPts val="0"/>
-              </a:spcAft>
-              <a:buClr>
-                <a:schemeClr val="dk1"/>
-              </a:buClr>
-              <a:buSzPts val="1800"/>
-              <a:buFont typeface="Arial"/>
-              <a:buChar char="•"/>
-            </a:pPr>
-            <a:r>
-              <a:rPr lang="es-ES" sz="2800" b="1" dirty="0">
-                <a:solidFill>
-                  <a:srgbClr val="006DA5"/>
-                </a:solidFill>
-                <a:latin typeface="Calibri"/>
-                <a:ea typeface="Calibri"/>
-                <a:cs typeface="Calibri"/>
-                <a:sym typeface="Calibri"/>
-              </a:rPr>
-              <a:t>Calendario y estructura</a:t>
-            </a:r>
-          </a:p>
-          <a:p>
-            <a:pPr marL="457200" marR="0" lvl="0" indent="-342900" algn="l" rtl="0">
-              <a:lnSpc>
-                <a:spcPct val="90000"/>
-              </a:lnSpc>
-              <a:spcBef>
-                <a:spcPts val="1000"/>
-              </a:spcBef>
-              <a:spcAft>
-                <a:spcPts val="0"/>
-              </a:spcAft>
-              <a:buClr>
-                <a:schemeClr val="dk1"/>
-              </a:buClr>
-              <a:buSzPts val="1800"/>
-              <a:buFont typeface="Arial"/>
-              <a:buChar char="•"/>
-            </a:pPr>
-            <a:r>
-              <a:rPr lang="es-ES" sz="2800" dirty="0">
-                <a:solidFill>
-                  <a:srgbClr val="A5A5A5"/>
-                </a:solidFill>
-                <a:latin typeface="Calibri"/>
-                <a:ea typeface="Calibri"/>
-                <a:cs typeface="Calibri"/>
-                <a:sym typeface="Calibri"/>
-              </a:rPr>
-              <a:t>Evaluación</a:t>
-            </a:r>
-          </a:p>
-          <a:p>
-            <a:pPr marL="457200" marR="0" lvl="0" indent="-342900" algn="l" rtl="0">
-              <a:lnSpc>
-                <a:spcPct val="90000"/>
-              </a:lnSpc>
-              <a:spcBef>
-                <a:spcPts val="1000"/>
-              </a:spcBef>
-              <a:spcAft>
-                <a:spcPts val="0"/>
-              </a:spcAft>
-              <a:buClr>
-                <a:schemeClr val="dk1"/>
-              </a:buClr>
-              <a:buSzPts val="1800"/>
-              <a:buFont typeface="Arial"/>
-              <a:buChar char="•"/>
-            </a:pPr>
-            <a:r>
-              <a:rPr lang="es-ES" sz="2800" dirty="0">
-                <a:solidFill>
-                  <a:srgbClr val="A5A5A5"/>
-                </a:solidFill>
-                <a:latin typeface="Calibri"/>
-                <a:ea typeface="Calibri"/>
-                <a:cs typeface="Calibri"/>
-                <a:sym typeface="Calibri"/>
-              </a:rPr>
-              <a:t>Referencias</a:t>
-            </a:r>
-            <a:endParaRPr lang="en-US" sz="2800" dirty="0">
-              <a:solidFill>
-                <a:srgbClr val="A5A5A5"/>
-              </a:solidFill>
-              <a:latin typeface="Calibri"/>
-              <a:ea typeface="Calibri"/>
-              <a:cs typeface="Calibri"/>
-              <a:sym typeface="Calibri"/>
-            </a:endParaRPr>
-          </a:p>
-          <a:p>
-            <a:pPr marL="457200" marR="0" lvl="0" indent="-228600" algn="l" rtl="0">
-              <a:lnSpc>
-                <a:spcPct val="90000"/>
-              </a:lnSpc>
-              <a:spcBef>
-                <a:spcPts val="1000"/>
-              </a:spcBef>
-              <a:spcAft>
-                <a:spcPts val="0"/>
-              </a:spcAft>
-              <a:buClr>
-                <a:schemeClr val="dk1"/>
-              </a:buClr>
-              <a:buSzPts val="1800"/>
-              <a:buFont typeface="Arial"/>
-              <a:buNone/>
-            </a:pPr>
-            <a:endParaRPr lang="es-ES" sz="3200" b="0" i="0" u="none" strike="noStrike" cap="none" dirty="0">
-              <a:solidFill>
-                <a:schemeClr val="dk1"/>
-              </a:solidFill>
-              <a:latin typeface="Calibri"/>
-              <a:ea typeface="Calibri"/>
-              <a:cs typeface="Calibri"/>
-              <a:sym typeface="Calibri"/>
-            </a:endParaRPr>
-          </a:p>
-        </p:txBody>
-      </p:sp>
-    </p:spTree>
-    <p:extLst>
-      <p:ext uri="{BB962C8B-B14F-4D97-AF65-F5344CB8AC3E}">
-        <p14:creationId xmlns:p14="http://schemas.microsoft.com/office/powerpoint/2010/main" val="3722093331"/>
-      </p:ext>
-    </p:extLst>
-  </p:cSld>
-  <p:clrMapOvr>
-    <a:masterClrMapping/>
-  </p:clrMapOvr>
-</p:sld>
-</file>
-
-<file path=ppt/slides/slide8.xml><?xml version="1.0" encoding="utf-8"?>
-<p:sld xmlns:a="http://schemas.openxmlformats.org/drawingml/2006/main" xmlns:r="http://schemas.openxmlformats.org/officeDocument/2006/relationships" xmlns:p="http://schemas.openxmlformats.org/presentationml/2006/main">
-  <p:cSld>
-    <p:spTree>
-      <p:nvGrpSpPr>
-        <p:cNvPr id="1" name="Shape 159"/>
-        <p:cNvGrpSpPr/>
-        <p:nvPr/>
-      </p:nvGrpSpPr>
-      <p:grpSpPr>
-        <a:xfrm>
-          <a:off x="0" y="0"/>
-          <a:ext cx="0" cy="0"/>
-          <a:chOff x="0" y="0"/>
-          <a:chExt cx="0" cy="0"/>
-        </a:xfrm>
-      </p:grpSpPr>
-      <p:sp>
-        <p:nvSpPr>
-          <p:cNvPr id="160" name="Google Shape;160;p10"/>
-          <p:cNvSpPr txBox="1">
-            <a:spLocks noGrp="1"/>
-          </p:cNvSpPr>
-          <p:nvPr>
-            <p:ph type="sldNum" idx="12"/>
-          </p:nvPr>
-        </p:nvSpPr>
-        <p:spPr>
-          <a:xfrm>
-            <a:off x="6457950" y="6356355"/>
-            <a:ext cx="2057400" cy="365125"/>
-          </a:xfrm>
-          <a:prstGeom prst="rect">
-            <a:avLst/>
-          </a:prstGeom>
-          <a:noFill/>
-          <a:ln>
-            <a:noFill/>
-          </a:ln>
-        </p:spPr>
-        <p:txBody>
-          <a:bodyPr spcFirstLastPara="1" wrap="square" lIns="91425" tIns="45700" rIns="91425" bIns="45700" anchor="ctr" anchorCtr="0">
-            <a:noAutofit/>
-          </a:bodyPr>
-          <a:lstStyle/>
-          <a:p>
-            <a:pPr marL="0" lvl="0" indent="0" algn="r" rtl="0">
-              <a:spcBef>
-                <a:spcPts val="0"/>
-              </a:spcBef>
-              <a:spcAft>
-                <a:spcPts val="0"/>
-              </a:spcAft>
-              <a:buNone/>
-            </a:pPr>
-            <a:fld id="{00000000-1234-1234-1234-123412341234}" type="slidenum">
-              <a:rPr lang="en-US"/>
-              <a:t>8</a:t>
-            </a:fld>
-            <a:endParaRPr/>
-          </a:p>
-        </p:txBody>
-      </p:sp>
-      <p:sp>
-        <p:nvSpPr>
-          <p:cNvPr id="162" name="Google Shape;162;p10"/>
-          <p:cNvSpPr txBox="1">
-            <a:spLocks noGrp="1"/>
-          </p:cNvSpPr>
-          <p:nvPr>
-            <p:ph type="title"/>
-          </p:nvPr>
-        </p:nvSpPr>
-        <p:spPr>
-          <a:xfrm>
-            <a:off x="628650" y="1131248"/>
-            <a:ext cx="7886700" cy="763455"/>
-          </a:xfrm>
-          <a:prstGeom prst="rect">
-            <a:avLst/>
-          </a:prstGeom>
-          <a:noFill/>
-          <a:ln>
-            <a:noFill/>
-          </a:ln>
-        </p:spPr>
-        <p:txBody>
-          <a:bodyPr spcFirstLastPara="1" wrap="square" lIns="91425" tIns="45700" rIns="91425" bIns="45700" anchor="ctr" anchorCtr="0">
-            <a:normAutofit/>
-          </a:bodyPr>
-          <a:lstStyle/>
-          <a:p>
-            <a:pPr marL="0" lvl="0" indent="0" algn="ctr" rtl="0">
-              <a:lnSpc>
-                <a:spcPct val="90000"/>
-              </a:lnSpc>
-              <a:spcBef>
-                <a:spcPts val="0"/>
-              </a:spcBef>
-              <a:spcAft>
-                <a:spcPts val="0"/>
-              </a:spcAft>
-              <a:buClr>
-                <a:schemeClr val="dk1"/>
-              </a:buClr>
-              <a:buSzPts val="4000"/>
-              <a:buFont typeface="Calibri"/>
-              <a:buNone/>
-            </a:pPr>
-            <a:r>
-              <a:rPr lang="es-ES" b="1" noProof="0" dirty="0"/>
-              <a:t>Estructura del curso</a:t>
-            </a:r>
-          </a:p>
-        </p:txBody>
-      </p:sp>
-      <p:sp>
-        <p:nvSpPr>
-          <p:cNvPr id="7" name="Google Shape;161;p10">
-            <a:extLst>
-              <a:ext uri="{FF2B5EF4-FFF2-40B4-BE49-F238E27FC236}">
-                <a16:creationId xmlns:a16="http://schemas.microsoft.com/office/drawing/2014/main" id="{804D3427-BB9E-430C-A752-CD2E89200422}"/>
-              </a:ext>
-            </a:extLst>
-          </p:cNvPr>
-          <p:cNvSpPr/>
-          <p:nvPr/>
-        </p:nvSpPr>
-        <p:spPr>
-          <a:xfrm>
-            <a:off x="467139" y="1968564"/>
-            <a:ext cx="8290362" cy="4247276"/>
-          </a:xfrm>
-          <a:prstGeom prst="rect">
-            <a:avLst/>
-          </a:prstGeom>
-          <a:noFill/>
-          <a:ln>
-            <a:noFill/>
-          </a:ln>
-        </p:spPr>
-        <p:txBody>
-          <a:bodyPr spcFirstLastPara="1" wrap="square" lIns="91425" tIns="45700" rIns="91425" bIns="45700" anchor="t" anchorCtr="0">
-            <a:spAutoFit/>
-          </a:bodyPr>
-          <a:lstStyle/>
-          <a:p>
-            <a:pPr marL="571500" marR="0" lvl="0" indent="-457200" algn="l" rtl="0">
-              <a:lnSpc>
-                <a:spcPct val="150000"/>
-              </a:lnSpc>
-              <a:spcBef>
-                <a:spcPts val="0"/>
-              </a:spcBef>
-              <a:spcAft>
-                <a:spcPts val="0"/>
-              </a:spcAft>
-              <a:buClr>
-                <a:schemeClr val="dk1"/>
-              </a:buClr>
-              <a:buSzPts val="1800"/>
-              <a:buFont typeface="Arial" panose="020B0604020202020204" pitchFamily="34" charset="0"/>
-              <a:buChar char="•"/>
-            </a:pPr>
-            <a:r>
-              <a:rPr lang="es-ES" sz="2000" dirty="0">
-                <a:solidFill>
-                  <a:schemeClr val="dk1"/>
-                </a:solidFill>
-                <a:latin typeface="Calibri"/>
-                <a:ea typeface="Calibri"/>
-                <a:cs typeface="Calibri"/>
-                <a:sym typeface="Calibri"/>
-              </a:rPr>
-              <a:t>Mezcla de sesiones online con sesiones presenciales.</a:t>
-            </a:r>
-          </a:p>
-          <a:p>
-            <a:pPr marL="571500" marR="0" lvl="0" indent="-457200" algn="l" rtl="0">
-              <a:lnSpc>
-                <a:spcPct val="150000"/>
-              </a:lnSpc>
-              <a:spcBef>
-                <a:spcPts val="0"/>
-              </a:spcBef>
-              <a:spcAft>
-                <a:spcPts val="0"/>
-              </a:spcAft>
-              <a:buClr>
-                <a:schemeClr val="dk1"/>
-              </a:buClr>
-              <a:buSzPts val="1800"/>
-              <a:buFont typeface="Arial" panose="020B0604020202020204" pitchFamily="34" charset="0"/>
-              <a:buChar char="•"/>
-            </a:pPr>
-            <a:r>
-              <a:rPr lang="es-ES" sz="2000" b="1" dirty="0">
-                <a:solidFill>
-                  <a:schemeClr val="dk1"/>
-                </a:solidFill>
-                <a:latin typeface="Calibri"/>
-                <a:ea typeface="Calibri"/>
-                <a:cs typeface="Calibri"/>
-                <a:sym typeface="Calibri"/>
-              </a:rPr>
-              <a:t>Sesiones online (SO): </a:t>
-            </a:r>
-            <a:r>
-              <a:rPr lang="es-ES" sz="2000" dirty="0">
-                <a:solidFill>
-                  <a:schemeClr val="dk1"/>
-                </a:solidFill>
-                <a:latin typeface="Calibri"/>
-                <a:ea typeface="Calibri"/>
-                <a:cs typeface="Calibri"/>
-                <a:sym typeface="Calibri"/>
-              </a:rPr>
-              <a:t>mayoritariamente teóricas, habrá algunos ejercicios que a completar asíncronamente.</a:t>
-            </a:r>
-          </a:p>
-          <a:p>
-            <a:pPr marL="571500" marR="0" lvl="0" indent="-457200" algn="l" rtl="0">
-              <a:lnSpc>
-                <a:spcPct val="150000"/>
-              </a:lnSpc>
-              <a:spcBef>
-                <a:spcPts val="0"/>
-              </a:spcBef>
-              <a:spcAft>
-                <a:spcPts val="0"/>
-              </a:spcAft>
-              <a:buClr>
-                <a:schemeClr val="dk1"/>
-              </a:buClr>
-              <a:buSzPts val="1800"/>
-              <a:buFont typeface="Arial" panose="020B0604020202020204" pitchFamily="34" charset="0"/>
-              <a:buChar char="•"/>
-            </a:pPr>
-            <a:r>
-              <a:rPr lang="es-ES" sz="2000" b="1" dirty="0">
-                <a:solidFill>
-                  <a:schemeClr val="dk1"/>
-                </a:solidFill>
-                <a:latin typeface="Calibri"/>
-                <a:ea typeface="Calibri"/>
-                <a:cs typeface="Calibri"/>
-                <a:sym typeface="Calibri"/>
-              </a:rPr>
-              <a:t>Sesiones presenciales (SP): </a:t>
-            </a:r>
-            <a:r>
-              <a:rPr lang="es-ES" sz="2000" dirty="0">
-                <a:solidFill>
-                  <a:schemeClr val="dk1"/>
-                </a:solidFill>
-                <a:latin typeface="Calibri"/>
-                <a:ea typeface="Calibri"/>
-                <a:cs typeface="Calibri"/>
-                <a:sym typeface="Calibri"/>
-              </a:rPr>
-              <a:t>mezcla de teoría y práctica. Es recomendable traer el ordenador personal con los programas necesarios instalados.</a:t>
-            </a:r>
-          </a:p>
-          <a:p>
-            <a:pPr marL="571500" marR="0" lvl="0" indent="-457200" algn="l" rtl="0">
-              <a:lnSpc>
-                <a:spcPct val="150000"/>
-              </a:lnSpc>
-              <a:spcBef>
-                <a:spcPts val="0"/>
-              </a:spcBef>
-              <a:spcAft>
-                <a:spcPts val="0"/>
-              </a:spcAft>
-              <a:buClr>
-                <a:schemeClr val="dk1"/>
-              </a:buClr>
-              <a:buSzPts val="1800"/>
-              <a:buFont typeface="Arial" panose="020B0604020202020204" pitchFamily="34" charset="0"/>
-              <a:buChar char="•"/>
-            </a:pPr>
-            <a:r>
-              <a:rPr lang="es-ES" sz="2000" b="1" dirty="0">
-                <a:solidFill>
-                  <a:schemeClr val="dk1"/>
-                </a:solidFill>
-                <a:latin typeface="Calibri"/>
-                <a:ea typeface="Calibri"/>
-                <a:cs typeface="Calibri"/>
-                <a:sym typeface="Calibri"/>
-              </a:rPr>
-              <a:t>Examen:</a:t>
-            </a:r>
-            <a:r>
-              <a:rPr lang="es-ES" sz="2000" dirty="0">
-                <a:solidFill>
-                  <a:schemeClr val="dk1"/>
-                </a:solidFill>
-                <a:latin typeface="Calibri"/>
-                <a:ea typeface="Calibri"/>
-                <a:cs typeface="Calibri"/>
-                <a:sym typeface="Calibri"/>
-              </a:rPr>
-              <a:t> online. Consistirá en un examen tipo test a realizar estando todos en una videollamada y una parte práctica a entregar antes de que termine el día.</a:t>
-            </a:r>
-            <a:endParaRPr lang="es-ES" sz="2000" b="1" dirty="0">
-              <a:solidFill>
-                <a:schemeClr val="dk1"/>
-              </a:solidFill>
-              <a:latin typeface="Calibri"/>
-              <a:ea typeface="Calibri"/>
-              <a:cs typeface="Calibri"/>
-              <a:sym typeface="Calibri"/>
-            </a:endParaRPr>
-          </a:p>
-        </p:txBody>
-      </p:sp>
-    </p:spTree>
-    <p:extLst>
-      <p:ext uri="{BB962C8B-B14F-4D97-AF65-F5344CB8AC3E}">
-        <p14:creationId xmlns:p14="http://schemas.microsoft.com/office/powerpoint/2010/main" val="580289304"/>
-      </p:ext>
-    </p:extLst>
-  </p:cSld>
-  <p:clrMapOvr>
-    <a:masterClrMapping/>
-  </p:clrMapOvr>
-</p:sld>
-</file>
-
-<file path=ppt/slides/slide9.xml><?xml version="1.0" encoding="utf-8"?>
-<p:sld xmlns:a="http://schemas.openxmlformats.org/drawingml/2006/main" xmlns:r="http://schemas.openxmlformats.org/officeDocument/2006/relationships" xmlns:p="http://schemas.openxmlformats.org/presentationml/2006/main">
-  <p:cSld>
-    <p:spTree>
-      <p:nvGrpSpPr>
         <p:cNvPr id="1" name="Shape 174"/>
         <p:cNvGrpSpPr/>
         <p:nvPr/>
@@ -15432,7 +11270,7 @@
                 <a:cs typeface="Calibri"/>
                 <a:sym typeface="Calibri"/>
               </a:rPr>
-              <a:t>9</a:t>
+              <a:t>10</a:t>
             </a:fld>
             <a:endParaRPr sz="1200">
               <a:solidFill>
@@ -17237,9 +13075,7 @@
           </a:prstGeom>
           <a:noFill/>
           <a:ln w="38100" cap="flat" cmpd="sng">
-            <a:solidFill>
-              <a:srgbClr val="66CCFF"/>
-            </a:solidFill>
+            <a:noFill/>
             <a:prstDash val="solid"/>
             <a:round/>
             <a:headEnd type="none" w="sm" len="sm"/>
@@ -18451,6 +14287,4715 @@
         </p:txBody>
       </p:sp>
     </p:spTree>
+  </p:cSld>
+  <p:clrMapOvr>
+    <a:masterClrMapping/>
+  </p:clrMapOvr>
+</p:sld>
+</file>
+
+<file path=ppt/slides/slide11.xml><?xml version="1.0" encoding="utf-8"?>
+<p:sld xmlns:a="http://schemas.openxmlformats.org/drawingml/2006/main" xmlns:r="http://schemas.openxmlformats.org/officeDocument/2006/relationships" xmlns:p="http://schemas.openxmlformats.org/presentationml/2006/main">
+  <p:cSld>
+    <p:spTree>
+      <p:nvGrpSpPr>
+        <p:cNvPr id="1" name="Shape 87"/>
+        <p:cNvGrpSpPr/>
+        <p:nvPr/>
+      </p:nvGrpSpPr>
+      <p:grpSpPr>
+        <a:xfrm>
+          <a:off x="0" y="0"/>
+          <a:ext cx="0" cy="0"/>
+          <a:chOff x="0" y="0"/>
+          <a:chExt cx="0" cy="0"/>
+        </a:xfrm>
+      </p:grpSpPr>
+      <p:sp>
+        <p:nvSpPr>
+          <p:cNvPr id="88" name="Google Shape;88;p3"/>
+          <p:cNvSpPr txBox="1">
+            <a:spLocks noGrp="1"/>
+          </p:cNvSpPr>
+          <p:nvPr>
+            <p:ph type="sldNum" idx="12"/>
+          </p:nvPr>
+        </p:nvSpPr>
+        <p:spPr>
+          <a:xfrm>
+            <a:off x="6457950" y="6356355"/>
+            <a:ext cx="2057400" cy="365125"/>
+          </a:xfrm>
+          <a:prstGeom prst="rect">
+            <a:avLst/>
+          </a:prstGeom>
+          <a:noFill/>
+          <a:ln>
+            <a:noFill/>
+          </a:ln>
+        </p:spPr>
+        <p:txBody>
+          <a:bodyPr spcFirstLastPara="1" wrap="square" lIns="91425" tIns="45700" rIns="91425" bIns="45700" anchor="ctr" anchorCtr="0">
+            <a:noAutofit/>
+          </a:bodyPr>
+          <a:lstStyle/>
+          <a:p>
+            <a:pPr marL="0" lvl="0" indent="0" algn="r" rtl="0">
+              <a:spcBef>
+                <a:spcPts val="0"/>
+              </a:spcBef>
+              <a:spcAft>
+                <a:spcPts val="0"/>
+              </a:spcAft>
+              <a:buNone/>
+            </a:pPr>
+            <a:fld id="{00000000-1234-1234-1234-123412341234}" type="slidenum">
+              <a:rPr lang="en-US"/>
+              <a:t>11</a:t>
+            </a:fld>
+            <a:endParaRPr/>
+          </a:p>
+        </p:txBody>
+      </p:sp>
+      <p:sp>
+        <p:nvSpPr>
+          <p:cNvPr id="89" name="Google Shape;89;p3"/>
+          <p:cNvSpPr txBox="1">
+            <a:spLocks noGrp="1"/>
+          </p:cNvSpPr>
+          <p:nvPr>
+            <p:ph type="title"/>
+          </p:nvPr>
+        </p:nvSpPr>
+        <p:spPr>
+          <a:xfrm>
+            <a:off x="628650" y="1131248"/>
+            <a:ext cx="7886700" cy="763455"/>
+          </a:xfrm>
+          <a:prstGeom prst="rect">
+            <a:avLst/>
+          </a:prstGeom>
+          <a:noFill/>
+          <a:ln>
+            <a:noFill/>
+          </a:ln>
+        </p:spPr>
+        <p:txBody>
+          <a:bodyPr spcFirstLastPara="1" wrap="square" lIns="91425" tIns="45700" rIns="91425" bIns="45700" anchor="ctr" anchorCtr="0">
+            <a:normAutofit/>
+          </a:bodyPr>
+          <a:lstStyle/>
+          <a:p>
+            <a:pPr marL="0" lvl="0" indent="0" algn="ctr" rtl="0">
+              <a:lnSpc>
+                <a:spcPct val="90000"/>
+              </a:lnSpc>
+              <a:spcBef>
+                <a:spcPts val="0"/>
+              </a:spcBef>
+              <a:spcAft>
+                <a:spcPts val="0"/>
+              </a:spcAft>
+              <a:buClr>
+                <a:schemeClr val="dk1"/>
+              </a:buClr>
+              <a:buSzPts val="4000"/>
+              <a:buFont typeface="Calibri"/>
+              <a:buNone/>
+            </a:pPr>
+            <a:r>
+              <a:rPr lang="es-ES" b="1" noProof="0" dirty="0"/>
+              <a:t>Introducción al curso</a:t>
+            </a:r>
+          </a:p>
+        </p:txBody>
+      </p:sp>
+      <p:sp>
+        <p:nvSpPr>
+          <p:cNvPr id="90" name="Google Shape;90;p3"/>
+          <p:cNvSpPr txBox="1"/>
+          <p:nvPr/>
+        </p:nvSpPr>
+        <p:spPr>
+          <a:xfrm>
+            <a:off x="628650" y="2254245"/>
+            <a:ext cx="7886700" cy="2784894"/>
+          </a:xfrm>
+          <a:prstGeom prst="rect">
+            <a:avLst/>
+          </a:prstGeom>
+          <a:noFill/>
+          <a:ln>
+            <a:noFill/>
+          </a:ln>
+        </p:spPr>
+        <p:txBody>
+          <a:bodyPr spcFirstLastPara="1" wrap="square" lIns="91425" tIns="45700" rIns="91425" bIns="45700" anchor="t" anchorCtr="0">
+            <a:normAutofit/>
+          </a:bodyPr>
+          <a:lstStyle/>
+          <a:p>
+            <a:pPr marL="457200" marR="0" lvl="0" indent="-342900" algn="l" rtl="0">
+              <a:lnSpc>
+                <a:spcPct val="90000"/>
+              </a:lnSpc>
+              <a:spcBef>
+                <a:spcPts val="1000"/>
+              </a:spcBef>
+              <a:spcAft>
+                <a:spcPts val="0"/>
+              </a:spcAft>
+              <a:buClr>
+                <a:schemeClr val="dk1"/>
+              </a:buClr>
+              <a:buSzPts val="1800"/>
+              <a:buFont typeface="Arial"/>
+              <a:buChar char="•"/>
+            </a:pPr>
+            <a:r>
+              <a:rPr lang="es-ES" sz="2800" dirty="0">
+                <a:solidFill>
+                  <a:srgbClr val="A5A5A5"/>
+                </a:solidFill>
+                <a:latin typeface="Calibri"/>
+                <a:ea typeface="Calibri"/>
+                <a:cs typeface="Calibri"/>
+                <a:sym typeface="Calibri"/>
+              </a:rPr>
+              <a:t>Introducción del profesorado</a:t>
+            </a:r>
+          </a:p>
+          <a:p>
+            <a:pPr marL="457200" marR="0" lvl="0" indent="-342900" algn="l" rtl="0">
+              <a:lnSpc>
+                <a:spcPct val="90000"/>
+              </a:lnSpc>
+              <a:spcBef>
+                <a:spcPts val="1000"/>
+              </a:spcBef>
+              <a:spcAft>
+                <a:spcPts val="0"/>
+              </a:spcAft>
+              <a:buClr>
+                <a:schemeClr val="dk1"/>
+              </a:buClr>
+              <a:buSzPts val="1800"/>
+              <a:buFont typeface="Arial"/>
+              <a:buChar char="•"/>
+            </a:pPr>
+            <a:r>
+              <a:rPr lang="es-ES" sz="2800" dirty="0">
+                <a:solidFill>
+                  <a:srgbClr val="A5A5A5"/>
+                </a:solidFill>
+                <a:latin typeface="Calibri"/>
+                <a:ea typeface="Calibri"/>
+                <a:cs typeface="Calibri"/>
+                <a:sym typeface="Calibri"/>
+              </a:rPr>
+              <a:t>Objetivos</a:t>
+            </a:r>
+          </a:p>
+          <a:p>
+            <a:pPr marL="457200" marR="0" lvl="0" indent="-342900" algn="l" rtl="0">
+              <a:lnSpc>
+                <a:spcPct val="90000"/>
+              </a:lnSpc>
+              <a:spcBef>
+                <a:spcPts val="1000"/>
+              </a:spcBef>
+              <a:spcAft>
+                <a:spcPts val="0"/>
+              </a:spcAft>
+              <a:buClr>
+                <a:schemeClr val="dk1"/>
+              </a:buClr>
+              <a:buSzPts val="1800"/>
+              <a:buFont typeface="Arial"/>
+              <a:buChar char="•"/>
+            </a:pPr>
+            <a:r>
+              <a:rPr lang="es-ES" sz="2800" dirty="0">
+                <a:solidFill>
+                  <a:srgbClr val="A5A5A5"/>
+                </a:solidFill>
+                <a:latin typeface="Calibri"/>
+                <a:ea typeface="Calibri"/>
+                <a:cs typeface="Calibri"/>
+                <a:sym typeface="Calibri"/>
+              </a:rPr>
+              <a:t>Calendario y estructura</a:t>
+            </a:r>
+          </a:p>
+          <a:p>
+            <a:pPr marL="457200" marR="0" lvl="0" indent="-342900" algn="l" rtl="0">
+              <a:lnSpc>
+                <a:spcPct val="90000"/>
+              </a:lnSpc>
+              <a:spcBef>
+                <a:spcPts val="1000"/>
+              </a:spcBef>
+              <a:spcAft>
+                <a:spcPts val="0"/>
+              </a:spcAft>
+              <a:buClr>
+                <a:schemeClr val="dk1"/>
+              </a:buClr>
+              <a:buSzPts val="1800"/>
+              <a:buFont typeface="Arial"/>
+              <a:buChar char="•"/>
+            </a:pPr>
+            <a:r>
+              <a:rPr lang="es-ES" sz="2800" b="1" dirty="0">
+                <a:solidFill>
+                  <a:srgbClr val="006DA5"/>
+                </a:solidFill>
+                <a:latin typeface="Calibri"/>
+                <a:ea typeface="Calibri"/>
+                <a:cs typeface="Calibri"/>
+                <a:sym typeface="Calibri"/>
+              </a:rPr>
+              <a:t>Evaluación</a:t>
+            </a:r>
+          </a:p>
+          <a:p>
+            <a:pPr marL="457200" marR="0" lvl="0" indent="-342900" algn="l" rtl="0">
+              <a:lnSpc>
+                <a:spcPct val="90000"/>
+              </a:lnSpc>
+              <a:spcBef>
+                <a:spcPts val="1000"/>
+              </a:spcBef>
+              <a:spcAft>
+                <a:spcPts val="0"/>
+              </a:spcAft>
+              <a:buClr>
+                <a:schemeClr val="dk1"/>
+              </a:buClr>
+              <a:buSzPts val="1800"/>
+              <a:buFont typeface="Arial"/>
+              <a:buChar char="•"/>
+            </a:pPr>
+            <a:r>
+              <a:rPr lang="es-ES" sz="2800" dirty="0">
+                <a:solidFill>
+                  <a:srgbClr val="A5A5A5"/>
+                </a:solidFill>
+                <a:latin typeface="Calibri"/>
+                <a:ea typeface="Calibri"/>
+                <a:cs typeface="Calibri"/>
+                <a:sym typeface="Calibri"/>
+              </a:rPr>
+              <a:t>Referencias</a:t>
+            </a:r>
+            <a:endParaRPr lang="en-US" sz="2800" dirty="0">
+              <a:solidFill>
+                <a:srgbClr val="A5A5A5"/>
+              </a:solidFill>
+              <a:latin typeface="Calibri"/>
+              <a:ea typeface="Calibri"/>
+              <a:cs typeface="Calibri"/>
+              <a:sym typeface="Calibri"/>
+            </a:endParaRPr>
+          </a:p>
+          <a:p>
+            <a:pPr marL="457200" marR="0" lvl="0" indent="-228600" algn="l" rtl="0">
+              <a:lnSpc>
+                <a:spcPct val="90000"/>
+              </a:lnSpc>
+              <a:spcBef>
+                <a:spcPts val="1000"/>
+              </a:spcBef>
+              <a:spcAft>
+                <a:spcPts val="0"/>
+              </a:spcAft>
+              <a:buClr>
+                <a:schemeClr val="dk1"/>
+              </a:buClr>
+              <a:buSzPts val="1800"/>
+              <a:buFont typeface="Arial"/>
+              <a:buNone/>
+            </a:pPr>
+            <a:endParaRPr lang="es-ES" sz="3200" b="0" i="0" u="none" strike="noStrike" cap="none" dirty="0">
+              <a:solidFill>
+                <a:schemeClr val="dk1"/>
+              </a:solidFill>
+              <a:latin typeface="Calibri"/>
+              <a:ea typeface="Calibri"/>
+              <a:cs typeface="Calibri"/>
+              <a:sym typeface="Calibri"/>
+            </a:endParaRPr>
+          </a:p>
+        </p:txBody>
+      </p:sp>
+    </p:spTree>
+    <p:extLst>
+      <p:ext uri="{BB962C8B-B14F-4D97-AF65-F5344CB8AC3E}">
+        <p14:creationId xmlns:p14="http://schemas.microsoft.com/office/powerpoint/2010/main" val="3171603643"/>
+      </p:ext>
+    </p:extLst>
+  </p:cSld>
+  <p:clrMapOvr>
+    <a:masterClrMapping/>
+  </p:clrMapOvr>
+</p:sld>
+</file>
+
+<file path=ppt/slides/slide12.xml><?xml version="1.0" encoding="utf-8"?>
+<p:sld xmlns:a="http://schemas.openxmlformats.org/drawingml/2006/main" xmlns:r="http://schemas.openxmlformats.org/officeDocument/2006/relationships" xmlns:p="http://schemas.openxmlformats.org/presentationml/2006/main">
+  <p:cSld>
+    <p:spTree>
+      <p:nvGrpSpPr>
+        <p:cNvPr id="1" name="Shape 199"/>
+        <p:cNvGrpSpPr/>
+        <p:nvPr/>
+      </p:nvGrpSpPr>
+      <p:grpSpPr>
+        <a:xfrm>
+          <a:off x="0" y="0"/>
+          <a:ext cx="0" cy="0"/>
+          <a:chOff x="0" y="0"/>
+          <a:chExt cx="0" cy="0"/>
+        </a:xfrm>
+      </p:grpSpPr>
+      <p:sp>
+        <p:nvSpPr>
+          <p:cNvPr id="200" name="Google Shape;200;p14"/>
+          <p:cNvSpPr txBox="1">
+            <a:spLocks noGrp="1"/>
+          </p:cNvSpPr>
+          <p:nvPr>
+            <p:ph type="sldNum" idx="12"/>
+          </p:nvPr>
+        </p:nvSpPr>
+        <p:spPr>
+          <a:xfrm>
+            <a:off x="6457950" y="6356355"/>
+            <a:ext cx="2057400" cy="365125"/>
+          </a:xfrm>
+          <a:prstGeom prst="rect">
+            <a:avLst/>
+          </a:prstGeom>
+          <a:noFill/>
+          <a:ln>
+            <a:noFill/>
+          </a:ln>
+        </p:spPr>
+        <p:txBody>
+          <a:bodyPr spcFirstLastPara="1" wrap="square" lIns="91425" tIns="45700" rIns="91425" bIns="45700" anchor="ctr" anchorCtr="0">
+            <a:noAutofit/>
+          </a:bodyPr>
+          <a:lstStyle/>
+          <a:p>
+            <a:pPr marL="0" lvl="0" indent="0" algn="r" rtl="0">
+              <a:spcBef>
+                <a:spcPts val="0"/>
+              </a:spcBef>
+              <a:spcAft>
+                <a:spcPts val="0"/>
+              </a:spcAft>
+              <a:buNone/>
+            </a:pPr>
+            <a:fld id="{00000000-1234-1234-1234-123412341234}" type="slidenum">
+              <a:rPr lang="en-US"/>
+              <a:t>12</a:t>
+            </a:fld>
+            <a:endParaRPr/>
+          </a:p>
+        </p:txBody>
+      </p:sp>
+      <p:sp>
+        <p:nvSpPr>
+          <p:cNvPr id="201" name="Google Shape;201;p14"/>
+          <p:cNvSpPr txBox="1">
+            <a:spLocks noGrp="1"/>
+          </p:cNvSpPr>
+          <p:nvPr>
+            <p:ph type="title"/>
+          </p:nvPr>
+        </p:nvSpPr>
+        <p:spPr>
+          <a:xfrm>
+            <a:off x="628650" y="1131248"/>
+            <a:ext cx="7886700" cy="763455"/>
+          </a:xfrm>
+          <a:prstGeom prst="rect">
+            <a:avLst/>
+          </a:prstGeom>
+          <a:noFill/>
+          <a:ln>
+            <a:noFill/>
+          </a:ln>
+        </p:spPr>
+        <p:txBody>
+          <a:bodyPr spcFirstLastPara="1" wrap="square" lIns="91425" tIns="45700" rIns="91425" bIns="45700" anchor="ctr" anchorCtr="0">
+            <a:normAutofit/>
+          </a:bodyPr>
+          <a:lstStyle/>
+          <a:p>
+            <a:pPr marL="0" lvl="0" indent="0" algn="ctr" rtl="0">
+              <a:lnSpc>
+                <a:spcPct val="90000"/>
+              </a:lnSpc>
+              <a:spcBef>
+                <a:spcPts val="0"/>
+              </a:spcBef>
+              <a:spcAft>
+                <a:spcPts val="0"/>
+              </a:spcAft>
+              <a:buClr>
+                <a:schemeClr val="dk1"/>
+              </a:buClr>
+              <a:buSzPts val="4000"/>
+              <a:buFont typeface="Calibri"/>
+              <a:buNone/>
+            </a:pPr>
+            <a:r>
+              <a:rPr lang="es-ES" b="1" noProof="0" dirty="0"/>
+              <a:t>Evaluación</a:t>
+            </a:r>
+          </a:p>
+        </p:txBody>
+      </p:sp>
+      <p:sp>
+        <p:nvSpPr>
+          <p:cNvPr id="202" name="Google Shape;202;p14"/>
+          <p:cNvSpPr txBox="1"/>
+          <p:nvPr/>
+        </p:nvSpPr>
+        <p:spPr>
+          <a:xfrm>
+            <a:off x="628650" y="2560319"/>
+            <a:ext cx="8129270" cy="3796035"/>
+          </a:xfrm>
+          <a:prstGeom prst="rect">
+            <a:avLst/>
+          </a:prstGeom>
+          <a:noFill/>
+          <a:ln>
+            <a:noFill/>
+          </a:ln>
+        </p:spPr>
+        <p:txBody>
+          <a:bodyPr spcFirstLastPara="1" wrap="square" lIns="91425" tIns="45700" rIns="91425" bIns="45700" anchor="t" anchorCtr="0">
+            <a:normAutofit/>
+          </a:bodyPr>
+          <a:lstStyle/>
+          <a:p>
+            <a:pPr marL="114300" marR="0" lvl="0" indent="0" algn="ctr" rtl="0">
+              <a:lnSpc>
+                <a:spcPct val="90000"/>
+              </a:lnSpc>
+              <a:spcBef>
+                <a:spcPts val="1000"/>
+              </a:spcBef>
+              <a:spcAft>
+                <a:spcPts val="0"/>
+              </a:spcAft>
+              <a:buClr>
+                <a:schemeClr val="dk1"/>
+              </a:buClr>
+              <a:buSzPts val="1800"/>
+              <a:buFont typeface="Arial"/>
+              <a:buNone/>
+            </a:pPr>
+            <a:r>
+              <a:rPr lang="en-US" sz="2800" dirty="0">
+                <a:solidFill>
+                  <a:schemeClr val="dk1"/>
+                </a:solidFill>
+                <a:latin typeface="Calibri"/>
+                <a:ea typeface="Calibri"/>
+                <a:cs typeface="Calibri"/>
+                <a:sym typeface="Calibri"/>
+              </a:rPr>
+              <a:t>NF = 0,7·NE + 0,3·A</a:t>
+            </a:r>
+          </a:p>
+          <a:p>
+            <a:pPr marL="114300" marR="0" lvl="0" indent="0" algn="ctr" rtl="0">
+              <a:lnSpc>
+                <a:spcPct val="90000"/>
+              </a:lnSpc>
+              <a:spcBef>
+                <a:spcPts val="1000"/>
+              </a:spcBef>
+              <a:spcAft>
+                <a:spcPts val="0"/>
+              </a:spcAft>
+              <a:buClr>
+                <a:schemeClr val="dk1"/>
+              </a:buClr>
+              <a:buSzPts val="1800"/>
+              <a:buFont typeface="Arial"/>
+              <a:buNone/>
+            </a:pPr>
+            <a:r>
+              <a:rPr lang="en-US" sz="2800" dirty="0">
+                <a:solidFill>
+                  <a:schemeClr val="dk1"/>
+                </a:solidFill>
+                <a:latin typeface="Calibri"/>
+                <a:ea typeface="Calibri"/>
+                <a:cs typeface="Calibri"/>
+                <a:sym typeface="Calibri"/>
+              </a:rPr>
+              <a:t>NE = 0,6·NEP + 0,4·NET</a:t>
+            </a:r>
+            <a:endParaRPr sz="2800" dirty="0">
+              <a:latin typeface="Calibri" panose="020F0502020204030204" pitchFamily="34" charset="0"/>
+              <a:ea typeface="Calibri" panose="020F0502020204030204" pitchFamily="34" charset="0"/>
+              <a:cs typeface="Calibri" panose="020F0502020204030204" pitchFamily="34" charset="0"/>
+            </a:endParaRPr>
+          </a:p>
+          <a:p>
+            <a:pPr marL="114300" marR="0" lvl="0" indent="0" algn="l" rtl="0">
+              <a:lnSpc>
+                <a:spcPct val="90000"/>
+              </a:lnSpc>
+              <a:spcBef>
+                <a:spcPts val="1000"/>
+              </a:spcBef>
+              <a:spcAft>
+                <a:spcPts val="0"/>
+              </a:spcAft>
+              <a:buClr>
+                <a:schemeClr val="dk1"/>
+              </a:buClr>
+              <a:buSzPts val="1800"/>
+              <a:buFont typeface="Arial"/>
+              <a:buNone/>
+            </a:pPr>
+            <a:endParaRPr sz="2000" dirty="0">
+              <a:solidFill>
+                <a:schemeClr val="dk1"/>
+              </a:solidFill>
+              <a:latin typeface="Calibri"/>
+              <a:ea typeface="Calibri"/>
+              <a:cs typeface="Calibri"/>
+              <a:sym typeface="Calibri"/>
+            </a:endParaRPr>
+          </a:p>
+          <a:p>
+            <a:pPr marL="114300" marR="0" lvl="0" indent="0" algn="l" rtl="0">
+              <a:lnSpc>
+                <a:spcPct val="90000"/>
+              </a:lnSpc>
+              <a:spcBef>
+                <a:spcPts val="1000"/>
+              </a:spcBef>
+              <a:spcAft>
+                <a:spcPts val="0"/>
+              </a:spcAft>
+              <a:buClr>
+                <a:schemeClr val="dk1"/>
+              </a:buClr>
+              <a:buSzPts val="1800"/>
+              <a:buFont typeface="Arial"/>
+              <a:buNone/>
+            </a:pPr>
+            <a:r>
+              <a:rPr lang="en-US" sz="2000" dirty="0">
+                <a:solidFill>
+                  <a:schemeClr val="dk1"/>
+                </a:solidFill>
+                <a:latin typeface="Calibri"/>
+                <a:ea typeface="Calibri"/>
+                <a:cs typeface="Calibri"/>
+                <a:sym typeface="Calibri"/>
+              </a:rPr>
+              <a:t>NF: Nota Final</a:t>
+            </a:r>
+          </a:p>
+          <a:p>
+            <a:pPr marL="114300" marR="0" lvl="0" indent="0" algn="l" rtl="0">
+              <a:lnSpc>
+                <a:spcPct val="90000"/>
+              </a:lnSpc>
+              <a:spcBef>
+                <a:spcPts val="1000"/>
+              </a:spcBef>
+              <a:spcAft>
+                <a:spcPts val="0"/>
+              </a:spcAft>
+              <a:buClr>
+                <a:schemeClr val="dk1"/>
+              </a:buClr>
+              <a:buSzPts val="1800"/>
+              <a:buFont typeface="Arial"/>
+              <a:buNone/>
+            </a:pPr>
+            <a:r>
+              <a:rPr lang="en-US" sz="2000" dirty="0">
+                <a:solidFill>
+                  <a:schemeClr val="dk1"/>
+                </a:solidFill>
+                <a:latin typeface="Calibri"/>
+                <a:ea typeface="Calibri"/>
+                <a:cs typeface="Calibri"/>
+                <a:sym typeface="Calibri"/>
+              </a:rPr>
+              <a:t>NE: Nota Examen </a:t>
+            </a:r>
+          </a:p>
+          <a:p>
+            <a:pPr marL="114300" marR="0" lvl="0" indent="0" algn="l" rtl="0">
+              <a:lnSpc>
+                <a:spcPct val="90000"/>
+              </a:lnSpc>
+              <a:spcBef>
+                <a:spcPts val="1000"/>
+              </a:spcBef>
+              <a:spcAft>
+                <a:spcPts val="0"/>
+              </a:spcAft>
+              <a:buClr>
+                <a:schemeClr val="dk1"/>
+              </a:buClr>
+              <a:buSzPts val="1800"/>
+              <a:buFont typeface="Arial"/>
+              <a:buNone/>
+            </a:pPr>
+            <a:r>
+              <a:rPr lang="en-US" sz="2000" dirty="0">
+                <a:solidFill>
+                  <a:schemeClr val="dk1"/>
+                </a:solidFill>
+                <a:latin typeface="Calibri"/>
+                <a:ea typeface="Calibri"/>
+                <a:cs typeface="Calibri"/>
+                <a:sym typeface="Calibri"/>
+              </a:rPr>
+              <a:t>A: </a:t>
+            </a:r>
+            <a:r>
+              <a:rPr lang="en-US" sz="2000" dirty="0" err="1">
+                <a:solidFill>
+                  <a:schemeClr val="dk1"/>
+                </a:solidFill>
+                <a:latin typeface="Calibri"/>
+                <a:ea typeface="Calibri"/>
+                <a:cs typeface="Calibri"/>
+                <a:sym typeface="Calibri"/>
+              </a:rPr>
+              <a:t>Asistencia</a:t>
+            </a:r>
+            <a:endParaRPr lang="en-150" sz="2800" dirty="0">
+              <a:solidFill>
+                <a:schemeClr val="dk1"/>
+              </a:solidFill>
+              <a:latin typeface="Calibri"/>
+              <a:ea typeface="Calibri"/>
+              <a:cs typeface="Calibri"/>
+              <a:sym typeface="Calibri"/>
+            </a:endParaRPr>
+          </a:p>
+          <a:p>
+            <a:pPr marL="114300" marR="0" lvl="0" indent="0" algn="l" rtl="0">
+              <a:lnSpc>
+                <a:spcPct val="90000"/>
+              </a:lnSpc>
+              <a:spcBef>
+                <a:spcPts val="1000"/>
+              </a:spcBef>
+              <a:spcAft>
+                <a:spcPts val="0"/>
+              </a:spcAft>
+              <a:buClr>
+                <a:schemeClr val="dk1"/>
+              </a:buClr>
+              <a:buSzPts val="1800"/>
+              <a:buFont typeface="Arial"/>
+              <a:buNone/>
+            </a:pPr>
+            <a:r>
+              <a:rPr lang="en-US" sz="2000" dirty="0">
+                <a:solidFill>
+                  <a:schemeClr val="dk1"/>
+                </a:solidFill>
+                <a:latin typeface="Calibri"/>
+                <a:ea typeface="Calibri"/>
+                <a:cs typeface="Calibri"/>
+                <a:sym typeface="Calibri"/>
+              </a:rPr>
+              <a:t>NEP: Nota Examen </a:t>
+            </a:r>
+            <a:r>
+              <a:rPr lang="en-US" sz="2000" dirty="0" err="1">
+                <a:solidFill>
+                  <a:schemeClr val="dk1"/>
+                </a:solidFill>
+                <a:latin typeface="Calibri"/>
+                <a:ea typeface="Calibri"/>
+                <a:cs typeface="Calibri"/>
+                <a:sym typeface="Calibri"/>
+              </a:rPr>
+              <a:t>Práctico</a:t>
+            </a:r>
+            <a:endParaRPr sz="2800" dirty="0">
+              <a:solidFill>
+                <a:schemeClr val="dk1"/>
+              </a:solidFill>
+              <a:latin typeface="Calibri"/>
+              <a:ea typeface="Calibri"/>
+              <a:cs typeface="Calibri"/>
+              <a:sym typeface="Calibri"/>
+            </a:endParaRPr>
+          </a:p>
+          <a:p>
+            <a:pPr marL="114300" marR="0" lvl="0" indent="0" algn="l" rtl="0">
+              <a:lnSpc>
+                <a:spcPct val="90000"/>
+              </a:lnSpc>
+              <a:spcBef>
+                <a:spcPts val="1000"/>
+              </a:spcBef>
+              <a:spcAft>
+                <a:spcPts val="0"/>
+              </a:spcAft>
+              <a:buClr>
+                <a:schemeClr val="dk1"/>
+              </a:buClr>
+              <a:buSzPts val="1800"/>
+              <a:buFont typeface="Arial"/>
+              <a:buNone/>
+            </a:pPr>
+            <a:r>
+              <a:rPr lang="en-US" sz="2000" dirty="0">
+                <a:solidFill>
+                  <a:schemeClr val="dk1"/>
+                </a:solidFill>
+                <a:latin typeface="Calibri"/>
+                <a:ea typeface="Calibri"/>
+                <a:cs typeface="Calibri"/>
+                <a:sym typeface="Calibri"/>
+              </a:rPr>
+              <a:t>NET: Nota Examen </a:t>
+            </a:r>
+            <a:r>
+              <a:rPr lang="en-US" sz="2000" dirty="0" err="1">
+                <a:solidFill>
+                  <a:schemeClr val="dk1"/>
+                </a:solidFill>
+                <a:latin typeface="Calibri"/>
+                <a:ea typeface="Calibri"/>
+                <a:cs typeface="Calibri"/>
+                <a:sym typeface="Calibri"/>
+              </a:rPr>
+              <a:t>Teórico</a:t>
+            </a:r>
+            <a:endParaRPr sz="2800" dirty="0">
+              <a:solidFill>
+                <a:schemeClr val="dk1"/>
+              </a:solidFill>
+              <a:latin typeface="Calibri"/>
+              <a:ea typeface="Calibri"/>
+              <a:cs typeface="Calibri"/>
+              <a:sym typeface="Calibri"/>
+            </a:endParaRPr>
+          </a:p>
+        </p:txBody>
+      </p:sp>
+    </p:spTree>
+  </p:cSld>
+  <p:clrMapOvr>
+    <a:masterClrMapping/>
+  </p:clrMapOvr>
+</p:sld>
+</file>
+
+<file path=ppt/slides/slide13.xml><?xml version="1.0" encoding="utf-8"?>
+<p:sld xmlns:a="http://schemas.openxmlformats.org/drawingml/2006/main" xmlns:r="http://schemas.openxmlformats.org/officeDocument/2006/relationships" xmlns:p="http://schemas.openxmlformats.org/presentationml/2006/main">
+  <p:cSld>
+    <p:spTree>
+      <p:nvGrpSpPr>
+        <p:cNvPr id="1" name="Shape 87"/>
+        <p:cNvGrpSpPr/>
+        <p:nvPr/>
+      </p:nvGrpSpPr>
+      <p:grpSpPr>
+        <a:xfrm>
+          <a:off x="0" y="0"/>
+          <a:ext cx="0" cy="0"/>
+          <a:chOff x="0" y="0"/>
+          <a:chExt cx="0" cy="0"/>
+        </a:xfrm>
+      </p:grpSpPr>
+      <p:sp>
+        <p:nvSpPr>
+          <p:cNvPr id="88" name="Google Shape;88;p3"/>
+          <p:cNvSpPr txBox="1">
+            <a:spLocks noGrp="1"/>
+          </p:cNvSpPr>
+          <p:nvPr>
+            <p:ph type="sldNum" idx="12"/>
+          </p:nvPr>
+        </p:nvSpPr>
+        <p:spPr>
+          <a:xfrm>
+            <a:off x="6457950" y="6356355"/>
+            <a:ext cx="2057400" cy="365125"/>
+          </a:xfrm>
+          <a:prstGeom prst="rect">
+            <a:avLst/>
+          </a:prstGeom>
+          <a:noFill/>
+          <a:ln>
+            <a:noFill/>
+          </a:ln>
+        </p:spPr>
+        <p:txBody>
+          <a:bodyPr spcFirstLastPara="1" wrap="square" lIns="91425" tIns="45700" rIns="91425" bIns="45700" anchor="ctr" anchorCtr="0">
+            <a:noAutofit/>
+          </a:bodyPr>
+          <a:lstStyle/>
+          <a:p>
+            <a:pPr marL="0" lvl="0" indent="0" algn="r" rtl="0">
+              <a:spcBef>
+                <a:spcPts val="0"/>
+              </a:spcBef>
+              <a:spcAft>
+                <a:spcPts val="0"/>
+              </a:spcAft>
+              <a:buNone/>
+            </a:pPr>
+            <a:fld id="{00000000-1234-1234-1234-123412341234}" type="slidenum">
+              <a:rPr lang="en-US"/>
+              <a:t>13</a:t>
+            </a:fld>
+            <a:endParaRPr/>
+          </a:p>
+        </p:txBody>
+      </p:sp>
+      <p:sp>
+        <p:nvSpPr>
+          <p:cNvPr id="89" name="Google Shape;89;p3"/>
+          <p:cNvSpPr txBox="1">
+            <a:spLocks noGrp="1"/>
+          </p:cNvSpPr>
+          <p:nvPr>
+            <p:ph type="title"/>
+          </p:nvPr>
+        </p:nvSpPr>
+        <p:spPr>
+          <a:xfrm>
+            <a:off x="628650" y="1131248"/>
+            <a:ext cx="7886700" cy="763455"/>
+          </a:xfrm>
+          <a:prstGeom prst="rect">
+            <a:avLst/>
+          </a:prstGeom>
+          <a:noFill/>
+          <a:ln>
+            <a:noFill/>
+          </a:ln>
+        </p:spPr>
+        <p:txBody>
+          <a:bodyPr spcFirstLastPara="1" wrap="square" lIns="91425" tIns="45700" rIns="91425" bIns="45700" anchor="ctr" anchorCtr="0">
+            <a:normAutofit/>
+          </a:bodyPr>
+          <a:lstStyle/>
+          <a:p>
+            <a:pPr marL="0" lvl="0" indent="0" algn="ctr" rtl="0">
+              <a:lnSpc>
+                <a:spcPct val="90000"/>
+              </a:lnSpc>
+              <a:spcBef>
+                <a:spcPts val="0"/>
+              </a:spcBef>
+              <a:spcAft>
+                <a:spcPts val="0"/>
+              </a:spcAft>
+              <a:buClr>
+                <a:schemeClr val="dk1"/>
+              </a:buClr>
+              <a:buSzPts val="4000"/>
+              <a:buFont typeface="Calibri"/>
+              <a:buNone/>
+            </a:pPr>
+            <a:r>
+              <a:rPr lang="es-ES" b="1" noProof="0" dirty="0"/>
+              <a:t>Introducción al curso</a:t>
+            </a:r>
+          </a:p>
+        </p:txBody>
+      </p:sp>
+      <p:sp>
+        <p:nvSpPr>
+          <p:cNvPr id="90" name="Google Shape;90;p3"/>
+          <p:cNvSpPr txBox="1"/>
+          <p:nvPr/>
+        </p:nvSpPr>
+        <p:spPr>
+          <a:xfrm>
+            <a:off x="628650" y="2254245"/>
+            <a:ext cx="7886700" cy="2784894"/>
+          </a:xfrm>
+          <a:prstGeom prst="rect">
+            <a:avLst/>
+          </a:prstGeom>
+          <a:noFill/>
+          <a:ln>
+            <a:noFill/>
+          </a:ln>
+        </p:spPr>
+        <p:txBody>
+          <a:bodyPr spcFirstLastPara="1" wrap="square" lIns="91425" tIns="45700" rIns="91425" bIns="45700" anchor="t" anchorCtr="0">
+            <a:normAutofit/>
+          </a:bodyPr>
+          <a:lstStyle/>
+          <a:p>
+            <a:pPr marL="457200" marR="0" lvl="0" indent="-342900" algn="l" rtl="0">
+              <a:lnSpc>
+                <a:spcPct val="90000"/>
+              </a:lnSpc>
+              <a:spcBef>
+                <a:spcPts val="1000"/>
+              </a:spcBef>
+              <a:spcAft>
+                <a:spcPts val="0"/>
+              </a:spcAft>
+              <a:buClr>
+                <a:schemeClr val="dk1"/>
+              </a:buClr>
+              <a:buSzPts val="1800"/>
+              <a:buFont typeface="Arial"/>
+              <a:buChar char="•"/>
+            </a:pPr>
+            <a:r>
+              <a:rPr lang="es-ES" sz="2800" dirty="0">
+                <a:solidFill>
+                  <a:srgbClr val="A5A5A5"/>
+                </a:solidFill>
+                <a:latin typeface="Calibri"/>
+                <a:ea typeface="Calibri"/>
+                <a:cs typeface="Calibri"/>
+                <a:sym typeface="Calibri"/>
+              </a:rPr>
+              <a:t>Introducción del profesorado</a:t>
+            </a:r>
+          </a:p>
+          <a:p>
+            <a:pPr marL="457200" marR="0" lvl="0" indent="-342900" algn="l" rtl="0">
+              <a:lnSpc>
+                <a:spcPct val="90000"/>
+              </a:lnSpc>
+              <a:spcBef>
+                <a:spcPts val="1000"/>
+              </a:spcBef>
+              <a:spcAft>
+                <a:spcPts val="0"/>
+              </a:spcAft>
+              <a:buClr>
+                <a:schemeClr val="dk1"/>
+              </a:buClr>
+              <a:buSzPts val="1800"/>
+              <a:buFont typeface="Arial"/>
+              <a:buChar char="•"/>
+            </a:pPr>
+            <a:r>
+              <a:rPr lang="es-ES" sz="2800" dirty="0">
+                <a:solidFill>
+                  <a:srgbClr val="A5A5A5"/>
+                </a:solidFill>
+                <a:latin typeface="Calibri"/>
+                <a:ea typeface="Calibri"/>
+                <a:cs typeface="Calibri"/>
+                <a:sym typeface="Calibri"/>
+              </a:rPr>
+              <a:t>Objetivos</a:t>
+            </a:r>
+          </a:p>
+          <a:p>
+            <a:pPr marL="457200" marR="0" lvl="0" indent="-342900" algn="l" rtl="0">
+              <a:lnSpc>
+                <a:spcPct val="90000"/>
+              </a:lnSpc>
+              <a:spcBef>
+                <a:spcPts val="1000"/>
+              </a:spcBef>
+              <a:spcAft>
+                <a:spcPts val="0"/>
+              </a:spcAft>
+              <a:buClr>
+                <a:schemeClr val="dk1"/>
+              </a:buClr>
+              <a:buSzPts val="1800"/>
+              <a:buFont typeface="Arial"/>
+              <a:buChar char="•"/>
+            </a:pPr>
+            <a:r>
+              <a:rPr lang="es-ES" sz="2800" dirty="0">
+                <a:solidFill>
+                  <a:srgbClr val="A5A5A5"/>
+                </a:solidFill>
+                <a:latin typeface="Calibri"/>
+                <a:ea typeface="Calibri"/>
+                <a:cs typeface="Calibri"/>
+                <a:sym typeface="Calibri"/>
+              </a:rPr>
+              <a:t>Calendario y estructura</a:t>
+            </a:r>
+          </a:p>
+          <a:p>
+            <a:pPr marL="457200" marR="0" lvl="0" indent="-342900" algn="l" rtl="0">
+              <a:lnSpc>
+                <a:spcPct val="90000"/>
+              </a:lnSpc>
+              <a:spcBef>
+                <a:spcPts val="1000"/>
+              </a:spcBef>
+              <a:spcAft>
+                <a:spcPts val="0"/>
+              </a:spcAft>
+              <a:buClr>
+                <a:schemeClr val="dk1"/>
+              </a:buClr>
+              <a:buSzPts val="1800"/>
+              <a:buFont typeface="Arial"/>
+              <a:buChar char="•"/>
+            </a:pPr>
+            <a:r>
+              <a:rPr lang="es-ES" sz="2800" dirty="0">
+                <a:solidFill>
+                  <a:srgbClr val="A5A5A5"/>
+                </a:solidFill>
+                <a:latin typeface="Calibri"/>
+                <a:ea typeface="Calibri"/>
+                <a:cs typeface="Calibri"/>
+                <a:sym typeface="Calibri"/>
+              </a:rPr>
+              <a:t>Evaluación</a:t>
+            </a:r>
+          </a:p>
+          <a:p>
+            <a:pPr marL="457200" marR="0" lvl="0" indent="-342900" algn="l" rtl="0">
+              <a:lnSpc>
+                <a:spcPct val="90000"/>
+              </a:lnSpc>
+              <a:spcBef>
+                <a:spcPts val="1000"/>
+              </a:spcBef>
+              <a:spcAft>
+                <a:spcPts val="0"/>
+              </a:spcAft>
+              <a:buClr>
+                <a:schemeClr val="dk1"/>
+              </a:buClr>
+              <a:buSzPts val="1800"/>
+              <a:buFont typeface="Arial"/>
+              <a:buChar char="•"/>
+            </a:pPr>
+            <a:r>
+              <a:rPr lang="es-ES" sz="2800" b="1" dirty="0">
+                <a:solidFill>
+                  <a:srgbClr val="006DA5"/>
+                </a:solidFill>
+                <a:latin typeface="Calibri"/>
+                <a:ea typeface="Calibri"/>
+                <a:cs typeface="Calibri"/>
+                <a:sym typeface="Calibri"/>
+              </a:rPr>
+              <a:t>Referencias</a:t>
+            </a:r>
+            <a:endParaRPr lang="en-US" sz="2800" b="1" dirty="0">
+              <a:solidFill>
+                <a:srgbClr val="006DA5"/>
+              </a:solidFill>
+              <a:latin typeface="Calibri"/>
+              <a:ea typeface="Calibri"/>
+              <a:cs typeface="Calibri"/>
+              <a:sym typeface="Calibri"/>
+            </a:endParaRPr>
+          </a:p>
+          <a:p>
+            <a:pPr marL="457200" marR="0" lvl="0" indent="-228600" algn="l" rtl="0">
+              <a:lnSpc>
+                <a:spcPct val="90000"/>
+              </a:lnSpc>
+              <a:spcBef>
+                <a:spcPts val="1000"/>
+              </a:spcBef>
+              <a:spcAft>
+                <a:spcPts val="0"/>
+              </a:spcAft>
+              <a:buClr>
+                <a:schemeClr val="dk1"/>
+              </a:buClr>
+              <a:buSzPts val="1800"/>
+              <a:buFont typeface="Arial"/>
+              <a:buNone/>
+            </a:pPr>
+            <a:endParaRPr lang="es-ES" sz="3200" b="0" i="0" u="none" strike="noStrike" cap="none" dirty="0">
+              <a:solidFill>
+                <a:schemeClr val="dk1"/>
+              </a:solidFill>
+              <a:latin typeface="Calibri"/>
+              <a:ea typeface="Calibri"/>
+              <a:cs typeface="Calibri"/>
+              <a:sym typeface="Calibri"/>
+            </a:endParaRPr>
+          </a:p>
+        </p:txBody>
+      </p:sp>
+    </p:spTree>
+    <p:extLst>
+      <p:ext uri="{BB962C8B-B14F-4D97-AF65-F5344CB8AC3E}">
+        <p14:creationId xmlns:p14="http://schemas.microsoft.com/office/powerpoint/2010/main" val="134597860"/>
+      </p:ext>
+    </p:extLst>
+  </p:cSld>
+  <p:clrMapOvr>
+    <a:masterClrMapping/>
+  </p:clrMapOvr>
+</p:sld>
+</file>
+
+<file path=ppt/slides/slide14.xml><?xml version="1.0" encoding="utf-8"?>
+<p:sld xmlns:a="http://schemas.openxmlformats.org/drawingml/2006/main" xmlns:r="http://schemas.openxmlformats.org/officeDocument/2006/relationships" xmlns:p="http://schemas.openxmlformats.org/presentationml/2006/main">
+  <p:cSld>
+    <p:spTree>
+      <p:nvGrpSpPr>
+        <p:cNvPr id="1" name="Shape 213"/>
+        <p:cNvGrpSpPr/>
+        <p:nvPr/>
+      </p:nvGrpSpPr>
+      <p:grpSpPr>
+        <a:xfrm>
+          <a:off x="0" y="0"/>
+          <a:ext cx="0" cy="0"/>
+          <a:chOff x="0" y="0"/>
+          <a:chExt cx="0" cy="0"/>
+        </a:xfrm>
+      </p:grpSpPr>
+      <p:sp>
+        <p:nvSpPr>
+          <p:cNvPr id="214" name="Google Shape;214;p16"/>
+          <p:cNvSpPr txBox="1">
+            <a:spLocks noGrp="1"/>
+          </p:cNvSpPr>
+          <p:nvPr>
+            <p:ph type="sldNum" idx="12"/>
+          </p:nvPr>
+        </p:nvSpPr>
+        <p:spPr>
+          <a:xfrm>
+            <a:off x="6457950" y="6356355"/>
+            <a:ext cx="2057400" cy="365125"/>
+          </a:xfrm>
+          <a:prstGeom prst="rect">
+            <a:avLst/>
+          </a:prstGeom>
+          <a:noFill/>
+          <a:ln>
+            <a:noFill/>
+          </a:ln>
+        </p:spPr>
+        <p:txBody>
+          <a:bodyPr spcFirstLastPara="1" wrap="square" lIns="91425" tIns="45700" rIns="91425" bIns="45700" anchor="ctr" anchorCtr="0">
+            <a:noAutofit/>
+          </a:bodyPr>
+          <a:lstStyle/>
+          <a:p>
+            <a:pPr marL="0" lvl="0" indent="0" algn="r" rtl="0">
+              <a:spcBef>
+                <a:spcPts val="0"/>
+              </a:spcBef>
+              <a:spcAft>
+                <a:spcPts val="0"/>
+              </a:spcAft>
+              <a:buNone/>
+            </a:pPr>
+            <a:fld id="{00000000-1234-1234-1234-123412341234}" type="slidenum">
+              <a:rPr lang="en-US"/>
+              <a:t>14</a:t>
+            </a:fld>
+            <a:endParaRPr/>
+          </a:p>
+        </p:txBody>
+      </p:sp>
+      <p:sp>
+        <p:nvSpPr>
+          <p:cNvPr id="215" name="Google Shape;215;p16"/>
+          <p:cNvSpPr txBox="1"/>
+          <p:nvPr/>
+        </p:nvSpPr>
+        <p:spPr>
+          <a:xfrm>
+            <a:off x="628649" y="2237517"/>
+            <a:ext cx="8039489" cy="4118838"/>
+          </a:xfrm>
+          <a:prstGeom prst="rect">
+            <a:avLst/>
+          </a:prstGeom>
+          <a:noFill/>
+          <a:ln>
+            <a:noFill/>
+          </a:ln>
+        </p:spPr>
+        <p:txBody>
+          <a:bodyPr spcFirstLastPara="1" wrap="square" lIns="91425" tIns="45700" rIns="91425" bIns="45700" anchor="t" anchorCtr="0">
+            <a:normAutofit/>
+          </a:bodyPr>
+          <a:lstStyle/>
+          <a:p>
+            <a:pPr marL="628650" marR="0" lvl="0" indent="-514350" algn="l" rtl="0">
+              <a:lnSpc>
+                <a:spcPct val="90000"/>
+              </a:lnSpc>
+              <a:spcBef>
+                <a:spcPts val="1000"/>
+              </a:spcBef>
+              <a:spcAft>
+                <a:spcPts val="0"/>
+              </a:spcAft>
+              <a:buClr>
+                <a:schemeClr val="dk1"/>
+              </a:buClr>
+              <a:buSzPts val="1800"/>
+              <a:buFont typeface="Arial"/>
+              <a:buAutoNum type="arabicPeriod"/>
+            </a:pPr>
+            <a:r>
+              <a:rPr lang="en-US" sz="2000" i="1">
+                <a:solidFill>
+                  <a:schemeClr val="dk1"/>
+                </a:solidFill>
+                <a:latin typeface="Calibri"/>
+                <a:ea typeface="Calibri"/>
+                <a:cs typeface="Calibri"/>
+                <a:sym typeface="Calibri"/>
+              </a:rPr>
+              <a:t>Jason Brownlee</a:t>
+            </a:r>
+            <a:r>
+              <a:rPr lang="en-US" sz="2000">
+                <a:solidFill>
+                  <a:schemeClr val="dk1"/>
+                </a:solidFill>
+                <a:latin typeface="Calibri"/>
+                <a:ea typeface="Calibri"/>
+                <a:cs typeface="Calibri"/>
+                <a:sym typeface="Calibri"/>
+              </a:rPr>
+              <a:t>, “Machine Learning Mastery with Python: Understand Your Data, Create Accurate Models and Work Projects End-to-end”, Machine Learning Mastery, 2016</a:t>
+            </a:r>
+            <a:endParaRPr/>
+          </a:p>
+          <a:p>
+            <a:pPr marL="628650" marR="0" lvl="0" indent="-514350" algn="l" rtl="0">
+              <a:lnSpc>
+                <a:spcPct val="90000"/>
+              </a:lnSpc>
+              <a:spcBef>
+                <a:spcPts val="1000"/>
+              </a:spcBef>
+              <a:spcAft>
+                <a:spcPts val="0"/>
+              </a:spcAft>
+              <a:buClr>
+                <a:schemeClr val="dk1"/>
+              </a:buClr>
+              <a:buSzPts val="1800"/>
+              <a:buFont typeface="Arial"/>
+              <a:buAutoNum type="arabicPeriod"/>
+            </a:pPr>
+            <a:r>
+              <a:rPr lang="en-US" sz="2000" i="1">
+                <a:solidFill>
+                  <a:schemeClr val="dk1"/>
+                </a:solidFill>
+                <a:latin typeface="Calibri"/>
+                <a:ea typeface="Calibri"/>
+                <a:cs typeface="Calibri"/>
+                <a:sym typeface="Calibri"/>
+              </a:rPr>
+              <a:t>Laura Igual &amp; Santi Seguí</a:t>
+            </a:r>
+            <a:r>
+              <a:rPr lang="en-US" sz="2000">
+                <a:solidFill>
+                  <a:schemeClr val="dk1"/>
+                </a:solidFill>
+                <a:latin typeface="Calibri"/>
+                <a:ea typeface="Calibri"/>
+                <a:cs typeface="Calibri"/>
+                <a:sym typeface="Calibri"/>
+              </a:rPr>
+              <a:t>, “Introduction to Data Science: A Python Approach to Concepts, Techniques and Applications “, Springer, 2017</a:t>
+            </a:r>
+            <a:endParaRPr sz="2800">
+              <a:solidFill>
+                <a:schemeClr val="dk1"/>
+              </a:solidFill>
+              <a:latin typeface="Calibri"/>
+              <a:ea typeface="Calibri"/>
+              <a:cs typeface="Calibri"/>
+              <a:sym typeface="Calibri"/>
+            </a:endParaRPr>
+          </a:p>
+          <a:p>
+            <a:pPr marL="628650" marR="0" lvl="0" indent="-514350" algn="l" rtl="0">
+              <a:lnSpc>
+                <a:spcPct val="90000"/>
+              </a:lnSpc>
+              <a:spcBef>
+                <a:spcPts val="1000"/>
+              </a:spcBef>
+              <a:spcAft>
+                <a:spcPts val="0"/>
+              </a:spcAft>
+              <a:buClr>
+                <a:schemeClr val="dk1"/>
+              </a:buClr>
+              <a:buSzPts val="1800"/>
+              <a:buFont typeface="Arial"/>
+              <a:buAutoNum type="arabicPeriod"/>
+            </a:pPr>
+            <a:r>
+              <a:rPr lang="en-US" sz="2000" i="1">
+                <a:solidFill>
+                  <a:schemeClr val="dk1"/>
+                </a:solidFill>
+                <a:latin typeface="Calibri"/>
+                <a:ea typeface="Calibri"/>
+                <a:cs typeface="Calibri"/>
+                <a:sym typeface="Calibri"/>
+              </a:rPr>
+              <a:t>Morteza Nazari-Heris et al</a:t>
+            </a:r>
+            <a:r>
+              <a:rPr lang="en-US" sz="2000">
+                <a:solidFill>
+                  <a:schemeClr val="dk1"/>
+                </a:solidFill>
+                <a:latin typeface="Calibri"/>
+                <a:ea typeface="Calibri"/>
+                <a:cs typeface="Calibri"/>
+                <a:sym typeface="Calibri"/>
+              </a:rPr>
+              <a:t>, “Application of Machine Learning and Deep Learning Methods to Power System Problems”, Springer, 2021</a:t>
+            </a:r>
+            <a:endParaRPr/>
+          </a:p>
+        </p:txBody>
+      </p:sp>
+      <p:sp>
+        <p:nvSpPr>
+          <p:cNvPr id="216" name="Google Shape;216;p16"/>
+          <p:cNvSpPr txBox="1">
+            <a:spLocks noGrp="1"/>
+          </p:cNvSpPr>
+          <p:nvPr>
+            <p:ph type="title"/>
+          </p:nvPr>
+        </p:nvSpPr>
+        <p:spPr>
+          <a:xfrm>
+            <a:off x="628650" y="1131248"/>
+            <a:ext cx="7886700" cy="763455"/>
+          </a:xfrm>
+          <a:prstGeom prst="rect">
+            <a:avLst/>
+          </a:prstGeom>
+          <a:noFill/>
+          <a:ln>
+            <a:noFill/>
+          </a:ln>
+        </p:spPr>
+        <p:txBody>
+          <a:bodyPr spcFirstLastPara="1" wrap="square" lIns="91425" tIns="45700" rIns="91425" bIns="45700" anchor="ctr" anchorCtr="0">
+            <a:normAutofit/>
+          </a:bodyPr>
+          <a:lstStyle/>
+          <a:p>
+            <a:pPr marL="0" lvl="0" indent="0" algn="ctr" rtl="0">
+              <a:lnSpc>
+                <a:spcPct val="90000"/>
+              </a:lnSpc>
+              <a:spcBef>
+                <a:spcPts val="0"/>
+              </a:spcBef>
+              <a:spcAft>
+                <a:spcPts val="0"/>
+              </a:spcAft>
+              <a:buClr>
+                <a:schemeClr val="dk1"/>
+              </a:buClr>
+              <a:buSzPts val="4000"/>
+              <a:buFont typeface="Calibri"/>
+              <a:buNone/>
+            </a:pPr>
+            <a:r>
+              <a:rPr lang="es-ES" b="1" noProof="0" dirty="0"/>
+              <a:t>Referencias</a:t>
+            </a:r>
+          </a:p>
+        </p:txBody>
+      </p:sp>
+    </p:spTree>
+  </p:cSld>
+  <p:clrMapOvr>
+    <a:masterClrMapping/>
+  </p:clrMapOvr>
+</p:sld>
+</file>
+
+<file path=ppt/slides/slide2.xml><?xml version="1.0" encoding="utf-8"?>
+<p:sld xmlns:a="http://schemas.openxmlformats.org/drawingml/2006/main" xmlns:r="http://schemas.openxmlformats.org/officeDocument/2006/relationships" xmlns:p="http://schemas.openxmlformats.org/presentationml/2006/main">
+  <p:cSld>
+    <p:spTree>
+      <p:nvGrpSpPr>
+        <p:cNvPr id="1" name="Shape 80"/>
+        <p:cNvGrpSpPr/>
+        <p:nvPr/>
+      </p:nvGrpSpPr>
+      <p:grpSpPr>
+        <a:xfrm>
+          <a:off x="0" y="0"/>
+          <a:ext cx="0" cy="0"/>
+          <a:chOff x="0" y="0"/>
+          <a:chExt cx="0" cy="0"/>
+        </a:xfrm>
+      </p:grpSpPr>
+      <p:sp>
+        <p:nvSpPr>
+          <p:cNvPr id="81" name="Google Shape;81;p2"/>
+          <p:cNvSpPr txBox="1">
+            <a:spLocks noGrp="1"/>
+          </p:cNvSpPr>
+          <p:nvPr>
+            <p:ph type="sldNum" idx="12"/>
+          </p:nvPr>
+        </p:nvSpPr>
+        <p:spPr>
+          <a:xfrm>
+            <a:off x="6457950" y="6356355"/>
+            <a:ext cx="2057400" cy="365125"/>
+          </a:xfrm>
+          <a:prstGeom prst="rect">
+            <a:avLst/>
+          </a:prstGeom>
+          <a:noFill/>
+          <a:ln>
+            <a:noFill/>
+          </a:ln>
+        </p:spPr>
+        <p:txBody>
+          <a:bodyPr spcFirstLastPara="1" wrap="square" lIns="91425" tIns="45700" rIns="91425" bIns="45700" anchor="ctr" anchorCtr="0">
+            <a:noAutofit/>
+          </a:bodyPr>
+          <a:lstStyle/>
+          <a:p>
+            <a:pPr marL="0" lvl="0" indent="0" algn="r" rtl="0">
+              <a:spcBef>
+                <a:spcPts val="0"/>
+              </a:spcBef>
+              <a:spcAft>
+                <a:spcPts val="0"/>
+              </a:spcAft>
+              <a:buNone/>
+            </a:pPr>
+            <a:fld id="{00000000-1234-1234-1234-123412341234}" type="slidenum">
+              <a:rPr lang="en-US"/>
+              <a:t>2</a:t>
+            </a:fld>
+            <a:endParaRPr/>
+          </a:p>
+        </p:txBody>
+      </p:sp>
+      <p:sp>
+        <p:nvSpPr>
+          <p:cNvPr id="82" name="Google Shape;82;p2"/>
+          <p:cNvSpPr txBox="1">
+            <a:spLocks noGrp="1"/>
+          </p:cNvSpPr>
+          <p:nvPr>
+            <p:ph type="title"/>
+          </p:nvPr>
+        </p:nvSpPr>
+        <p:spPr>
+          <a:xfrm>
+            <a:off x="628650" y="1131248"/>
+            <a:ext cx="7886700" cy="763455"/>
+          </a:xfrm>
+          <a:prstGeom prst="rect">
+            <a:avLst/>
+          </a:prstGeom>
+          <a:noFill/>
+          <a:ln>
+            <a:noFill/>
+          </a:ln>
+        </p:spPr>
+        <p:txBody>
+          <a:bodyPr spcFirstLastPara="1" wrap="square" lIns="91425" tIns="45700" rIns="91425" bIns="45700" anchor="ctr" anchorCtr="0">
+            <a:normAutofit/>
+          </a:bodyPr>
+          <a:lstStyle/>
+          <a:p>
+            <a:pPr marL="0" lvl="0" indent="0" algn="ctr" rtl="0">
+              <a:lnSpc>
+                <a:spcPct val="90000"/>
+              </a:lnSpc>
+              <a:spcBef>
+                <a:spcPts val="0"/>
+              </a:spcBef>
+              <a:spcAft>
+                <a:spcPts val="0"/>
+              </a:spcAft>
+              <a:buClr>
+                <a:schemeClr val="dk1"/>
+              </a:buClr>
+              <a:buSzPts val="4000"/>
+              <a:buFont typeface="Calibri"/>
+              <a:buNone/>
+            </a:pPr>
+            <a:r>
+              <a:rPr lang="es-ES" b="1" noProof="0" dirty="0"/>
+              <a:t>Introducción al curso</a:t>
+            </a:r>
+          </a:p>
+        </p:txBody>
+      </p:sp>
+      <p:sp>
+        <p:nvSpPr>
+          <p:cNvPr id="83" name="Google Shape;83;p2"/>
+          <p:cNvSpPr txBox="1"/>
+          <p:nvPr/>
+        </p:nvSpPr>
+        <p:spPr>
+          <a:xfrm>
+            <a:off x="628650" y="2254245"/>
+            <a:ext cx="7886700" cy="2784894"/>
+          </a:xfrm>
+          <a:prstGeom prst="rect">
+            <a:avLst/>
+          </a:prstGeom>
+          <a:noFill/>
+          <a:ln>
+            <a:noFill/>
+          </a:ln>
+        </p:spPr>
+        <p:txBody>
+          <a:bodyPr spcFirstLastPara="1" wrap="square" lIns="91425" tIns="45700" rIns="91425" bIns="45700" anchor="t" anchorCtr="0">
+            <a:normAutofit/>
+          </a:bodyPr>
+          <a:lstStyle/>
+          <a:p>
+            <a:pPr marL="457200" marR="0" lvl="0" indent="-342900" algn="l" rtl="0">
+              <a:lnSpc>
+                <a:spcPct val="90000"/>
+              </a:lnSpc>
+              <a:spcBef>
+                <a:spcPts val="1000"/>
+              </a:spcBef>
+              <a:spcAft>
+                <a:spcPts val="0"/>
+              </a:spcAft>
+              <a:buClr>
+                <a:schemeClr val="dk1"/>
+              </a:buClr>
+              <a:buSzPts val="1800"/>
+              <a:buFont typeface="Arial"/>
+              <a:buChar char="•"/>
+            </a:pPr>
+            <a:r>
+              <a:rPr lang="en-US" sz="2800" b="0" i="0" u="none" strike="noStrike" cap="none" dirty="0" err="1">
+                <a:solidFill>
+                  <a:schemeClr val="dk1"/>
+                </a:solidFill>
+                <a:latin typeface="Calibri"/>
+                <a:ea typeface="Calibri"/>
+                <a:cs typeface="Calibri"/>
+                <a:sym typeface="Calibri"/>
+              </a:rPr>
+              <a:t>Introducción</a:t>
+            </a:r>
+            <a:r>
+              <a:rPr lang="en-US" sz="2800" b="0" i="0" u="none" strike="noStrike" cap="none" dirty="0">
+                <a:solidFill>
+                  <a:schemeClr val="dk1"/>
+                </a:solidFill>
+                <a:latin typeface="Calibri"/>
+                <a:ea typeface="Calibri"/>
+                <a:cs typeface="Calibri"/>
+                <a:sym typeface="Calibri"/>
+              </a:rPr>
+              <a:t> del </a:t>
+            </a:r>
+            <a:r>
+              <a:rPr lang="en-US" sz="2800" b="0" i="0" u="none" strike="noStrike" cap="none" dirty="0" err="1">
+                <a:solidFill>
+                  <a:schemeClr val="dk1"/>
+                </a:solidFill>
+                <a:latin typeface="Calibri"/>
+                <a:ea typeface="Calibri"/>
+                <a:cs typeface="Calibri"/>
+                <a:sym typeface="Calibri"/>
+              </a:rPr>
+              <a:t>profesorado</a:t>
+            </a:r>
+            <a:endParaRPr lang="en-US" sz="2800" dirty="0">
+              <a:solidFill>
+                <a:schemeClr val="dk1"/>
+              </a:solidFill>
+              <a:latin typeface="Calibri"/>
+              <a:ea typeface="Calibri"/>
+              <a:cs typeface="Calibri"/>
+              <a:sym typeface="Calibri"/>
+            </a:endParaRPr>
+          </a:p>
+          <a:p>
+            <a:pPr marL="457200" marR="0" lvl="0" indent="-342900" algn="l" rtl="0">
+              <a:lnSpc>
+                <a:spcPct val="90000"/>
+              </a:lnSpc>
+              <a:spcBef>
+                <a:spcPts val="1000"/>
+              </a:spcBef>
+              <a:spcAft>
+                <a:spcPts val="0"/>
+              </a:spcAft>
+              <a:buClr>
+                <a:schemeClr val="dk1"/>
+              </a:buClr>
+              <a:buSzPts val="1800"/>
+              <a:buFont typeface="Arial"/>
+              <a:buChar char="•"/>
+            </a:pPr>
+            <a:r>
+              <a:rPr lang="en-US" sz="2800" b="0" i="0" u="none" strike="noStrike" cap="none" dirty="0" err="1">
+                <a:solidFill>
+                  <a:schemeClr val="dk1"/>
+                </a:solidFill>
+                <a:latin typeface="Calibri"/>
+                <a:ea typeface="Calibri"/>
+                <a:cs typeface="Calibri"/>
+                <a:sym typeface="Calibri"/>
+              </a:rPr>
+              <a:t>Objetivos</a:t>
+            </a:r>
+            <a:endParaRPr sz="2800" b="0" i="0" u="none" strike="noStrike" cap="none" dirty="0">
+              <a:solidFill>
+                <a:schemeClr val="dk1"/>
+              </a:solidFill>
+              <a:latin typeface="Calibri"/>
+              <a:ea typeface="Calibri"/>
+              <a:cs typeface="Calibri"/>
+              <a:sym typeface="Calibri"/>
+            </a:endParaRPr>
+          </a:p>
+          <a:p>
+            <a:pPr marL="457200" marR="0" lvl="0" indent="-342900" algn="l" rtl="0">
+              <a:lnSpc>
+                <a:spcPct val="90000"/>
+              </a:lnSpc>
+              <a:spcBef>
+                <a:spcPts val="1000"/>
+              </a:spcBef>
+              <a:spcAft>
+                <a:spcPts val="0"/>
+              </a:spcAft>
+              <a:buClr>
+                <a:schemeClr val="dk1"/>
+              </a:buClr>
+              <a:buSzPts val="1800"/>
+              <a:buFont typeface="Arial"/>
+              <a:buChar char="•"/>
+            </a:pPr>
+            <a:r>
+              <a:rPr lang="en-US" sz="2800" b="0" i="0" u="none" strike="noStrike" cap="none" dirty="0" err="1">
+                <a:solidFill>
+                  <a:schemeClr val="dk1"/>
+                </a:solidFill>
+                <a:latin typeface="Calibri"/>
+                <a:ea typeface="Calibri"/>
+                <a:cs typeface="Calibri"/>
+                <a:sym typeface="Calibri"/>
+              </a:rPr>
+              <a:t>Calendario</a:t>
+            </a:r>
+            <a:r>
+              <a:rPr lang="en-US" sz="2800" b="0" i="0" u="none" strike="noStrike" cap="none" dirty="0">
+                <a:solidFill>
+                  <a:schemeClr val="dk1"/>
+                </a:solidFill>
+                <a:latin typeface="Calibri"/>
+                <a:ea typeface="Calibri"/>
+                <a:cs typeface="Calibri"/>
+                <a:sym typeface="Calibri"/>
+              </a:rPr>
+              <a:t> y </a:t>
+            </a:r>
+            <a:r>
+              <a:rPr lang="en-US" sz="2800" b="0" i="0" u="none" strike="noStrike" cap="none" dirty="0" err="1">
+                <a:solidFill>
+                  <a:schemeClr val="dk1"/>
+                </a:solidFill>
+                <a:latin typeface="Calibri"/>
+                <a:ea typeface="Calibri"/>
+                <a:cs typeface="Calibri"/>
+                <a:sym typeface="Calibri"/>
+              </a:rPr>
+              <a:t>estructura</a:t>
+            </a:r>
+            <a:endParaRPr sz="2800" b="0" i="0" u="none" strike="noStrike" cap="none" dirty="0">
+              <a:solidFill>
+                <a:schemeClr val="dk1"/>
+              </a:solidFill>
+              <a:latin typeface="Calibri"/>
+              <a:ea typeface="Calibri"/>
+              <a:cs typeface="Calibri"/>
+              <a:sym typeface="Calibri"/>
+            </a:endParaRPr>
+          </a:p>
+          <a:p>
+            <a:pPr marL="457200" marR="0" lvl="0" indent="-342900" algn="l" rtl="0">
+              <a:lnSpc>
+                <a:spcPct val="90000"/>
+              </a:lnSpc>
+              <a:spcBef>
+                <a:spcPts val="1000"/>
+              </a:spcBef>
+              <a:spcAft>
+                <a:spcPts val="0"/>
+              </a:spcAft>
+              <a:buClr>
+                <a:schemeClr val="dk1"/>
+              </a:buClr>
+              <a:buSzPts val="1800"/>
+              <a:buFont typeface="Arial"/>
+              <a:buChar char="•"/>
+            </a:pPr>
+            <a:r>
+              <a:rPr lang="en-US" sz="2800" b="0" i="0" u="none" strike="noStrike" cap="none" dirty="0" err="1">
+                <a:solidFill>
+                  <a:schemeClr val="dk1"/>
+                </a:solidFill>
+                <a:latin typeface="Calibri"/>
+                <a:ea typeface="Calibri"/>
+                <a:cs typeface="Calibri"/>
+                <a:sym typeface="Calibri"/>
+              </a:rPr>
+              <a:t>Evaluación</a:t>
+            </a:r>
+            <a:endParaRPr sz="2800" b="0" i="0" u="none" strike="noStrike" cap="none" dirty="0">
+              <a:solidFill>
+                <a:schemeClr val="dk1"/>
+              </a:solidFill>
+              <a:latin typeface="Calibri"/>
+              <a:ea typeface="Calibri"/>
+              <a:cs typeface="Calibri"/>
+              <a:sym typeface="Calibri"/>
+            </a:endParaRPr>
+          </a:p>
+          <a:p>
+            <a:pPr marL="457200" marR="0" lvl="0" indent="-342900" algn="l" rtl="0">
+              <a:lnSpc>
+                <a:spcPct val="90000"/>
+              </a:lnSpc>
+              <a:spcBef>
+                <a:spcPts val="1000"/>
+              </a:spcBef>
+              <a:spcAft>
+                <a:spcPts val="0"/>
+              </a:spcAft>
+              <a:buClr>
+                <a:schemeClr val="dk1"/>
+              </a:buClr>
+              <a:buSzPts val="1800"/>
+              <a:buFont typeface="Arial"/>
+              <a:buChar char="•"/>
+            </a:pPr>
+            <a:r>
+              <a:rPr lang="en-US" sz="2800" b="0" i="0" u="none" strike="noStrike" cap="none" dirty="0" err="1">
+                <a:solidFill>
+                  <a:schemeClr val="dk1"/>
+                </a:solidFill>
+                <a:latin typeface="Calibri"/>
+                <a:ea typeface="Calibri"/>
+                <a:cs typeface="Calibri"/>
+                <a:sym typeface="Calibri"/>
+              </a:rPr>
+              <a:t>Referencias</a:t>
+            </a:r>
+            <a:endParaRPr sz="2800" b="0" i="0" u="none" strike="noStrike" cap="none" dirty="0">
+              <a:solidFill>
+                <a:schemeClr val="dk1"/>
+              </a:solidFill>
+              <a:latin typeface="Calibri"/>
+              <a:ea typeface="Calibri"/>
+              <a:cs typeface="Calibri"/>
+              <a:sym typeface="Calibri"/>
+            </a:endParaRPr>
+          </a:p>
+          <a:p>
+            <a:pPr marL="457200" marR="0" lvl="0" indent="-228600" algn="l" rtl="0">
+              <a:lnSpc>
+                <a:spcPct val="90000"/>
+              </a:lnSpc>
+              <a:spcBef>
+                <a:spcPts val="1000"/>
+              </a:spcBef>
+              <a:spcAft>
+                <a:spcPts val="0"/>
+              </a:spcAft>
+              <a:buClr>
+                <a:schemeClr val="dk1"/>
+              </a:buClr>
+              <a:buSzPts val="1800"/>
+              <a:buFont typeface="Arial"/>
+              <a:buNone/>
+            </a:pPr>
+            <a:endParaRPr sz="2800" b="0" i="0" u="none" strike="noStrike" cap="none" dirty="0">
+              <a:solidFill>
+                <a:schemeClr val="dk1"/>
+              </a:solidFill>
+              <a:latin typeface="Calibri"/>
+              <a:ea typeface="Calibri"/>
+              <a:cs typeface="Calibri"/>
+              <a:sym typeface="Calibri"/>
+            </a:endParaRPr>
+          </a:p>
+        </p:txBody>
+      </p:sp>
+    </p:spTree>
+  </p:cSld>
+  <p:clrMapOvr>
+    <a:masterClrMapping/>
+  </p:clrMapOvr>
+</p:sld>
+</file>
+
+<file path=ppt/slides/slide3.xml><?xml version="1.0" encoding="utf-8"?>
+<p:sld xmlns:a="http://schemas.openxmlformats.org/drawingml/2006/main" xmlns:r="http://schemas.openxmlformats.org/officeDocument/2006/relationships" xmlns:p="http://schemas.openxmlformats.org/presentationml/2006/main">
+  <p:cSld>
+    <p:spTree>
+      <p:nvGrpSpPr>
+        <p:cNvPr id="1" name="Shape 87"/>
+        <p:cNvGrpSpPr/>
+        <p:nvPr/>
+      </p:nvGrpSpPr>
+      <p:grpSpPr>
+        <a:xfrm>
+          <a:off x="0" y="0"/>
+          <a:ext cx="0" cy="0"/>
+          <a:chOff x="0" y="0"/>
+          <a:chExt cx="0" cy="0"/>
+        </a:xfrm>
+      </p:grpSpPr>
+      <p:sp>
+        <p:nvSpPr>
+          <p:cNvPr id="88" name="Google Shape;88;p3"/>
+          <p:cNvSpPr txBox="1">
+            <a:spLocks noGrp="1"/>
+          </p:cNvSpPr>
+          <p:nvPr>
+            <p:ph type="sldNum" idx="12"/>
+          </p:nvPr>
+        </p:nvSpPr>
+        <p:spPr>
+          <a:xfrm>
+            <a:off x="6457950" y="6356355"/>
+            <a:ext cx="2057400" cy="365125"/>
+          </a:xfrm>
+          <a:prstGeom prst="rect">
+            <a:avLst/>
+          </a:prstGeom>
+          <a:noFill/>
+          <a:ln>
+            <a:noFill/>
+          </a:ln>
+        </p:spPr>
+        <p:txBody>
+          <a:bodyPr spcFirstLastPara="1" wrap="square" lIns="91425" tIns="45700" rIns="91425" bIns="45700" anchor="ctr" anchorCtr="0">
+            <a:noAutofit/>
+          </a:bodyPr>
+          <a:lstStyle/>
+          <a:p>
+            <a:pPr marL="0" lvl="0" indent="0" algn="r" rtl="0">
+              <a:spcBef>
+                <a:spcPts val="0"/>
+              </a:spcBef>
+              <a:spcAft>
+                <a:spcPts val="0"/>
+              </a:spcAft>
+              <a:buNone/>
+            </a:pPr>
+            <a:fld id="{00000000-1234-1234-1234-123412341234}" type="slidenum">
+              <a:rPr lang="en-US"/>
+              <a:t>3</a:t>
+            </a:fld>
+            <a:endParaRPr/>
+          </a:p>
+        </p:txBody>
+      </p:sp>
+      <p:sp>
+        <p:nvSpPr>
+          <p:cNvPr id="89" name="Google Shape;89;p3"/>
+          <p:cNvSpPr txBox="1">
+            <a:spLocks noGrp="1"/>
+          </p:cNvSpPr>
+          <p:nvPr>
+            <p:ph type="title"/>
+          </p:nvPr>
+        </p:nvSpPr>
+        <p:spPr>
+          <a:xfrm>
+            <a:off x="628650" y="1131248"/>
+            <a:ext cx="7886700" cy="763455"/>
+          </a:xfrm>
+          <a:prstGeom prst="rect">
+            <a:avLst/>
+          </a:prstGeom>
+          <a:noFill/>
+          <a:ln>
+            <a:noFill/>
+          </a:ln>
+        </p:spPr>
+        <p:txBody>
+          <a:bodyPr spcFirstLastPara="1" wrap="square" lIns="91425" tIns="45700" rIns="91425" bIns="45700" anchor="ctr" anchorCtr="0">
+            <a:normAutofit/>
+          </a:bodyPr>
+          <a:lstStyle/>
+          <a:p>
+            <a:pPr marL="0" lvl="0" indent="0" algn="ctr" rtl="0">
+              <a:lnSpc>
+                <a:spcPct val="90000"/>
+              </a:lnSpc>
+              <a:spcBef>
+                <a:spcPts val="0"/>
+              </a:spcBef>
+              <a:spcAft>
+                <a:spcPts val="0"/>
+              </a:spcAft>
+              <a:buClr>
+                <a:schemeClr val="dk1"/>
+              </a:buClr>
+              <a:buSzPts val="4000"/>
+              <a:buFont typeface="Calibri"/>
+              <a:buNone/>
+            </a:pPr>
+            <a:r>
+              <a:rPr lang="es-ES" b="1" noProof="0" dirty="0"/>
+              <a:t>Introducción al curso</a:t>
+            </a:r>
+          </a:p>
+        </p:txBody>
+      </p:sp>
+      <p:sp>
+        <p:nvSpPr>
+          <p:cNvPr id="90" name="Google Shape;90;p3"/>
+          <p:cNvSpPr txBox="1"/>
+          <p:nvPr/>
+        </p:nvSpPr>
+        <p:spPr>
+          <a:xfrm>
+            <a:off x="628650" y="2254245"/>
+            <a:ext cx="7886700" cy="2784894"/>
+          </a:xfrm>
+          <a:prstGeom prst="rect">
+            <a:avLst/>
+          </a:prstGeom>
+          <a:noFill/>
+          <a:ln>
+            <a:noFill/>
+          </a:ln>
+        </p:spPr>
+        <p:txBody>
+          <a:bodyPr spcFirstLastPara="1" wrap="square" lIns="91425" tIns="45700" rIns="91425" bIns="45700" anchor="t" anchorCtr="0">
+            <a:normAutofit/>
+          </a:bodyPr>
+          <a:lstStyle/>
+          <a:p>
+            <a:pPr marL="457200" marR="0" lvl="0" indent="-342900" algn="l" rtl="0">
+              <a:lnSpc>
+                <a:spcPct val="90000"/>
+              </a:lnSpc>
+              <a:spcBef>
+                <a:spcPts val="1000"/>
+              </a:spcBef>
+              <a:spcAft>
+                <a:spcPts val="0"/>
+              </a:spcAft>
+              <a:buClr>
+                <a:schemeClr val="dk1"/>
+              </a:buClr>
+              <a:buSzPts val="1800"/>
+              <a:buFont typeface="Arial"/>
+              <a:buChar char="•"/>
+            </a:pPr>
+            <a:r>
+              <a:rPr lang="es-ES" sz="2800" b="1" dirty="0">
+                <a:solidFill>
+                  <a:srgbClr val="006DA5"/>
+                </a:solidFill>
+                <a:latin typeface="Calibri"/>
+                <a:ea typeface="Calibri"/>
+                <a:cs typeface="Calibri"/>
+                <a:sym typeface="Calibri"/>
+              </a:rPr>
+              <a:t>Introducción del profesorado</a:t>
+            </a:r>
+          </a:p>
+          <a:p>
+            <a:pPr marL="457200" marR="0" lvl="0" indent="-342900" algn="l" rtl="0">
+              <a:lnSpc>
+                <a:spcPct val="90000"/>
+              </a:lnSpc>
+              <a:spcBef>
+                <a:spcPts val="1000"/>
+              </a:spcBef>
+              <a:spcAft>
+                <a:spcPts val="0"/>
+              </a:spcAft>
+              <a:buClr>
+                <a:schemeClr val="dk1"/>
+              </a:buClr>
+              <a:buSzPts val="1800"/>
+              <a:buFont typeface="Arial"/>
+              <a:buChar char="•"/>
+            </a:pPr>
+            <a:r>
+              <a:rPr lang="es-ES" sz="2800" dirty="0">
+                <a:solidFill>
+                  <a:srgbClr val="A5A5A5"/>
+                </a:solidFill>
+                <a:latin typeface="Calibri"/>
+                <a:ea typeface="Calibri"/>
+                <a:cs typeface="Calibri"/>
+                <a:sym typeface="Calibri"/>
+              </a:rPr>
+              <a:t>Objetivos</a:t>
+            </a:r>
+          </a:p>
+          <a:p>
+            <a:pPr marL="457200" marR="0" lvl="0" indent="-342900" algn="l" rtl="0">
+              <a:lnSpc>
+                <a:spcPct val="90000"/>
+              </a:lnSpc>
+              <a:spcBef>
+                <a:spcPts val="1000"/>
+              </a:spcBef>
+              <a:spcAft>
+                <a:spcPts val="0"/>
+              </a:spcAft>
+              <a:buClr>
+                <a:schemeClr val="dk1"/>
+              </a:buClr>
+              <a:buSzPts val="1800"/>
+              <a:buFont typeface="Arial"/>
+              <a:buChar char="•"/>
+            </a:pPr>
+            <a:r>
+              <a:rPr lang="es-ES" sz="2800" dirty="0">
+                <a:solidFill>
+                  <a:srgbClr val="A5A5A5"/>
+                </a:solidFill>
+                <a:latin typeface="Calibri"/>
+                <a:ea typeface="Calibri"/>
+                <a:cs typeface="Calibri"/>
+                <a:sym typeface="Calibri"/>
+              </a:rPr>
+              <a:t>Calendario y estructura</a:t>
+            </a:r>
+          </a:p>
+          <a:p>
+            <a:pPr marL="457200" marR="0" lvl="0" indent="-342900" algn="l" rtl="0">
+              <a:lnSpc>
+                <a:spcPct val="90000"/>
+              </a:lnSpc>
+              <a:spcBef>
+                <a:spcPts val="1000"/>
+              </a:spcBef>
+              <a:spcAft>
+                <a:spcPts val="0"/>
+              </a:spcAft>
+              <a:buClr>
+                <a:schemeClr val="dk1"/>
+              </a:buClr>
+              <a:buSzPts val="1800"/>
+              <a:buFont typeface="Arial"/>
+              <a:buChar char="•"/>
+            </a:pPr>
+            <a:r>
+              <a:rPr lang="es-ES" sz="2800" dirty="0">
+                <a:solidFill>
+                  <a:srgbClr val="A5A5A5"/>
+                </a:solidFill>
+                <a:latin typeface="Calibri"/>
+                <a:ea typeface="Calibri"/>
+                <a:cs typeface="Calibri"/>
+                <a:sym typeface="Calibri"/>
+              </a:rPr>
+              <a:t>Evaluación</a:t>
+            </a:r>
+          </a:p>
+          <a:p>
+            <a:pPr marL="457200" marR="0" lvl="0" indent="-342900" algn="l" rtl="0">
+              <a:lnSpc>
+                <a:spcPct val="90000"/>
+              </a:lnSpc>
+              <a:spcBef>
+                <a:spcPts val="1000"/>
+              </a:spcBef>
+              <a:spcAft>
+                <a:spcPts val="0"/>
+              </a:spcAft>
+              <a:buClr>
+                <a:schemeClr val="dk1"/>
+              </a:buClr>
+              <a:buSzPts val="1800"/>
+              <a:buFont typeface="Arial"/>
+              <a:buChar char="•"/>
+            </a:pPr>
+            <a:r>
+              <a:rPr lang="es-ES" sz="2800" dirty="0">
+                <a:solidFill>
+                  <a:srgbClr val="A5A5A5"/>
+                </a:solidFill>
+                <a:latin typeface="Calibri"/>
+                <a:ea typeface="Calibri"/>
+                <a:cs typeface="Calibri"/>
+                <a:sym typeface="Calibri"/>
+              </a:rPr>
+              <a:t>Referencias</a:t>
+            </a:r>
+            <a:endParaRPr lang="en-US" sz="2800" dirty="0">
+              <a:solidFill>
+                <a:srgbClr val="A5A5A5"/>
+              </a:solidFill>
+              <a:latin typeface="Calibri"/>
+              <a:ea typeface="Calibri"/>
+              <a:cs typeface="Calibri"/>
+              <a:sym typeface="Calibri"/>
+            </a:endParaRPr>
+          </a:p>
+          <a:p>
+            <a:pPr marL="457200" marR="0" lvl="0" indent="-228600" algn="l" rtl="0">
+              <a:lnSpc>
+                <a:spcPct val="90000"/>
+              </a:lnSpc>
+              <a:spcBef>
+                <a:spcPts val="1000"/>
+              </a:spcBef>
+              <a:spcAft>
+                <a:spcPts val="0"/>
+              </a:spcAft>
+              <a:buClr>
+                <a:schemeClr val="dk1"/>
+              </a:buClr>
+              <a:buSzPts val="1800"/>
+              <a:buFont typeface="Arial"/>
+              <a:buNone/>
+            </a:pPr>
+            <a:endParaRPr lang="es-ES" sz="3200" b="0" i="0" u="none" strike="noStrike" cap="none" dirty="0">
+              <a:solidFill>
+                <a:schemeClr val="dk1"/>
+              </a:solidFill>
+              <a:latin typeface="Calibri"/>
+              <a:ea typeface="Calibri"/>
+              <a:cs typeface="Calibri"/>
+              <a:sym typeface="Calibri"/>
+            </a:endParaRPr>
+          </a:p>
+        </p:txBody>
+      </p:sp>
+    </p:spTree>
+  </p:cSld>
+  <p:clrMapOvr>
+    <a:masterClrMapping/>
+  </p:clrMapOvr>
+</p:sld>
+</file>
+
+<file path=ppt/slides/slide4.xml><?xml version="1.0" encoding="utf-8"?>
+<p:sld xmlns:a="http://schemas.openxmlformats.org/drawingml/2006/main" xmlns:r="http://schemas.openxmlformats.org/officeDocument/2006/relationships" xmlns:p="http://schemas.openxmlformats.org/presentationml/2006/main">
+  <p:cSld>
+    <p:spTree>
+      <p:nvGrpSpPr>
+        <p:cNvPr id="1" name="Shape 94"/>
+        <p:cNvGrpSpPr/>
+        <p:nvPr/>
+      </p:nvGrpSpPr>
+      <p:grpSpPr>
+        <a:xfrm>
+          <a:off x="0" y="0"/>
+          <a:ext cx="0" cy="0"/>
+          <a:chOff x="0" y="0"/>
+          <a:chExt cx="0" cy="0"/>
+        </a:xfrm>
+      </p:grpSpPr>
+      <p:sp>
+        <p:nvSpPr>
+          <p:cNvPr id="95" name="Google Shape;95;p4"/>
+          <p:cNvSpPr txBox="1">
+            <a:spLocks noGrp="1"/>
+          </p:cNvSpPr>
+          <p:nvPr>
+            <p:ph type="sldNum" idx="12"/>
+          </p:nvPr>
+        </p:nvSpPr>
+        <p:spPr>
+          <a:xfrm>
+            <a:off x="6457950" y="6356355"/>
+            <a:ext cx="2057400" cy="365125"/>
+          </a:xfrm>
+          <a:prstGeom prst="rect">
+            <a:avLst/>
+          </a:prstGeom>
+          <a:noFill/>
+          <a:ln>
+            <a:noFill/>
+          </a:ln>
+        </p:spPr>
+        <p:txBody>
+          <a:bodyPr spcFirstLastPara="1" wrap="square" lIns="91425" tIns="45700" rIns="91425" bIns="45700" anchor="ctr" anchorCtr="0">
+            <a:noAutofit/>
+          </a:bodyPr>
+          <a:lstStyle/>
+          <a:p>
+            <a:pPr marL="0" lvl="0" indent="0" algn="r" rtl="0">
+              <a:spcBef>
+                <a:spcPts val="0"/>
+              </a:spcBef>
+              <a:spcAft>
+                <a:spcPts val="0"/>
+              </a:spcAft>
+              <a:buNone/>
+            </a:pPr>
+            <a:fld id="{00000000-1234-1234-1234-123412341234}" type="slidenum">
+              <a:rPr lang="en-US"/>
+              <a:t>4</a:t>
+            </a:fld>
+            <a:endParaRPr/>
+          </a:p>
+        </p:txBody>
+      </p:sp>
+      <p:sp>
+        <p:nvSpPr>
+          <p:cNvPr id="99" name="Google Shape;99;p4"/>
+          <p:cNvSpPr txBox="1">
+            <a:spLocks noGrp="1"/>
+          </p:cNvSpPr>
+          <p:nvPr>
+            <p:ph type="title"/>
+          </p:nvPr>
+        </p:nvSpPr>
+        <p:spPr>
+          <a:xfrm>
+            <a:off x="628650" y="1131248"/>
+            <a:ext cx="7886700" cy="763455"/>
+          </a:xfrm>
+          <a:prstGeom prst="rect">
+            <a:avLst/>
+          </a:prstGeom>
+          <a:noFill/>
+          <a:ln>
+            <a:noFill/>
+          </a:ln>
+        </p:spPr>
+        <p:txBody>
+          <a:bodyPr spcFirstLastPara="1" wrap="square" lIns="91425" tIns="45700" rIns="91425" bIns="45700" anchor="ctr" anchorCtr="0">
+            <a:normAutofit/>
+          </a:bodyPr>
+          <a:lstStyle/>
+          <a:p>
+            <a:pPr marL="0" lvl="0" indent="0" algn="ctr" rtl="0">
+              <a:lnSpc>
+                <a:spcPct val="90000"/>
+              </a:lnSpc>
+              <a:spcBef>
+                <a:spcPts val="0"/>
+              </a:spcBef>
+              <a:spcAft>
+                <a:spcPts val="0"/>
+              </a:spcAft>
+              <a:buClr>
+                <a:schemeClr val="dk1"/>
+              </a:buClr>
+              <a:buSzPts val="4000"/>
+              <a:buFont typeface="Calibri"/>
+              <a:buNone/>
+            </a:pPr>
+            <a:r>
+              <a:rPr lang="es-ES" b="1" noProof="0" dirty="0"/>
+              <a:t>Profesorado</a:t>
+            </a:r>
+          </a:p>
+        </p:txBody>
+      </p:sp>
+      <p:grpSp>
+        <p:nvGrpSpPr>
+          <p:cNvPr id="4" name="Group 3">
+            <a:extLst>
+              <a:ext uri="{FF2B5EF4-FFF2-40B4-BE49-F238E27FC236}">
+                <a16:creationId xmlns:a16="http://schemas.microsoft.com/office/drawing/2014/main" id="{21F8EEC0-451E-4E49-8242-6B1AEAC1B35E}"/>
+              </a:ext>
+            </a:extLst>
+          </p:cNvPr>
+          <p:cNvGrpSpPr/>
+          <p:nvPr/>
+        </p:nvGrpSpPr>
+        <p:grpSpPr>
+          <a:xfrm>
+            <a:off x="309562" y="2764219"/>
+            <a:ext cx="2352676" cy="2999957"/>
+            <a:chOff x="713287" y="2764219"/>
+            <a:chExt cx="2352676" cy="2999957"/>
+          </a:xfrm>
+        </p:grpSpPr>
+        <p:sp>
+          <p:nvSpPr>
+            <p:cNvPr id="96" name="Google Shape;96;p4"/>
+            <p:cNvSpPr txBox="1"/>
+            <p:nvPr/>
+          </p:nvSpPr>
+          <p:spPr>
+            <a:xfrm>
+              <a:off x="713287" y="4526119"/>
+              <a:ext cx="2352676" cy="1238057"/>
+            </a:xfrm>
+            <a:prstGeom prst="rect">
+              <a:avLst/>
+            </a:prstGeom>
+            <a:noFill/>
+            <a:ln>
+              <a:noFill/>
+            </a:ln>
+          </p:spPr>
+          <p:txBody>
+            <a:bodyPr spcFirstLastPara="1" wrap="square" lIns="91425" tIns="45700" rIns="91425" bIns="45700" anchor="t" anchorCtr="0">
+              <a:noAutofit/>
+            </a:bodyPr>
+            <a:lstStyle/>
+            <a:p>
+              <a:pPr marR="0" lvl="1" algn="ctr" rtl="0">
+                <a:lnSpc>
+                  <a:spcPct val="150000"/>
+                </a:lnSpc>
+                <a:spcBef>
+                  <a:spcPts val="500"/>
+                </a:spcBef>
+                <a:spcAft>
+                  <a:spcPts val="0"/>
+                </a:spcAft>
+                <a:buClr>
+                  <a:schemeClr val="dk1"/>
+                </a:buClr>
+                <a:buSzPts val="1800"/>
+              </a:pPr>
+              <a:r>
+                <a:rPr lang="en-US" sz="1800" b="0" i="0" u="none" strike="noStrike" cap="none" dirty="0">
+                  <a:solidFill>
+                    <a:schemeClr val="dk1"/>
+                  </a:solidFill>
+                  <a:latin typeface="Calibri"/>
+                  <a:ea typeface="Calibri"/>
+                  <a:cs typeface="Calibri"/>
+                  <a:sym typeface="Calibri"/>
+                </a:rPr>
+                <a:t>Vinicius Gadelha</a:t>
+              </a:r>
+              <a:endParaRPr lang="en-US" sz="1600" b="0" i="0" u="sng" strike="noStrike" cap="none" dirty="0">
+                <a:solidFill>
+                  <a:schemeClr val="hlink"/>
+                </a:solidFill>
+                <a:latin typeface="Calibri"/>
+                <a:ea typeface="Calibri"/>
+                <a:cs typeface="Calibri"/>
+                <a:sym typeface="Calibri"/>
+              </a:endParaRPr>
+            </a:p>
+            <a:p>
+              <a:pPr marR="0" lvl="1" algn="ctr" rtl="0">
+                <a:lnSpc>
+                  <a:spcPct val="150000"/>
+                </a:lnSpc>
+                <a:spcBef>
+                  <a:spcPts val="500"/>
+                </a:spcBef>
+                <a:spcAft>
+                  <a:spcPts val="0"/>
+                </a:spcAft>
+                <a:buClr>
+                  <a:schemeClr val="dk1"/>
+                </a:buClr>
+                <a:buSzPts val="1800"/>
+              </a:pPr>
+              <a:r>
+                <a:rPr lang="en-US" sz="1600" b="0" i="0" u="sng" strike="noStrike" cap="none" dirty="0">
+                  <a:solidFill>
+                    <a:schemeClr val="hlink"/>
+                  </a:solidFill>
+                  <a:latin typeface="Calibri"/>
+                  <a:ea typeface="Calibri"/>
+                  <a:cs typeface="Calibri"/>
+                  <a:sym typeface="Calibri"/>
+                </a:rPr>
+                <a:t>vinicius.gadelha@upc.edu</a:t>
+              </a:r>
+              <a:endParaRPr sz="1600" b="0" i="0" u="none" strike="noStrike" cap="none" dirty="0">
+                <a:solidFill>
+                  <a:schemeClr val="dk1"/>
+                </a:solidFill>
+                <a:latin typeface="Calibri"/>
+                <a:ea typeface="Calibri"/>
+                <a:cs typeface="Calibri"/>
+                <a:sym typeface="Calibri"/>
+              </a:endParaRPr>
+            </a:p>
+          </p:txBody>
+        </p:sp>
+        <p:pic>
+          <p:nvPicPr>
+            <p:cNvPr id="100" name="Google Shape;100;p4"/>
+            <p:cNvPicPr preferRelativeResize="0"/>
+            <p:nvPr/>
+          </p:nvPicPr>
+          <p:blipFill rotWithShape="1">
+            <a:blip r:embed="rId3"/>
+            <a:srcRect l="34626" t="6093" r="39196" b="35785"/>
+            <a:stretch/>
+          </p:blipFill>
+          <p:spPr>
+            <a:xfrm>
+              <a:off x="1079625" y="2764219"/>
+              <a:ext cx="1620000" cy="1620000"/>
+            </a:xfrm>
+            <a:prstGeom prst="ellipse">
+              <a:avLst/>
+            </a:prstGeom>
+            <a:noFill/>
+            <a:ln w="9525" cap="rnd" cmpd="sng">
+              <a:solidFill>
+                <a:schemeClr val="dk1"/>
+              </a:solidFill>
+              <a:prstDash val="solid"/>
+              <a:round/>
+              <a:headEnd type="none" w="sm" len="sm"/>
+              <a:tailEnd type="none" w="sm" len="sm"/>
+            </a:ln>
+          </p:spPr>
+        </p:pic>
+      </p:grpSp>
+      <p:grpSp>
+        <p:nvGrpSpPr>
+          <p:cNvPr id="2" name="Group 1">
+            <a:extLst>
+              <a:ext uri="{FF2B5EF4-FFF2-40B4-BE49-F238E27FC236}">
+                <a16:creationId xmlns:a16="http://schemas.microsoft.com/office/drawing/2014/main" id="{F42EBC42-703E-46B7-A2C7-DE238E482EB5}"/>
+              </a:ext>
+            </a:extLst>
+          </p:cNvPr>
+          <p:cNvGrpSpPr/>
+          <p:nvPr/>
+        </p:nvGrpSpPr>
+        <p:grpSpPr>
+          <a:xfrm>
+            <a:off x="6481762" y="2764219"/>
+            <a:ext cx="2352676" cy="2999957"/>
+            <a:chOff x="6371137" y="2764219"/>
+            <a:chExt cx="2352676" cy="2999957"/>
+          </a:xfrm>
+        </p:grpSpPr>
+        <p:sp>
+          <p:nvSpPr>
+            <p:cNvPr id="10" name="Google Shape;96;p4">
+              <a:extLst>
+                <a:ext uri="{FF2B5EF4-FFF2-40B4-BE49-F238E27FC236}">
+                  <a16:creationId xmlns:a16="http://schemas.microsoft.com/office/drawing/2014/main" id="{09EA4EE9-2FA1-4B71-BC0D-E0AC6A951C95}"/>
+                </a:ext>
+              </a:extLst>
+            </p:cNvPr>
+            <p:cNvSpPr txBox="1"/>
+            <p:nvPr/>
+          </p:nvSpPr>
+          <p:spPr>
+            <a:xfrm>
+              <a:off x="6371137" y="4526119"/>
+              <a:ext cx="2352676" cy="1238057"/>
+            </a:xfrm>
+            <a:prstGeom prst="rect">
+              <a:avLst/>
+            </a:prstGeom>
+            <a:noFill/>
+            <a:ln>
+              <a:noFill/>
+            </a:ln>
+          </p:spPr>
+          <p:txBody>
+            <a:bodyPr spcFirstLastPara="1" wrap="square" lIns="91425" tIns="45700" rIns="91425" bIns="45700" anchor="t" anchorCtr="0">
+              <a:noAutofit/>
+            </a:bodyPr>
+            <a:lstStyle/>
+            <a:p>
+              <a:pPr marR="0" lvl="1" algn="ctr" rtl="0">
+                <a:lnSpc>
+                  <a:spcPct val="150000"/>
+                </a:lnSpc>
+                <a:spcBef>
+                  <a:spcPts val="500"/>
+                </a:spcBef>
+                <a:spcAft>
+                  <a:spcPts val="0"/>
+                </a:spcAft>
+                <a:buClr>
+                  <a:schemeClr val="dk1"/>
+                </a:buClr>
+                <a:buSzPts val="1800"/>
+              </a:pPr>
+              <a:r>
+                <a:rPr lang="en-US" sz="1800" b="0" i="0" u="none" strike="noStrike" cap="none" dirty="0">
+                  <a:solidFill>
+                    <a:schemeClr val="dk1"/>
+                  </a:solidFill>
+                  <a:latin typeface="Calibri"/>
+                  <a:ea typeface="Calibri"/>
+                  <a:cs typeface="Calibri"/>
+                  <a:sym typeface="Calibri"/>
+                </a:rPr>
+                <a:t>Marc Jené Vinuesa</a:t>
+              </a:r>
+            </a:p>
+            <a:p>
+              <a:pPr marR="0" lvl="1" algn="ctr" rtl="0">
+                <a:lnSpc>
+                  <a:spcPct val="150000"/>
+                </a:lnSpc>
+                <a:spcBef>
+                  <a:spcPts val="500"/>
+                </a:spcBef>
+                <a:spcAft>
+                  <a:spcPts val="0"/>
+                </a:spcAft>
+                <a:buClr>
+                  <a:schemeClr val="dk1"/>
+                </a:buClr>
+                <a:buSzPts val="1800"/>
+              </a:pPr>
+              <a:r>
+                <a:rPr lang="en-US" sz="1600" b="0" i="0" u="sng" strike="noStrike" cap="none" dirty="0">
+                  <a:solidFill>
+                    <a:schemeClr val="hlink"/>
+                  </a:solidFill>
+                  <a:latin typeface="Calibri"/>
+                  <a:ea typeface="Calibri"/>
+                  <a:cs typeface="Calibri"/>
+                  <a:sym typeface="Calibri"/>
+                  <a:hlinkClick r:id="rId4"/>
+                </a:rPr>
+                <a:t>marc.jene@upc.edu</a:t>
+              </a:r>
+              <a:endParaRPr sz="1600" b="0" i="0" u="none" strike="noStrike" cap="none" dirty="0">
+                <a:solidFill>
+                  <a:schemeClr val="dk1"/>
+                </a:solidFill>
+                <a:latin typeface="Calibri"/>
+                <a:ea typeface="Calibri"/>
+                <a:cs typeface="Calibri"/>
+                <a:sym typeface="Calibri"/>
+              </a:endParaRPr>
+            </a:p>
+          </p:txBody>
+        </p:sp>
+        <p:pic>
+          <p:nvPicPr>
+            <p:cNvPr id="11" name="Google Shape;100;p4">
+              <a:extLst>
+                <a:ext uri="{FF2B5EF4-FFF2-40B4-BE49-F238E27FC236}">
+                  <a16:creationId xmlns:a16="http://schemas.microsoft.com/office/drawing/2014/main" id="{59B80B27-7F92-4220-AD34-C21367C57004}"/>
+                </a:ext>
+              </a:extLst>
+            </p:cNvPr>
+            <p:cNvPicPr preferRelativeResize="0"/>
+            <p:nvPr/>
+          </p:nvPicPr>
+          <p:blipFill rotWithShape="1">
+            <a:blip r:embed="rId5">
+              <a:alphaModFix/>
+            </a:blip>
+            <a:srcRect/>
+            <a:stretch/>
+          </p:blipFill>
+          <p:spPr>
+            <a:xfrm>
+              <a:off x="6737475" y="2764219"/>
+              <a:ext cx="1620000" cy="1620000"/>
+            </a:xfrm>
+            <a:prstGeom prst="ellipse">
+              <a:avLst/>
+            </a:prstGeom>
+            <a:noFill/>
+            <a:ln w="9525" cap="rnd" cmpd="sng">
+              <a:solidFill>
+                <a:schemeClr val="dk1"/>
+              </a:solidFill>
+              <a:prstDash val="solid"/>
+              <a:round/>
+              <a:headEnd type="none" w="sm" len="sm"/>
+              <a:tailEnd type="none" w="sm" len="sm"/>
+            </a:ln>
+          </p:spPr>
+        </p:pic>
+      </p:grpSp>
+      <p:grpSp>
+        <p:nvGrpSpPr>
+          <p:cNvPr id="6" name="Group 5">
+            <a:extLst>
+              <a:ext uri="{FF2B5EF4-FFF2-40B4-BE49-F238E27FC236}">
+                <a16:creationId xmlns:a16="http://schemas.microsoft.com/office/drawing/2014/main" id="{1E147B53-984E-4CF1-8893-26FB514DDFAC}"/>
+              </a:ext>
+            </a:extLst>
+          </p:cNvPr>
+          <p:cNvGrpSpPr/>
+          <p:nvPr/>
+        </p:nvGrpSpPr>
+        <p:grpSpPr>
+          <a:xfrm>
+            <a:off x="2847976" y="2764219"/>
+            <a:ext cx="3448049" cy="2999957"/>
+            <a:chOff x="2847975" y="2764219"/>
+            <a:chExt cx="3448049" cy="2999957"/>
+          </a:xfrm>
+        </p:grpSpPr>
+        <p:sp>
+          <p:nvSpPr>
+            <p:cNvPr id="8" name="Google Shape;96;p4">
+              <a:extLst>
+                <a:ext uri="{FF2B5EF4-FFF2-40B4-BE49-F238E27FC236}">
+                  <a16:creationId xmlns:a16="http://schemas.microsoft.com/office/drawing/2014/main" id="{0D13CC6E-BD0A-46AB-90B0-AFD0D283006D}"/>
+                </a:ext>
+              </a:extLst>
+            </p:cNvPr>
+            <p:cNvSpPr txBox="1"/>
+            <p:nvPr/>
+          </p:nvSpPr>
+          <p:spPr>
+            <a:xfrm>
+              <a:off x="2847975" y="4526119"/>
+              <a:ext cx="3448049" cy="1238057"/>
+            </a:xfrm>
+            <a:prstGeom prst="rect">
+              <a:avLst/>
+            </a:prstGeom>
+            <a:noFill/>
+            <a:ln>
+              <a:noFill/>
+            </a:ln>
+          </p:spPr>
+          <p:txBody>
+            <a:bodyPr spcFirstLastPara="1" wrap="square" lIns="91425" tIns="45700" rIns="91425" bIns="45700" anchor="t" anchorCtr="0">
+              <a:noAutofit/>
+            </a:bodyPr>
+            <a:lstStyle/>
+            <a:p>
+              <a:pPr marR="0" lvl="1" algn="ctr" rtl="0">
+                <a:lnSpc>
+                  <a:spcPct val="150000"/>
+                </a:lnSpc>
+                <a:spcBef>
+                  <a:spcPts val="500"/>
+                </a:spcBef>
+                <a:spcAft>
+                  <a:spcPts val="0"/>
+                </a:spcAft>
+                <a:buClr>
+                  <a:schemeClr val="dk1"/>
+                </a:buClr>
+                <a:buSzPts val="1800"/>
+              </a:pPr>
+              <a:r>
+                <a:rPr lang="en-US" sz="1800" b="0" i="0" u="none" strike="noStrike" cap="none" dirty="0">
+                  <a:solidFill>
+                    <a:schemeClr val="dk1"/>
+                  </a:solidFill>
+                  <a:latin typeface="Calibri"/>
+                  <a:ea typeface="Calibri"/>
+                  <a:cs typeface="Calibri"/>
+                  <a:sym typeface="Calibri"/>
+                </a:rPr>
+                <a:t>Antonio E. </a:t>
+              </a:r>
+              <a:r>
+                <a:rPr lang="en-US" sz="1800" dirty="0" err="1">
+                  <a:solidFill>
+                    <a:schemeClr val="dk1"/>
+                  </a:solidFill>
+                  <a:latin typeface="Calibri"/>
+                  <a:ea typeface="Calibri"/>
+                  <a:cs typeface="Calibri"/>
+                  <a:sym typeface="Calibri"/>
+                </a:rPr>
+                <a:t>Saldaña</a:t>
+              </a:r>
+              <a:r>
+                <a:rPr lang="en-US" sz="1800" dirty="0">
+                  <a:solidFill>
+                    <a:schemeClr val="dk1"/>
+                  </a:solidFill>
+                  <a:latin typeface="Calibri"/>
+                  <a:ea typeface="Calibri"/>
+                  <a:cs typeface="Calibri"/>
+                  <a:sym typeface="Calibri"/>
+                </a:rPr>
+                <a:t> González</a:t>
+              </a:r>
+              <a:r>
+                <a:rPr lang="en-US" sz="1800" b="0" i="0" u="none" strike="noStrike" cap="none" dirty="0">
+                  <a:solidFill>
+                    <a:schemeClr val="dk1"/>
+                  </a:solidFill>
+                  <a:latin typeface="Calibri"/>
+                  <a:ea typeface="Calibri"/>
+                  <a:cs typeface="Calibri"/>
+                  <a:sym typeface="Calibri"/>
+                </a:rPr>
+                <a:t> </a:t>
+              </a:r>
+              <a:endParaRPr lang="en-US" sz="1800" b="0" i="0" u="sng" strike="noStrike" cap="none" dirty="0">
+                <a:solidFill>
+                  <a:schemeClr val="hlink"/>
+                </a:solidFill>
+                <a:latin typeface="Calibri"/>
+                <a:ea typeface="Calibri"/>
+                <a:cs typeface="Calibri"/>
+                <a:sym typeface="Calibri"/>
+              </a:endParaRPr>
+            </a:p>
+            <a:p>
+              <a:pPr marR="0" lvl="1" algn="ctr" rtl="0">
+                <a:lnSpc>
+                  <a:spcPct val="150000"/>
+                </a:lnSpc>
+                <a:spcBef>
+                  <a:spcPts val="500"/>
+                </a:spcBef>
+                <a:spcAft>
+                  <a:spcPts val="0"/>
+                </a:spcAft>
+                <a:buClr>
+                  <a:schemeClr val="dk1"/>
+                </a:buClr>
+                <a:buSzPts val="1800"/>
+              </a:pPr>
+              <a:r>
+                <a:rPr lang="en-US" sz="1600" b="0" i="0" u="sng" strike="noStrike" cap="none" dirty="0">
+                  <a:solidFill>
+                    <a:schemeClr val="hlink"/>
+                  </a:solidFill>
+                  <a:latin typeface="Calibri"/>
+                  <a:ea typeface="Calibri"/>
+                  <a:cs typeface="Calibri"/>
+                  <a:sym typeface="Calibri"/>
+                </a:rPr>
+                <a:t>antonio.emmanuel.saldana@upc.edu</a:t>
+              </a:r>
+              <a:endParaRPr sz="1600" b="0" i="0" u="none" strike="noStrike" cap="none" dirty="0">
+                <a:solidFill>
+                  <a:schemeClr val="dk1"/>
+                </a:solidFill>
+                <a:latin typeface="Calibri"/>
+                <a:ea typeface="Calibri"/>
+                <a:cs typeface="Calibri"/>
+                <a:sym typeface="Calibri"/>
+              </a:endParaRPr>
+            </a:p>
+          </p:txBody>
+        </p:sp>
+        <p:pic>
+          <p:nvPicPr>
+            <p:cNvPr id="18" name="Google Shape;115;p6">
+              <a:extLst>
+                <a:ext uri="{FF2B5EF4-FFF2-40B4-BE49-F238E27FC236}">
+                  <a16:creationId xmlns:a16="http://schemas.microsoft.com/office/drawing/2014/main" id="{E9EFAC7C-F6B3-4A07-BEDE-4FB739D4307C}"/>
+                </a:ext>
+              </a:extLst>
+            </p:cNvPr>
+            <p:cNvPicPr preferRelativeResize="0"/>
+            <p:nvPr/>
+          </p:nvPicPr>
+          <p:blipFill rotWithShape="1">
+            <a:blip r:embed="rId6">
+              <a:alphaModFix/>
+            </a:blip>
+            <a:srcRect/>
+            <a:stretch/>
+          </p:blipFill>
+          <p:spPr>
+            <a:xfrm>
+              <a:off x="3761999" y="2764219"/>
+              <a:ext cx="1620000" cy="1620000"/>
+            </a:xfrm>
+            <a:prstGeom prst="ellipse">
+              <a:avLst/>
+            </a:prstGeom>
+            <a:noFill/>
+            <a:ln w="9525" cap="rnd" cmpd="sng">
+              <a:solidFill>
+                <a:schemeClr val="dk1"/>
+              </a:solidFill>
+              <a:prstDash val="solid"/>
+              <a:round/>
+              <a:headEnd type="none" w="sm" len="sm"/>
+              <a:tailEnd type="none" w="sm" len="sm"/>
+            </a:ln>
+          </p:spPr>
+        </p:pic>
+      </p:grpSp>
+    </p:spTree>
+  </p:cSld>
+  <p:clrMapOvr>
+    <a:masterClrMapping/>
+  </p:clrMapOvr>
+</p:sld>
+</file>
+
+<file path=ppt/slides/slide5.xml><?xml version="1.0" encoding="utf-8"?>
+<p:sld xmlns:a="http://schemas.openxmlformats.org/drawingml/2006/main" xmlns:r="http://schemas.openxmlformats.org/officeDocument/2006/relationships" xmlns:p="http://schemas.openxmlformats.org/presentationml/2006/main">
+  <p:cSld>
+    <p:spTree>
+      <p:nvGrpSpPr>
+        <p:cNvPr id="1" name="Shape 87"/>
+        <p:cNvGrpSpPr/>
+        <p:nvPr/>
+      </p:nvGrpSpPr>
+      <p:grpSpPr>
+        <a:xfrm>
+          <a:off x="0" y="0"/>
+          <a:ext cx="0" cy="0"/>
+          <a:chOff x="0" y="0"/>
+          <a:chExt cx="0" cy="0"/>
+        </a:xfrm>
+      </p:grpSpPr>
+      <p:sp>
+        <p:nvSpPr>
+          <p:cNvPr id="88" name="Google Shape;88;p3"/>
+          <p:cNvSpPr txBox="1">
+            <a:spLocks noGrp="1"/>
+          </p:cNvSpPr>
+          <p:nvPr>
+            <p:ph type="sldNum" idx="12"/>
+          </p:nvPr>
+        </p:nvSpPr>
+        <p:spPr>
+          <a:xfrm>
+            <a:off x="6457950" y="6356355"/>
+            <a:ext cx="2057400" cy="365125"/>
+          </a:xfrm>
+          <a:prstGeom prst="rect">
+            <a:avLst/>
+          </a:prstGeom>
+          <a:noFill/>
+          <a:ln>
+            <a:noFill/>
+          </a:ln>
+        </p:spPr>
+        <p:txBody>
+          <a:bodyPr spcFirstLastPara="1" wrap="square" lIns="91425" tIns="45700" rIns="91425" bIns="45700" anchor="ctr" anchorCtr="0">
+            <a:noAutofit/>
+          </a:bodyPr>
+          <a:lstStyle/>
+          <a:p>
+            <a:pPr marL="0" lvl="0" indent="0" algn="r" rtl="0">
+              <a:spcBef>
+                <a:spcPts val="0"/>
+              </a:spcBef>
+              <a:spcAft>
+                <a:spcPts val="0"/>
+              </a:spcAft>
+              <a:buNone/>
+            </a:pPr>
+            <a:fld id="{00000000-1234-1234-1234-123412341234}" type="slidenum">
+              <a:rPr lang="en-US"/>
+              <a:t>5</a:t>
+            </a:fld>
+            <a:endParaRPr/>
+          </a:p>
+        </p:txBody>
+      </p:sp>
+      <p:sp>
+        <p:nvSpPr>
+          <p:cNvPr id="89" name="Google Shape;89;p3"/>
+          <p:cNvSpPr txBox="1">
+            <a:spLocks noGrp="1"/>
+          </p:cNvSpPr>
+          <p:nvPr>
+            <p:ph type="title"/>
+          </p:nvPr>
+        </p:nvSpPr>
+        <p:spPr>
+          <a:xfrm>
+            <a:off x="628650" y="1131248"/>
+            <a:ext cx="7886700" cy="763455"/>
+          </a:xfrm>
+          <a:prstGeom prst="rect">
+            <a:avLst/>
+          </a:prstGeom>
+          <a:noFill/>
+          <a:ln>
+            <a:noFill/>
+          </a:ln>
+        </p:spPr>
+        <p:txBody>
+          <a:bodyPr spcFirstLastPara="1" wrap="square" lIns="91425" tIns="45700" rIns="91425" bIns="45700" anchor="ctr" anchorCtr="0">
+            <a:normAutofit/>
+          </a:bodyPr>
+          <a:lstStyle/>
+          <a:p>
+            <a:pPr marL="0" lvl="0" indent="0" algn="ctr" rtl="0">
+              <a:lnSpc>
+                <a:spcPct val="90000"/>
+              </a:lnSpc>
+              <a:spcBef>
+                <a:spcPts val="0"/>
+              </a:spcBef>
+              <a:spcAft>
+                <a:spcPts val="0"/>
+              </a:spcAft>
+              <a:buClr>
+                <a:schemeClr val="dk1"/>
+              </a:buClr>
+              <a:buSzPts val="4000"/>
+              <a:buFont typeface="Calibri"/>
+              <a:buNone/>
+            </a:pPr>
+            <a:r>
+              <a:rPr lang="es-ES" b="1" noProof="0" dirty="0"/>
+              <a:t>Introducción al curso</a:t>
+            </a:r>
+          </a:p>
+        </p:txBody>
+      </p:sp>
+      <p:sp>
+        <p:nvSpPr>
+          <p:cNvPr id="90" name="Google Shape;90;p3"/>
+          <p:cNvSpPr txBox="1"/>
+          <p:nvPr/>
+        </p:nvSpPr>
+        <p:spPr>
+          <a:xfrm>
+            <a:off x="628650" y="2254245"/>
+            <a:ext cx="7886700" cy="2784894"/>
+          </a:xfrm>
+          <a:prstGeom prst="rect">
+            <a:avLst/>
+          </a:prstGeom>
+          <a:noFill/>
+          <a:ln>
+            <a:noFill/>
+          </a:ln>
+        </p:spPr>
+        <p:txBody>
+          <a:bodyPr spcFirstLastPara="1" wrap="square" lIns="91425" tIns="45700" rIns="91425" bIns="45700" anchor="t" anchorCtr="0">
+            <a:normAutofit/>
+          </a:bodyPr>
+          <a:lstStyle/>
+          <a:p>
+            <a:pPr marL="457200" marR="0" lvl="0" indent="-342900" algn="l" rtl="0">
+              <a:lnSpc>
+                <a:spcPct val="90000"/>
+              </a:lnSpc>
+              <a:spcBef>
+                <a:spcPts val="1000"/>
+              </a:spcBef>
+              <a:spcAft>
+                <a:spcPts val="0"/>
+              </a:spcAft>
+              <a:buClr>
+                <a:schemeClr val="dk1"/>
+              </a:buClr>
+              <a:buSzPts val="1800"/>
+              <a:buFont typeface="Arial"/>
+              <a:buChar char="•"/>
+            </a:pPr>
+            <a:r>
+              <a:rPr lang="es-ES" sz="2800" dirty="0">
+                <a:solidFill>
+                  <a:srgbClr val="A5A5A5"/>
+                </a:solidFill>
+                <a:latin typeface="Calibri"/>
+                <a:ea typeface="Calibri"/>
+                <a:cs typeface="Calibri"/>
+                <a:sym typeface="Calibri"/>
+              </a:rPr>
+              <a:t>Introducción del profesorado</a:t>
+            </a:r>
+          </a:p>
+          <a:p>
+            <a:pPr marL="457200" marR="0" lvl="0" indent="-342900" algn="l" rtl="0">
+              <a:lnSpc>
+                <a:spcPct val="90000"/>
+              </a:lnSpc>
+              <a:spcBef>
+                <a:spcPts val="1000"/>
+              </a:spcBef>
+              <a:spcAft>
+                <a:spcPts val="0"/>
+              </a:spcAft>
+              <a:buClr>
+                <a:schemeClr val="dk1"/>
+              </a:buClr>
+              <a:buSzPts val="1800"/>
+              <a:buFont typeface="Arial"/>
+              <a:buChar char="•"/>
+            </a:pPr>
+            <a:r>
+              <a:rPr lang="es-ES" sz="2800" b="1" dirty="0">
+                <a:solidFill>
+                  <a:srgbClr val="006DA5"/>
+                </a:solidFill>
+                <a:latin typeface="Calibri"/>
+                <a:ea typeface="Calibri"/>
+                <a:cs typeface="Calibri"/>
+                <a:sym typeface="Calibri"/>
+              </a:rPr>
+              <a:t>Objetivos</a:t>
+            </a:r>
+          </a:p>
+          <a:p>
+            <a:pPr marL="457200" marR="0" lvl="0" indent="-342900" algn="l" rtl="0">
+              <a:lnSpc>
+                <a:spcPct val="90000"/>
+              </a:lnSpc>
+              <a:spcBef>
+                <a:spcPts val="1000"/>
+              </a:spcBef>
+              <a:spcAft>
+                <a:spcPts val="0"/>
+              </a:spcAft>
+              <a:buClr>
+                <a:schemeClr val="dk1"/>
+              </a:buClr>
+              <a:buSzPts val="1800"/>
+              <a:buFont typeface="Arial"/>
+              <a:buChar char="•"/>
+            </a:pPr>
+            <a:r>
+              <a:rPr lang="es-ES" sz="2800" dirty="0">
+                <a:solidFill>
+                  <a:srgbClr val="A5A5A5"/>
+                </a:solidFill>
+                <a:latin typeface="Calibri"/>
+                <a:ea typeface="Calibri"/>
+                <a:cs typeface="Calibri"/>
+                <a:sym typeface="Calibri"/>
+              </a:rPr>
+              <a:t>Calendario y estructura</a:t>
+            </a:r>
+          </a:p>
+          <a:p>
+            <a:pPr marL="457200" marR="0" lvl="0" indent="-342900" algn="l" rtl="0">
+              <a:lnSpc>
+                <a:spcPct val="90000"/>
+              </a:lnSpc>
+              <a:spcBef>
+                <a:spcPts val="1000"/>
+              </a:spcBef>
+              <a:spcAft>
+                <a:spcPts val="0"/>
+              </a:spcAft>
+              <a:buClr>
+                <a:schemeClr val="dk1"/>
+              </a:buClr>
+              <a:buSzPts val="1800"/>
+              <a:buFont typeface="Arial"/>
+              <a:buChar char="•"/>
+            </a:pPr>
+            <a:r>
+              <a:rPr lang="es-ES" sz="2800" dirty="0">
+                <a:solidFill>
+                  <a:srgbClr val="A5A5A5"/>
+                </a:solidFill>
+                <a:latin typeface="Calibri"/>
+                <a:ea typeface="Calibri"/>
+                <a:cs typeface="Calibri"/>
+                <a:sym typeface="Calibri"/>
+              </a:rPr>
+              <a:t>Evaluación</a:t>
+            </a:r>
+          </a:p>
+          <a:p>
+            <a:pPr marL="457200" marR="0" lvl="0" indent="-342900" algn="l" rtl="0">
+              <a:lnSpc>
+                <a:spcPct val="90000"/>
+              </a:lnSpc>
+              <a:spcBef>
+                <a:spcPts val="1000"/>
+              </a:spcBef>
+              <a:spcAft>
+                <a:spcPts val="0"/>
+              </a:spcAft>
+              <a:buClr>
+                <a:schemeClr val="dk1"/>
+              </a:buClr>
+              <a:buSzPts val="1800"/>
+              <a:buFont typeface="Arial"/>
+              <a:buChar char="•"/>
+            </a:pPr>
+            <a:r>
+              <a:rPr lang="es-ES" sz="2800" dirty="0">
+                <a:solidFill>
+                  <a:srgbClr val="A5A5A5"/>
+                </a:solidFill>
+                <a:latin typeface="Calibri"/>
+                <a:ea typeface="Calibri"/>
+                <a:cs typeface="Calibri"/>
+                <a:sym typeface="Calibri"/>
+              </a:rPr>
+              <a:t>Referencias</a:t>
+            </a:r>
+            <a:endParaRPr lang="en-US" sz="2800" dirty="0">
+              <a:solidFill>
+                <a:srgbClr val="A5A5A5"/>
+              </a:solidFill>
+              <a:latin typeface="Calibri"/>
+              <a:ea typeface="Calibri"/>
+              <a:cs typeface="Calibri"/>
+              <a:sym typeface="Calibri"/>
+            </a:endParaRPr>
+          </a:p>
+          <a:p>
+            <a:pPr marL="457200" marR="0" lvl="0" indent="-228600" algn="l" rtl="0">
+              <a:lnSpc>
+                <a:spcPct val="90000"/>
+              </a:lnSpc>
+              <a:spcBef>
+                <a:spcPts val="1000"/>
+              </a:spcBef>
+              <a:spcAft>
+                <a:spcPts val="0"/>
+              </a:spcAft>
+              <a:buClr>
+                <a:schemeClr val="dk1"/>
+              </a:buClr>
+              <a:buSzPts val="1800"/>
+              <a:buFont typeface="Arial"/>
+              <a:buNone/>
+            </a:pPr>
+            <a:endParaRPr lang="es-ES" sz="3200" b="0" i="0" u="none" strike="noStrike" cap="none" dirty="0">
+              <a:solidFill>
+                <a:schemeClr val="dk1"/>
+              </a:solidFill>
+              <a:latin typeface="Calibri"/>
+              <a:ea typeface="Calibri"/>
+              <a:cs typeface="Calibri"/>
+              <a:sym typeface="Calibri"/>
+            </a:endParaRPr>
+          </a:p>
+        </p:txBody>
+      </p:sp>
+    </p:spTree>
+    <p:extLst>
+      <p:ext uri="{BB962C8B-B14F-4D97-AF65-F5344CB8AC3E}">
+        <p14:creationId xmlns:p14="http://schemas.microsoft.com/office/powerpoint/2010/main" val="797914020"/>
+      </p:ext>
+    </p:extLst>
+  </p:cSld>
+  <p:clrMapOvr>
+    <a:masterClrMapping/>
+  </p:clrMapOvr>
+</p:sld>
+</file>
+
+<file path=ppt/slides/slide6.xml><?xml version="1.0" encoding="utf-8"?>
+<p:sld xmlns:a="http://schemas.openxmlformats.org/drawingml/2006/main" xmlns:r="http://schemas.openxmlformats.org/officeDocument/2006/relationships" xmlns:p="http://schemas.openxmlformats.org/presentationml/2006/main">
+  <p:cSld>
+    <p:spTree>
+      <p:nvGrpSpPr>
+        <p:cNvPr id="1" name="Shape 159"/>
+        <p:cNvGrpSpPr/>
+        <p:nvPr/>
+      </p:nvGrpSpPr>
+      <p:grpSpPr>
+        <a:xfrm>
+          <a:off x="0" y="0"/>
+          <a:ext cx="0" cy="0"/>
+          <a:chOff x="0" y="0"/>
+          <a:chExt cx="0" cy="0"/>
+        </a:xfrm>
+      </p:grpSpPr>
+      <p:sp>
+        <p:nvSpPr>
+          <p:cNvPr id="160" name="Google Shape;160;p10"/>
+          <p:cNvSpPr txBox="1">
+            <a:spLocks noGrp="1"/>
+          </p:cNvSpPr>
+          <p:nvPr>
+            <p:ph type="sldNum" idx="12"/>
+          </p:nvPr>
+        </p:nvSpPr>
+        <p:spPr>
+          <a:xfrm>
+            <a:off x="6457950" y="6356355"/>
+            <a:ext cx="2057400" cy="365125"/>
+          </a:xfrm>
+          <a:prstGeom prst="rect">
+            <a:avLst/>
+          </a:prstGeom>
+          <a:noFill/>
+          <a:ln>
+            <a:noFill/>
+          </a:ln>
+        </p:spPr>
+        <p:txBody>
+          <a:bodyPr spcFirstLastPara="1" wrap="square" lIns="91425" tIns="45700" rIns="91425" bIns="45700" anchor="ctr" anchorCtr="0">
+            <a:noAutofit/>
+          </a:bodyPr>
+          <a:lstStyle/>
+          <a:p>
+            <a:pPr marL="0" lvl="0" indent="0" algn="r" rtl="0">
+              <a:spcBef>
+                <a:spcPts val="0"/>
+              </a:spcBef>
+              <a:spcAft>
+                <a:spcPts val="0"/>
+              </a:spcAft>
+              <a:buNone/>
+            </a:pPr>
+            <a:fld id="{00000000-1234-1234-1234-123412341234}" type="slidenum">
+              <a:rPr lang="en-US"/>
+              <a:t>6</a:t>
+            </a:fld>
+            <a:endParaRPr/>
+          </a:p>
+        </p:txBody>
+      </p:sp>
+      <p:sp>
+        <p:nvSpPr>
+          <p:cNvPr id="161" name="Google Shape;161;p10"/>
+          <p:cNvSpPr/>
+          <p:nvPr/>
+        </p:nvSpPr>
+        <p:spPr>
+          <a:xfrm>
+            <a:off x="467139" y="1968564"/>
+            <a:ext cx="8290362" cy="3503523"/>
+          </a:xfrm>
+          <a:prstGeom prst="rect">
+            <a:avLst/>
+          </a:prstGeom>
+          <a:noFill/>
+          <a:ln>
+            <a:noFill/>
+          </a:ln>
+        </p:spPr>
+        <p:txBody>
+          <a:bodyPr spcFirstLastPara="1" wrap="square" lIns="91425" tIns="45700" rIns="91425" bIns="45700" anchor="t" anchorCtr="0">
+            <a:spAutoFit/>
+          </a:bodyPr>
+          <a:lstStyle/>
+          <a:p>
+            <a:pPr marL="571500" marR="0" lvl="0" indent="-457200" algn="l" rtl="0">
+              <a:lnSpc>
+                <a:spcPct val="90000"/>
+              </a:lnSpc>
+              <a:spcBef>
+                <a:spcPts val="0"/>
+              </a:spcBef>
+              <a:spcAft>
+                <a:spcPts val="0"/>
+              </a:spcAft>
+              <a:buClr>
+                <a:schemeClr val="dk1"/>
+              </a:buClr>
+              <a:buSzPts val="1800"/>
+              <a:buFont typeface="Arial"/>
+              <a:buAutoNum type="arabicPeriod"/>
+            </a:pPr>
+            <a:r>
+              <a:rPr lang="es-ES" sz="2000" dirty="0">
+                <a:solidFill>
+                  <a:schemeClr val="dk1"/>
+                </a:solidFill>
+                <a:latin typeface="Calibri"/>
+                <a:ea typeface="Calibri"/>
+                <a:cs typeface="Calibri"/>
+                <a:sym typeface="Calibri"/>
+              </a:rPr>
+              <a:t>Entender los principales conceptos en torno a Big Data y Machine </a:t>
+            </a:r>
+            <a:r>
+              <a:rPr lang="es-ES" sz="2000" dirty="0" err="1">
+                <a:solidFill>
+                  <a:schemeClr val="dk1"/>
+                </a:solidFill>
+                <a:latin typeface="Calibri"/>
+                <a:ea typeface="Calibri"/>
+                <a:cs typeface="Calibri"/>
+                <a:sym typeface="Calibri"/>
+              </a:rPr>
+              <a:t>Learning</a:t>
+            </a:r>
+            <a:r>
+              <a:rPr lang="es-ES" sz="2000" dirty="0">
+                <a:solidFill>
+                  <a:schemeClr val="dk1"/>
+                </a:solidFill>
+                <a:latin typeface="Calibri"/>
+                <a:ea typeface="Calibri"/>
+                <a:cs typeface="Calibri"/>
+                <a:sym typeface="Calibri"/>
+              </a:rPr>
+              <a:t>.</a:t>
+            </a:r>
+            <a:endParaRPr lang="es-ES" dirty="0"/>
+          </a:p>
+          <a:p>
+            <a:pPr marL="571500" marR="0" lvl="0" indent="-457200" algn="l" rtl="0">
+              <a:lnSpc>
+                <a:spcPct val="90000"/>
+              </a:lnSpc>
+              <a:spcBef>
+                <a:spcPts val="1000"/>
+              </a:spcBef>
+              <a:spcAft>
+                <a:spcPts val="0"/>
+              </a:spcAft>
+              <a:buClr>
+                <a:schemeClr val="dk1"/>
+              </a:buClr>
+              <a:buSzPts val="1800"/>
+              <a:buFont typeface="Arial"/>
+              <a:buAutoNum type="arabicPeriod"/>
+            </a:pPr>
+            <a:r>
+              <a:rPr lang="es-ES" sz="2000" dirty="0">
+                <a:solidFill>
+                  <a:schemeClr val="dk1"/>
+                </a:solidFill>
+                <a:latin typeface="Calibri"/>
+                <a:ea typeface="Calibri"/>
+                <a:cs typeface="Calibri"/>
+                <a:sym typeface="Calibri"/>
+              </a:rPr>
+              <a:t>Comprender las posibles aplicaciones de Machine </a:t>
+            </a:r>
+            <a:r>
+              <a:rPr lang="es-ES" sz="2000" dirty="0" err="1">
+                <a:solidFill>
+                  <a:schemeClr val="dk1"/>
+                </a:solidFill>
+                <a:latin typeface="Calibri"/>
+                <a:ea typeface="Calibri"/>
+                <a:cs typeface="Calibri"/>
+                <a:sym typeface="Calibri"/>
+              </a:rPr>
+              <a:t>Learning</a:t>
+            </a:r>
+            <a:r>
+              <a:rPr lang="es-ES" sz="2000" dirty="0">
+                <a:solidFill>
+                  <a:schemeClr val="dk1"/>
+                </a:solidFill>
+                <a:latin typeface="Calibri"/>
+                <a:ea typeface="Calibri"/>
+                <a:cs typeface="Calibri"/>
+                <a:sym typeface="Calibri"/>
+              </a:rPr>
+              <a:t> en el sector industrial y del vehículo eléctrico.</a:t>
+            </a:r>
+          </a:p>
+          <a:p>
+            <a:pPr marL="571500" marR="0" lvl="0" indent="-457200" algn="l" rtl="0">
+              <a:lnSpc>
+                <a:spcPct val="90000"/>
+              </a:lnSpc>
+              <a:spcBef>
+                <a:spcPts val="1000"/>
+              </a:spcBef>
+              <a:spcAft>
+                <a:spcPts val="0"/>
+              </a:spcAft>
+              <a:buClr>
+                <a:schemeClr val="dk1"/>
+              </a:buClr>
+              <a:buSzPts val="1800"/>
+              <a:buFont typeface="Arial"/>
+              <a:buAutoNum type="arabicPeriod"/>
+            </a:pPr>
+            <a:r>
+              <a:rPr lang="es-ES" sz="2000" dirty="0">
+                <a:solidFill>
+                  <a:schemeClr val="dk1"/>
+                </a:solidFill>
+                <a:latin typeface="Calibri"/>
+                <a:ea typeface="Calibri"/>
+                <a:cs typeface="Calibri"/>
+                <a:sym typeface="Calibri"/>
+              </a:rPr>
+              <a:t>Aprender a desarrollar un modelo de Machine </a:t>
+            </a:r>
+            <a:r>
+              <a:rPr lang="es-ES" sz="2000" dirty="0" err="1">
+                <a:solidFill>
+                  <a:schemeClr val="dk1"/>
+                </a:solidFill>
+                <a:latin typeface="Calibri"/>
+                <a:ea typeface="Calibri"/>
+                <a:cs typeface="Calibri"/>
+                <a:sym typeface="Calibri"/>
+              </a:rPr>
+              <a:t>Learning</a:t>
+            </a:r>
+            <a:r>
+              <a:rPr lang="es-ES" sz="2000" dirty="0">
+                <a:solidFill>
+                  <a:schemeClr val="dk1"/>
+                </a:solidFill>
+                <a:latin typeface="Calibri"/>
+                <a:ea typeface="Calibri"/>
+                <a:cs typeface="Calibri"/>
+                <a:sym typeface="Calibri"/>
+              </a:rPr>
+              <a:t>.</a:t>
+            </a:r>
+            <a:endParaRPr lang="es-ES" dirty="0"/>
+          </a:p>
+          <a:p>
+            <a:pPr marL="571500" marR="0" lvl="0" indent="-457200" algn="l" rtl="0">
+              <a:lnSpc>
+                <a:spcPct val="90000"/>
+              </a:lnSpc>
+              <a:spcBef>
+                <a:spcPts val="1000"/>
+              </a:spcBef>
+              <a:spcAft>
+                <a:spcPts val="0"/>
+              </a:spcAft>
+              <a:buClr>
+                <a:schemeClr val="dk1"/>
+              </a:buClr>
+              <a:buSzPts val="1800"/>
+              <a:buFont typeface="Arial"/>
+              <a:buAutoNum type="arabicPeriod"/>
+            </a:pPr>
+            <a:r>
+              <a:rPr lang="es-ES" sz="2000" dirty="0">
+                <a:solidFill>
+                  <a:schemeClr val="dk1"/>
+                </a:solidFill>
+                <a:latin typeface="Calibri"/>
+                <a:ea typeface="Calibri"/>
+                <a:cs typeface="Calibri"/>
+                <a:sym typeface="Calibri"/>
+              </a:rPr>
+              <a:t>Explorar los principales tipos de Machine </a:t>
+            </a:r>
+            <a:r>
+              <a:rPr lang="es-ES" sz="2000" dirty="0" err="1">
+                <a:solidFill>
+                  <a:schemeClr val="dk1"/>
+                </a:solidFill>
+                <a:latin typeface="Calibri"/>
+                <a:ea typeface="Calibri"/>
+                <a:cs typeface="Calibri"/>
+                <a:sym typeface="Calibri"/>
+              </a:rPr>
+              <a:t>Learning</a:t>
+            </a:r>
+            <a:r>
+              <a:rPr lang="es-ES" sz="2000" dirty="0">
+                <a:solidFill>
+                  <a:schemeClr val="dk1"/>
+                </a:solidFill>
+                <a:latin typeface="Calibri"/>
+                <a:ea typeface="Calibri"/>
+                <a:cs typeface="Calibri"/>
+                <a:sym typeface="Calibri"/>
+              </a:rPr>
+              <a:t> (Supervisado y No Supervisado).</a:t>
+            </a:r>
+            <a:endParaRPr lang="es-ES" dirty="0"/>
+          </a:p>
+          <a:p>
+            <a:pPr marL="571500" marR="0" lvl="0" indent="-457200" algn="l" rtl="0">
+              <a:lnSpc>
+                <a:spcPct val="90000"/>
+              </a:lnSpc>
+              <a:spcBef>
+                <a:spcPts val="1000"/>
+              </a:spcBef>
+              <a:spcAft>
+                <a:spcPts val="0"/>
+              </a:spcAft>
+              <a:buClr>
+                <a:schemeClr val="dk1"/>
+              </a:buClr>
+              <a:buSzPts val="1800"/>
+              <a:buFont typeface="Arial"/>
+              <a:buAutoNum type="arabicPeriod"/>
+            </a:pPr>
+            <a:r>
+              <a:rPr lang="es-ES" sz="2000" dirty="0">
+                <a:solidFill>
+                  <a:schemeClr val="dk1"/>
+                </a:solidFill>
+                <a:latin typeface="Calibri"/>
+                <a:ea typeface="Calibri"/>
+                <a:cs typeface="Calibri"/>
+                <a:sym typeface="Calibri"/>
+              </a:rPr>
+              <a:t>Aprender Python para aplicaciones de Machine </a:t>
+            </a:r>
+            <a:r>
+              <a:rPr lang="es-ES" sz="2000" dirty="0" err="1">
+                <a:solidFill>
+                  <a:schemeClr val="dk1"/>
+                </a:solidFill>
+                <a:latin typeface="Calibri"/>
+                <a:ea typeface="Calibri"/>
+                <a:cs typeface="Calibri"/>
+                <a:sym typeface="Calibri"/>
+              </a:rPr>
+              <a:t>Learning</a:t>
+            </a:r>
+            <a:r>
+              <a:rPr lang="es-ES" sz="2000" dirty="0">
+                <a:solidFill>
+                  <a:schemeClr val="dk1"/>
+                </a:solidFill>
+                <a:latin typeface="Calibri"/>
+                <a:ea typeface="Calibri"/>
+                <a:cs typeface="Calibri"/>
+                <a:sym typeface="Calibri"/>
+              </a:rPr>
+              <a:t>.</a:t>
+            </a:r>
+            <a:endParaRPr lang="es-ES" dirty="0"/>
+          </a:p>
+          <a:p>
+            <a:pPr marL="571500" marR="0" lvl="0" indent="-457200" algn="l" rtl="0">
+              <a:lnSpc>
+                <a:spcPct val="90000"/>
+              </a:lnSpc>
+              <a:spcBef>
+                <a:spcPts val="1000"/>
+              </a:spcBef>
+              <a:spcAft>
+                <a:spcPts val="0"/>
+              </a:spcAft>
+              <a:buClr>
+                <a:schemeClr val="dk1"/>
+              </a:buClr>
+              <a:buSzPts val="1800"/>
+              <a:buFont typeface="Arial"/>
+              <a:buAutoNum type="arabicPeriod"/>
+            </a:pPr>
+            <a:r>
+              <a:rPr lang="es-ES" sz="2000" dirty="0">
+                <a:solidFill>
+                  <a:schemeClr val="dk1"/>
+                </a:solidFill>
+                <a:latin typeface="Calibri"/>
+                <a:ea typeface="Calibri"/>
+                <a:cs typeface="Calibri"/>
+                <a:sym typeface="Calibri"/>
+              </a:rPr>
+              <a:t>Desarrollar modelos de Machine </a:t>
+            </a:r>
+            <a:r>
+              <a:rPr lang="es-ES" sz="2000" dirty="0" err="1">
+                <a:solidFill>
+                  <a:schemeClr val="dk1"/>
+                </a:solidFill>
+                <a:latin typeface="Calibri"/>
+                <a:ea typeface="Calibri"/>
+                <a:cs typeface="Calibri"/>
+                <a:sym typeface="Calibri"/>
+              </a:rPr>
+              <a:t>Learning</a:t>
+            </a:r>
+            <a:r>
+              <a:rPr lang="es-ES" sz="2000" dirty="0">
+                <a:solidFill>
+                  <a:schemeClr val="dk1"/>
+                </a:solidFill>
+                <a:latin typeface="Calibri"/>
+                <a:ea typeface="Calibri"/>
+                <a:cs typeface="Calibri"/>
+                <a:sym typeface="Calibri"/>
+              </a:rPr>
+              <a:t> para problemas relacionados con la industria.</a:t>
+            </a:r>
+          </a:p>
+        </p:txBody>
+      </p:sp>
+      <p:sp>
+        <p:nvSpPr>
+          <p:cNvPr id="162" name="Google Shape;162;p10"/>
+          <p:cNvSpPr txBox="1">
+            <a:spLocks noGrp="1"/>
+          </p:cNvSpPr>
+          <p:nvPr>
+            <p:ph type="title"/>
+          </p:nvPr>
+        </p:nvSpPr>
+        <p:spPr>
+          <a:xfrm>
+            <a:off x="628650" y="1131248"/>
+            <a:ext cx="7886700" cy="763455"/>
+          </a:xfrm>
+          <a:prstGeom prst="rect">
+            <a:avLst/>
+          </a:prstGeom>
+          <a:noFill/>
+          <a:ln>
+            <a:noFill/>
+          </a:ln>
+        </p:spPr>
+        <p:txBody>
+          <a:bodyPr spcFirstLastPara="1" wrap="square" lIns="91425" tIns="45700" rIns="91425" bIns="45700" anchor="ctr" anchorCtr="0">
+            <a:normAutofit/>
+          </a:bodyPr>
+          <a:lstStyle/>
+          <a:p>
+            <a:pPr marL="0" lvl="0" indent="0" algn="ctr" rtl="0">
+              <a:lnSpc>
+                <a:spcPct val="90000"/>
+              </a:lnSpc>
+              <a:spcBef>
+                <a:spcPts val="0"/>
+              </a:spcBef>
+              <a:spcAft>
+                <a:spcPts val="0"/>
+              </a:spcAft>
+              <a:buClr>
+                <a:schemeClr val="dk1"/>
+              </a:buClr>
+              <a:buSzPts val="4000"/>
+              <a:buFont typeface="Calibri"/>
+              <a:buNone/>
+            </a:pPr>
+            <a:r>
+              <a:rPr lang="es-ES" b="1" noProof="0" dirty="0"/>
+              <a:t>Objetivos</a:t>
+            </a:r>
+          </a:p>
+        </p:txBody>
+      </p:sp>
+    </p:spTree>
+  </p:cSld>
+  <p:clrMapOvr>
+    <a:masterClrMapping/>
+  </p:clrMapOvr>
+</p:sld>
+</file>
+
+<file path=ppt/slides/slide7.xml><?xml version="1.0" encoding="utf-8"?>
+<p:sld xmlns:a="http://schemas.openxmlformats.org/drawingml/2006/main" xmlns:r="http://schemas.openxmlformats.org/officeDocument/2006/relationships" xmlns:p="http://schemas.openxmlformats.org/presentationml/2006/main">
+  <p:cSld>
+    <p:spTree>
+      <p:nvGrpSpPr>
+        <p:cNvPr id="1" name="Shape 87"/>
+        <p:cNvGrpSpPr/>
+        <p:nvPr/>
+      </p:nvGrpSpPr>
+      <p:grpSpPr>
+        <a:xfrm>
+          <a:off x="0" y="0"/>
+          <a:ext cx="0" cy="0"/>
+          <a:chOff x="0" y="0"/>
+          <a:chExt cx="0" cy="0"/>
+        </a:xfrm>
+      </p:grpSpPr>
+      <p:sp>
+        <p:nvSpPr>
+          <p:cNvPr id="88" name="Google Shape;88;p3"/>
+          <p:cNvSpPr txBox="1">
+            <a:spLocks noGrp="1"/>
+          </p:cNvSpPr>
+          <p:nvPr>
+            <p:ph type="sldNum" idx="12"/>
+          </p:nvPr>
+        </p:nvSpPr>
+        <p:spPr>
+          <a:xfrm>
+            <a:off x="6457950" y="6356355"/>
+            <a:ext cx="2057400" cy="365125"/>
+          </a:xfrm>
+          <a:prstGeom prst="rect">
+            <a:avLst/>
+          </a:prstGeom>
+          <a:noFill/>
+          <a:ln>
+            <a:noFill/>
+          </a:ln>
+        </p:spPr>
+        <p:txBody>
+          <a:bodyPr spcFirstLastPara="1" wrap="square" lIns="91425" tIns="45700" rIns="91425" bIns="45700" anchor="ctr" anchorCtr="0">
+            <a:noAutofit/>
+          </a:bodyPr>
+          <a:lstStyle/>
+          <a:p>
+            <a:pPr marL="0" lvl="0" indent="0" algn="r" rtl="0">
+              <a:spcBef>
+                <a:spcPts val="0"/>
+              </a:spcBef>
+              <a:spcAft>
+                <a:spcPts val="0"/>
+              </a:spcAft>
+              <a:buNone/>
+            </a:pPr>
+            <a:fld id="{00000000-1234-1234-1234-123412341234}" type="slidenum">
+              <a:rPr lang="en-US"/>
+              <a:t>7</a:t>
+            </a:fld>
+            <a:endParaRPr/>
+          </a:p>
+        </p:txBody>
+      </p:sp>
+      <p:sp>
+        <p:nvSpPr>
+          <p:cNvPr id="89" name="Google Shape;89;p3"/>
+          <p:cNvSpPr txBox="1">
+            <a:spLocks noGrp="1"/>
+          </p:cNvSpPr>
+          <p:nvPr>
+            <p:ph type="title"/>
+          </p:nvPr>
+        </p:nvSpPr>
+        <p:spPr>
+          <a:xfrm>
+            <a:off x="628650" y="1131248"/>
+            <a:ext cx="7886700" cy="763455"/>
+          </a:xfrm>
+          <a:prstGeom prst="rect">
+            <a:avLst/>
+          </a:prstGeom>
+          <a:noFill/>
+          <a:ln>
+            <a:noFill/>
+          </a:ln>
+        </p:spPr>
+        <p:txBody>
+          <a:bodyPr spcFirstLastPara="1" wrap="square" lIns="91425" tIns="45700" rIns="91425" bIns="45700" anchor="ctr" anchorCtr="0">
+            <a:normAutofit/>
+          </a:bodyPr>
+          <a:lstStyle/>
+          <a:p>
+            <a:pPr marL="0" lvl="0" indent="0" algn="ctr" rtl="0">
+              <a:lnSpc>
+                <a:spcPct val="90000"/>
+              </a:lnSpc>
+              <a:spcBef>
+                <a:spcPts val="0"/>
+              </a:spcBef>
+              <a:spcAft>
+                <a:spcPts val="0"/>
+              </a:spcAft>
+              <a:buClr>
+                <a:schemeClr val="dk1"/>
+              </a:buClr>
+              <a:buSzPts val="4000"/>
+              <a:buFont typeface="Calibri"/>
+              <a:buNone/>
+            </a:pPr>
+            <a:r>
+              <a:rPr lang="es-ES" b="1" noProof="0" dirty="0"/>
+              <a:t>Introducción al curso</a:t>
+            </a:r>
+          </a:p>
+        </p:txBody>
+      </p:sp>
+      <p:sp>
+        <p:nvSpPr>
+          <p:cNvPr id="90" name="Google Shape;90;p3"/>
+          <p:cNvSpPr txBox="1"/>
+          <p:nvPr/>
+        </p:nvSpPr>
+        <p:spPr>
+          <a:xfrm>
+            <a:off x="628650" y="2254245"/>
+            <a:ext cx="7886700" cy="2784894"/>
+          </a:xfrm>
+          <a:prstGeom prst="rect">
+            <a:avLst/>
+          </a:prstGeom>
+          <a:noFill/>
+          <a:ln>
+            <a:noFill/>
+          </a:ln>
+        </p:spPr>
+        <p:txBody>
+          <a:bodyPr spcFirstLastPara="1" wrap="square" lIns="91425" tIns="45700" rIns="91425" bIns="45700" anchor="t" anchorCtr="0">
+            <a:normAutofit/>
+          </a:bodyPr>
+          <a:lstStyle/>
+          <a:p>
+            <a:pPr marL="457200" marR="0" lvl="0" indent="-342900" algn="l" rtl="0">
+              <a:lnSpc>
+                <a:spcPct val="90000"/>
+              </a:lnSpc>
+              <a:spcBef>
+                <a:spcPts val="1000"/>
+              </a:spcBef>
+              <a:spcAft>
+                <a:spcPts val="0"/>
+              </a:spcAft>
+              <a:buClr>
+                <a:schemeClr val="dk1"/>
+              </a:buClr>
+              <a:buSzPts val="1800"/>
+              <a:buFont typeface="Arial"/>
+              <a:buChar char="•"/>
+            </a:pPr>
+            <a:r>
+              <a:rPr lang="es-ES" sz="2800" dirty="0">
+                <a:solidFill>
+                  <a:srgbClr val="A5A5A5"/>
+                </a:solidFill>
+                <a:latin typeface="Calibri"/>
+                <a:ea typeface="Calibri"/>
+                <a:cs typeface="Calibri"/>
+                <a:sym typeface="Calibri"/>
+              </a:rPr>
+              <a:t>Introducción del profesorado</a:t>
+            </a:r>
+          </a:p>
+          <a:p>
+            <a:pPr marL="457200" marR="0" lvl="0" indent="-342900" algn="l" rtl="0">
+              <a:lnSpc>
+                <a:spcPct val="90000"/>
+              </a:lnSpc>
+              <a:spcBef>
+                <a:spcPts val="1000"/>
+              </a:spcBef>
+              <a:spcAft>
+                <a:spcPts val="0"/>
+              </a:spcAft>
+              <a:buClr>
+                <a:schemeClr val="dk1"/>
+              </a:buClr>
+              <a:buSzPts val="1800"/>
+              <a:buFont typeface="Arial"/>
+              <a:buChar char="•"/>
+            </a:pPr>
+            <a:r>
+              <a:rPr lang="es-ES" sz="2800" dirty="0">
+                <a:solidFill>
+                  <a:srgbClr val="A5A5A5"/>
+                </a:solidFill>
+                <a:latin typeface="Calibri"/>
+                <a:ea typeface="Calibri"/>
+                <a:cs typeface="Calibri"/>
+                <a:sym typeface="Calibri"/>
+              </a:rPr>
+              <a:t>Objetivos</a:t>
+            </a:r>
+          </a:p>
+          <a:p>
+            <a:pPr marL="457200" marR="0" lvl="0" indent="-342900" algn="l" rtl="0">
+              <a:lnSpc>
+                <a:spcPct val="90000"/>
+              </a:lnSpc>
+              <a:spcBef>
+                <a:spcPts val="1000"/>
+              </a:spcBef>
+              <a:spcAft>
+                <a:spcPts val="0"/>
+              </a:spcAft>
+              <a:buClr>
+                <a:schemeClr val="dk1"/>
+              </a:buClr>
+              <a:buSzPts val="1800"/>
+              <a:buFont typeface="Arial"/>
+              <a:buChar char="•"/>
+            </a:pPr>
+            <a:r>
+              <a:rPr lang="es-ES" sz="2800" b="1" dirty="0">
+                <a:solidFill>
+                  <a:srgbClr val="006DA5"/>
+                </a:solidFill>
+                <a:latin typeface="Calibri"/>
+                <a:ea typeface="Calibri"/>
+                <a:cs typeface="Calibri"/>
+                <a:sym typeface="Calibri"/>
+              </a:rPr>
+              <a:t>Calendario y estructura</a:t>
+            </a:r>
+          </a:p>
+          <a:p>
+            <a:pPr marL="457200" marR="0" lvl="0" indent="-342900" algn="l" rtl="0">
+              <a:lnSpc>
+                <a:spcPct val="90000"/>
+              </a:lnSpc>
+              <a:spcBef>
+                <a:spcPts val="1000"/>
+              </a:spcBef>
+              <a:spcAft>
+                <a:spcPts val="0"/>
+              </a:spcAft>
+              <a:buClr>
+                <a:schemeClr val="dk1"/>
+              </a:buClr>
+              <a:buSzPts val="1800"/>
+              <a:buFont typeface="Arial"/>
+              <a:buChar char="•"/>
+            </a:pPr>
+            <a:r>
+              <a:rPr lang="es-ES" sz="2800" dirty="0">
+                <a:solidFill>
+                  <a:srgbClr val="A5A5A5"/>
+                </a:solidFill>
+                <a:latin typeface="Calibri"/>
+                <a:ea typeface="Calibri"/>
+                <a:cs typeface="Calibri"/>
+                <a:sym typeface="Calibri"/>
+              </a:rPr>
+              <a:t>Evaluación</a:t>
+            </a:r>
+          </a:p>
+          <a:p>
+            <a:pPr marL="457200" marR="0" lvl="0" indent="-342900" algn="l" rtl="0">
+              <a:lnSpc>
+                <a:spcPct val="90000"/>
+              </a:lnSpc>
+              <a:spcBef>
+                <a:spcPts val="1000"/>
+              </a:spcBef>
+              <a:spcAft>
+                <a:spcPts val="0"/>
+              </a:spcAft>
+              <a:buClr>
+                <a:schemeClr val="dk1"/>
+              </a:buClr>
+              <a:buSzPts val="1800"/>
+              <a:buFont typeface="Arial"/>
+              <a:buChar char="•"/>
+            </a:pPr>
+            <a:r>
+              <a:rPr lang="es-ES" sz="2800" dirty="0">
+                <a:solidFill>
+                  <a:srgbClr val="A5A5A5"/>
+                </a:solidFill>
+                <a:latin typeface="Calibri"/>
+                <a:ea typeface="Calibri"/>
+                <a:cs typeface="Calibri"/>
+                <a:sym typeface="Calibri"/>
+              </a:rPr>
+              <a:t>Referencias</a:t>
+            </a:r>
+            <a:endParaRPr lang="en-US" sz="2800" dirty="0">
+              <a:solidFill>
+                <a:srgbClr val="A5A5A5"/>
+              </a:solidFill>
+              <a:latin typeface="Calibri"/>
+              <a:ea typeface="Calibri"/>
+              <a:cs typeface="Calibri"/>
+              <a:sym typeface="Calibri"/>
+            </a:endParaRPr>
+          </a:p>
+          <a:p>
+            <a:pPr marL="457200" marR="0" lvl="0" indent="-228600" algn="l" rtl="0">
+              <a:lnSpc>
+                <a:spcPct val="90000"/>
+              </a:lnSpc>
+              <a:spcBef>
+                <a:spcPts val="1000"/>
+              </a:spcBef>
+              <a:spcAft>
+                <a:spcPts val="0"/>
+              </a:spcAft>
+              <a:buClr>
+                <a:schemeClr val="dk1"/>
+              </a:buClr>
+              <a:buSzPts val="1800"/>
+              <a:buFont typeface="Arial"/>
+              <a:buNone/>
+            </a:pPr>
+            <a:endParaRPr lang="es-ES" sz="3200" b="0" i="0" u="none" strike="noStrike" cap="none" dirty="0">
+              <a:solidFill>
+                <a:schemeClr val="dk1"/>
+              </a:solidFill>
+              <a:latin typeface="Calibri"/>
+              <a:ea typeface="Calibri"/>
+              <a:cs typeface="Calibri"/>
+              <a:sym typeface="Calibri"/>
+            </a:endParaRPr>
+          </a:p>
+        </p:txBody>
+      </p:sp>
+    </p:spTree>
+    <p:extLst>
+      <p:ext uri="{BB962C8B-B14F-4D97-AF65-F5344CB8AC3E}">
+        <p14:creationId xmlns:p14="http://schemas.microsoft.com/office/powerpoint/2010/main" val="3722093331"/>
+      </p:ext>
+    </p:extLst>
+  </p:cSld>
+  <p:clrMapOvr>
+    <a:masterClrMapping/>
+  </p:clrMapOvr>
+</p:sld>
+</file>
+
+<file path=ppt/slides/slide8.xml><?xml version="1.0" encoding="utf-8"?>
+<p:sld xmlns:a="http://schemas.openxmlformats.org/drawingml/2006/main" xmlns:r="http://schemas.openxmlformats.org/officeDocument/2006/relationships" xmlns:p="http://schemas.openxmlformats.org/presentationml/2006/main">
+  <p:cSld>
+    <p:spTree>
+      <p:nvGrpSpPr>
+        <p:cNvPr id="1" name="Shape 159"/>
+        <p:cNvGrpSpPr/>
+        <p:nvPr/>
+      </p:nvGrpSpPr>
+      <p:grpSpPr>
+        <a:xfrm>
+          <a:off x="0" y="0"/>
+          <a:ext cx="0" cy="0"/>
+          <a:chOff x="0" y="0"/>
+          <a:chExt cx="0" cy="0"/>
+        </a:xfrm>
+      </p:grpSpPr>
+      <p:sp>
+        <p:nvSpPr>
+          <p:cNvPr id="160" name="Google Shape;160;p10"/>
+          <p:cNvSpPr txBox="1">
+            <a:spLocks noGrp="1"/>
+          </p:cNvSpPr>
+          <p:nvPr>
+            <p:ph type="sldNum" idx="12"/>
+          </p:nvPr>
+        </p:nvSpPr>
+        <p:spPr>
+          <a:xfrm>
+            <a:off x="6457950" y="6356355"/>
+            <a:ext cx="2057400" cy="365125"/>
+          </a:xfrm>
+          <a:prstGeom prst="rect">
+            <a:avLst/>
+          </a:prstGeom>
+          <a:noFill/>
+          <a:ln>
+            <a:noFill/>
+          </a:ln>
+        </p:spPr>
+        <p:txBody>
+          <a:bodyPr spcFirstLastPara="1" wrap="square" lIns="91425" tIns="45700" rIns="91425" bIns="45700" anchor="ctr" anchorCtr="0">
+            <a:noAutofit/>
+          </a:bodyPr>
+          <a:lstStyle/>
+          <a:p>
+            <a:pPr marL="0" lvl="0" indent="0" algn="r" rtl="0">
+              <a:spcBef>
+                <a:spcPts val="0"/>
+              </a:spcBef>
+              <a:spcAft>
+                <a:spcPts val="0"/>
+              </a:spcAft>
+              <a:buNone/>
+            </a:pPr>
+            <a:fld id="{00000000-1234-1234-1234-123412341234}" type="slidenum">
+              <a:rPr lang="en-US"/>
+              <a:t>8</a:t>
+            </a:fld>
+            <a:endParaRPr/>
+          </a:p>
+        </p:txBody>
+      </p:sp>
+      <p:sp>
+        <p:nvSpPr>
+          <p:cNvPr id="162" name="Google Shape;162;p10"/>
+          <p:cNvSpPr txBox="1">
+            <a:spLocks noGrp="1"/>
+          </p:cNvSpPr>
+          <p:nvPr>
+            <p:ph type="title"/>
+          </p:nvPr>
+        </p:nvSpPr>
+        <p:spPr>
+          <a:xfrm>
+            <a:off x="628650" y="1131248"/>
+            <a:ext cx="7886700" cy="763455"/>
+          </a:xfrm>
+          <a:prstGeom prst="rect">
+            <a:avLst/>
+          </a:prstGeom>
+          <a:noFill/>
+          <a:ln>
+            <a:noFill/>
+          </a:ln>
+        </p:spPr>
+        <p:txBody>
+          <a:bodyPr spcFirstLastPara="1" wrap="square" lIns="91425" tIns="45700" rIns="91425" bIns="45700" anchor="ctr" anchorCtr="0">
+            <a:normAutofit/>
+          </a:bodyPr>
+          <a:lstStyle/>
+          <a:p>
+            <a:pPr marL="0" lvl="0" indent="0" algn="ctr" rtl="0">
+              <a:lnSpc>
+                <a:spcPct val="90000"/>
+              </a:lnSpc>
+              <a:spcBef>
+                <a:spcPts val="0"/>
+              </a:spcBef>
+              <a:spcAft>
+                <a:spcPts val="0"/>
+              </a:spcAft>
+              <a:buClr>
+                <a:schemeClr val="dk1"/>
+              </a:buClr>
+              <a:buSzPts val="4000"/>
+              <a:buFont typeface="Calibri"/>
+              <a:buNone/>
+            </a:pPr>
+            <a:r>
+              <a:rPr lang="es-ES" b="1" noProof="0" dirty="0"/>
+              <a:t>Estructura del curso</a:t>
+            </a:r>
+          </a:p>
+        </p:txBody>
+      </p:sp>
+      <p:sp>
+        <p:nvSpPr>
+          <p:cNvPr id="7" name="Google Shape;161;p10">
+            <a:extLst>
+              <a:ext uri="{FF2B5EF4-FFF2-40B4-BE49-F238E27FC236}">
+                <a16:creationId xmlns:a16="http://schemas.microsoft.com/office/drawing/2014/main" id="{804D3427-BB9E-430C-A752-CD2E89200422}"/>
+              </a:ext>
+            </a:extLst>
+          </p:cNvPr>
+          <p:cNvSpPr/>
+          <p:nvPr/>
+        </p:nvSpPr>
+        <p:spPr>
+          <a:xfrm>
+            <a:off x="467139" y="1968564"/>
+            <a:ext cx="8290362" cy="4247276"/>
+          </a:xfrm>
+          <a:prstGeom prst="rect">
+            <a:avLst/>
+          </a:prstGeom>
+          <a:noFill/>
+          <a:ln>
+            <a:noFill/>
+          </a:ln>
+        </p:spPr>
+        <p:txBody>
+          <a:bodyPr spcFirstLastPara="1" wrap="square" lIns="91425" tIns="45700" rIns="91425" bIns="45700" anchor="t" anchorCtr="0">
+            <a:spAutoFit/>
+          </a:bodyPr>
+          <a:lstStyle/>
+          <a:p>
+            <a:pPr marL="571500" marR="0" lvl="0" indent="-457200" algn="l" rtl="0">
+              <a:lnSpc>
+                <a:spcPct val="150000"/>
+              </a:lnSpc>
+              <a:spcBef>
+                <a:spcPts val="0"/>
+              </a:spcBef>
+              <a:spcAft>
+                <a:spcPts val="0"/>
+              </a:spcAft>
+              <a:buClr>
+                <a:schemeClr val="dk1"/>
+              </a:buClr>
+              <a:buSzPts val="1800"/>
+              <a:buFont typeface="Arial" panose="020B0604020202020204" pitchFamily="34" charset="0"/>
+              <a:buChar char="•"/>
+            </a:pPr>
+            <a:r>
+              <a:rPr lang="es-ES" sz="2000" dirty="0">
+                <a:solidFill>
+                  <a:schemeClr val="dk1"/>
+                </a:solidFill>
+                <a:latin typeface="Calibri"/>
+                <a:ea typeface="Calibri"/>
+                <a:cs typeface="Calibri"/>
+                <a:sym typeface="Calibri"/>
+              </a:rPr>
+              <a:t>Mezcla de sesiones online con sesiones presenciales.</a:t>
+            </a:r>
+          </a:p>
+          <a:p>
+            <a:pPr marL="571500" marR="0" lvl="0" indent="-457200" algn="l" rtl="0">
+              <a:lnSpc>
+                <a:spcPct val="150000"/>
+              </a:lnSpc>
+              <a:spcBef>
+                <a:spcPts val="0"/>
+              </a:spcBef>
+              <a:spcAft>
+                <a:spcPts val="0"/>
+              </a:spcAft>
+              <a:buClr>
+                <a:schemeClr val="dk1"/>
+              </a:buClr>
+              <a:buSzPts val="1800"/>
+              <a:buFont typeface="Arial" panose="020B0604020202020204" pitchFamily="34" charset="0"/>
+              <a:buChar char="•"/>
+            </a:pPr>
+            <a:r>
+              <a:rPr lang="es-ES" sz="2000" b="1" dirty="0">
+                <a:solidFill>
+                  <a:schemeClr val="dk1"/>
+                </a:solidFill>
+                <a:latin typeface="Calibri"/>
+                <a:ea typeface="Calibri"/>
+                <a:cs typeface="Calibri"/>
+                <a:sym typeface="Calibri"/>
+              </a:rPr>
+              <a:t>Sesiones online (SO): </a:t>
+            </a:r>
+            <a:r>
+              <a:rPr lang="es-ES" sz="2000" dirty="0">
+                <a:solidFill>
+                  <a:schemeClr val="dk1"/>
+                </a:solidFill>
+                <a:latin typeface="Calibri"/>
+                <a:ea typeface="Calibri"/>
+                <a:cs typeface="Calibri"/>
+                <a:sym typeface="Calibri"/>
+              </a:rPr>
+              <a:t>mayoritariamente teóricas, habrá algunos ejercicios que a completar asíncronamente.</a:t>
+            </a:r>
+          </a:p>
+          <a:p>
+            <a:pPr marL="571500" marR="0" lvl="0" indent="-457200" algn="l" rtl="0">
+              <a:lnSpc>
+                <a:spcPct val="150000"/>
+              </a:lnSpc>
+              <a:spcBef>
+                <a:spcPts val="0"/>
+              </a:spcBef>
+              <a:spcAft>
+                <a:spcPts val="0"/>
+              </a:spcAft>
+              <a:buClr>
+                <a:schemeClr val="dk1"/>
+              </a:buClr>
+              <a:buSzPts val="1800"/>
+              <a:buFont typeface="Arial" panose="020B0604020202020204" pitchFamily="34" charset="0"/>
+              <a:buChar char="•"/>
+            </a:pPr>
+            <a:r>
+              <a:rPr lang="es-ES" sz="2000" b="1" dirty="0">
+                <a:solidFill>
+                  <a:schemeClr val="dk1"/>
+                </a:solidFill>
+                <a:latin typeface="Calibri"/>
+                <a:ea typeface="Calibri"/>
+                <a:cs typeface="Calibri"/>
+                <a:sym typeface="Calibri"/>
+              </a:rPr>
+              <a:t>Sesiones presenciales (SP): </a:t>
+            </a:r>
+            <a:r>
+              <a:rPr lang="es-ES" sz="2000" dirty="0">
+                <a:solidFill>
+                  <a:schemeClr val="dk1"/>
+                </a:solidFill>
+                <a:latin typeface="Calibri"/>
+                <a:ea typeface="Calibri"/>
+                <a:cs typeface="Calibri"/>
+                <a:sym typeface="Calibri"/>
+              </a:rPr>
+              <a:t>mezcla de teoría y práctica. Es recomendable traer el ordenador personal con los programas necesarios instalados.</a:t>
+            </a:r>
+          </a:p>
+          <a:p>
+            <a:pPr marL="571500" marR="0" lvl="0" indent="-457200" algn="l" rtl="0">
+              <a:lnSpc>
+                <a:spcPct val="150000"/>
+              </a:lnSpc>
+              <a:spcBef>
+                <a:spcPts val="0"/>
+              </a:spcBef>
+              <a:spcAft>
+                <a:spcPts val="0"/>
+              </a:spcAft>
+              <a:buClr>
+                <a:schemeClr val="dk1"/>
+              </a:buClr>
+              <a:buSzPts val="1800"/>
+              <a:buFont typeface="Arial" panose="020B0604020202020204" pitchFamily="34" charset="0"/>
+              <a:buChar char="•"/>
+            </a:pPr>
+            <a:r>
+              <a:rPr lang="es-ES" sz="2000" b="1" dirty="0">
+                <a:solidFill>
+                  <a:schemeClr val="dk1"/>
+                </a:solidFill>
+                <a:latin typeface="Calibri"/>
+                <a:ea typeface="Calibri"/>
+                <a:cs typeface="Calibri"/>
+                <a:sym typeface="Calibri"/>
+              </a:rPr>
+              <a:t>Examen:</a:t>
+            </a:r>
+            <a:r>
+              <a:rPr lang="es-ES" sz="2000" dirty="0">
+                <a:solidFill>
+                  <a:schemeClr val="dk1"/>
+                </a:solidFill>
+                <a:latin typeface="Calibri"/>
+                <a:ea typeface="Calibri"/>
+                <a:cs typeface="Calibri"/>
+                <a:sym typeface="Calibri"/>
+              </a:rPr>
+              <a:t> online. Consistirá en un examen tipo test a realizar estando todos en una videollamada y una parte práctica a entregar antes de que termine el día.</a:t>
+            </a:r>
+            <a:endParaRPr lang="es-ES" sz="2000" b="1" dirty="0">
+              <a:solidFill>
+                <a:schemeClr val="dk1"/>
+              </a:solidFill>
+              <a:latin typeface="Calibri"/>
+              <a:ea typeface="Calibri"/>
+              <a:cs typeface="Calibri"/>
+              <a:sym typeface="Calibri"/>
+            </a:endParaRPr>
+          </a:p>
+        </p:txBody>
+      </p:sp>
+    </p:spTree>
+    <p:extLst>
+      <p:ext uri="{BB962C8B-B14F-4D97-AF65-F5344CB8AC3E}">
+        <p14:creationId xmlns:p14="http://schemas.microsoft.com/office/powerpoint/2010/main" val="580289304"/>
+      </p:ext>
+    </p:extLst>
+  </p:cSld>
+  <p:clrMapOvr>
+    <a:masterClrMapping/>
+  </p:clrMapOvr>
+</p:sld>
+</file>
+
+<file path=ppt/slides/slide9.xml><?xml version="1.0" encoding="utf-8"?>
+<p:sld xmlns:a="http://schemas.openxmlformats.org/drawingml/2006/main" xmlns:r="http://schemas.openxmlformats.org/officeDocument/2006/relationships" xmlns:p="http://schemas.openxmlformats.org/presentationml/2006/main">
+  <p:cSld>
+    <p:spTree>
+      <p:nvGrpSpPr>
+        <p:cNvPr id="1" name="Shape 159"/>
+        <p:cNvGrpSpPr/>
+        <p:nvPr/>
+      </p:nvGrpSpPr>
+      <p:grpSpPr>
+        <a:xfrm>
+          <a:off x="0" y="0"/>
+          <a:ext cx="0" cy="0"/>
+          <a:chOff x="0" y="0"/>
+          <a:chExt cx="0" cy="0"/>
+        </a:xfrm>
+      </p:grpSpPr>
+      <p:sp>
+        <p:nvSpPr>
+          <p:cNvPr id="160" name="Google Shape;160;p10"/>
+          <p:cNvSpPr txBox="1">
+            <a:spLocks noGrp="1"/>
+          </p:cNvSpPr>
+          <p:nvPr>
+            <p:ph type="sldNum" idx="12"/>
+          </p:nvPr>
+        </p:nvSpPr>
+        <p:spPr>
+          <a:xfrm>
+            <a:off x="6457950" y="6356355"/>
+            <a:ext cx="2057400" cy="365125"/>
+          </a:xfrm>
+          <a:prstGeom prst="rect">
+            <a:avLst/>
+          </a:prstGeom>
+          <a:noFill/>
+          <a:ln>
+            <a:noFill/>
+          </a:ln>
+        </p:spPr>
+        <p:txBody>
+          <a:bodyPr spcFirstLastPara="1" wrap="square" lIns="91425" tIns="45700" rIns="91425" bIns="45700" anchor="ctr" anchorCtr="0">
+            <a:noAutofit/>
+          </a:bodyPr>
+          <a:lstStyle/>
+          <a:p>
+            <a:pPr marL="0" lvl="0" indent="0" algn="r" rtl="0">
+              <a:spcBef>
+                <a:spcPts val="0"/>
+              </a:spcBef>
+              <a:spcAft>
+                <a:spcPts val="0"/>
+              </a:spcAft>
+              <a:buNone/>
+            </a:pPr>
+            <a:fld id="{00000000-1234-1234-1234-123412341234}" type="slidenum">
+              <a:rPr lang="en-US"/>
+              <a:t>9</a:t>
+            </a:fld>
+            <a:endParaRPr/>
+          </a:p>
+        </p:txBody>
+      </p:sp>
+      <p:sp>
+        <p:nvSpPr>
+          <p:cNvPr id="162" name="Google Shape;162;p10"/>
+          <p:cNvSpPr txBox="1">
+            <a:spLocks noGrp="1"/>
+          </p:cNvSpPr>
+          <p:nvPr>
+            <p:ph type="title"/>
+          </p:nvPr>
+        </p:nvSpPr>
+        <p:spPr>
+          <a:xfrm>
+            <a:off x="628650" y="1131248"/>
+            <a:ext cx="7886700" cy="763455"/>
+          </a:xfrm>
+          <a:prstGeom prst="rect">
+            <a:avLst/>
+          </a:prstGeom>
+          <a:noFill/>
+          <a:ln>
+            <a:noFill/>
+          </a:ln>
+        </p:spPr>
+        <p:txBody>
+          <a:bodyPr spcFirstLastPara="1" wrap="square" lIns="91425" tIns="45700" rIns="91425" bIns="45700" anchor="ctr" anchorCtr="0">
+            <a:normAutofit/>
+          </a:bodyPr>
+          <a:lstStyle/>
+          <a:p>
+            <a:pPr marL="0" lvl="0" indent="0" algn="ctr" rtl="0">
+              <a:lnSpc>
+                <a:spcPct val="90000"/>
+              </a:lnSpc>
+              <a:spcBef>
+                <a:spcPts val="0"/>
+              </a:spcBef>
+              <a:spcAft>
+                <a:spcPts val="0"/>
+              </a:spcAft>
+              <a:buClr>
+                <a:schemeClr val="dk1"/>
+              </a:buClr>
+              <a:buSzPts val="4000"/>
+              <a:buFont typeface="Calibri"/>
+              <a:buNone/>
+            </a:pPr>
+            <a:r>
+              <a:rPr lang="es-ES" b="1" noProof="0" dirty="0"/>
+              <a:t>Material</a:t>
+            </a:r>
+          </a:p>
+        </p:txBody>
+      </p:sp>
+      <p:sp>
+        <p:nvSpPr>
+          <p:cNvPr id="7" name="Google Shape;161;p10">
+            <a:extLst>
+              <a:ext uri="{FF2B5EF4-FFF2-40B4-BE49-F238E27FC236}">
+                <a16:creationId xmlns:a16="http://schemas.microsoft.com/office/drawing/2014/main" id="{804D3427-BB9E-430C-A752-CD2E89200422}"/>
+              </a:ext>
+            </a:extLst>
+          </p:cNvPr>
+          <p:cNvSpPr/>
+          <p:nvPr/>
+        </p:nvSpPr>
+        <p:spPr>
+          <a:xfrm>
+            <a:off x="467139" y="1968564"/>
+            <a:ext cx="8290362" cy="3323946"/>
+          </a:xfrm>
+          <a:prstGeom prst="rect">
+            <a:avLst/>
+          </a:prstGeom>
+          <a:noFill/>
+          <a:ln>
+            <a:noFill/>
+          </a:ln>
+        </p:spPr>
+        <p:txBody>
+          <a:bodyPr spcFirstLastPara="1" wrap="square" lIns="91425" tIns="45700" rIns="91425" bIns="45700" anchor="t" anchorCtr="0">
+            <a:spAutoFit/>
+          </a:bodyPr>
+          <a:lstStyle/>
+          <a:p>
+            <a:pPr marL="571500" marR="0" lvl="0" indent="-457200" algn="l" rtl="0">
+              <a:lnSpc>
+                <a:spcPct val="150000"/>
+              </a:lnSpc>
+              <a:spcBef>
+                <a:spcPts val="0"/>
+              </a:spcBef>
+              <a:spcAft>
+                <a:spcPts val="0"/>
+              </a:spcAft>
+              <a:buClr>
+                <a:schemeClr val="dk1"/>
+              </a:buClr>
+              <a:buSzPts val="1800"/>
+              <a:buFont typeface="Arial" panose="020B0604020202020204" pitchFamily="34" charset="0"/>
+              <a:buChar char="•"/>
+            </a:pPr>
+            <a:r>
+              <a:rPr lang="es-ES" sz="2000" dirty="0">
+                <a:solidFill>
+                  <a:schemeClr val="dk1"/>
+                </a:solidFill>
+                <a:latin typeface="Calibri"/>
+                <a:ea typeface="Calibri"/>
+                <a:cs typeface="Calibri"/>
+                <a:sym typeface="Calibri"/>
+              </a:rPr>
+              <a:t>Las presentaciones se subirán al Campus del máster.</a:t>
+            </a:r>
+          </a:p>
+          <a:p>
+            <a:pPr marL="571500" marR="0" lvl="0" indent="-457200" algn="l" rtl="0">
+              <a:lnSpc>
+                <a:spcPct val="150000"/>
+              </a:lnSpc>
+              <a:spcBef>
+                <a:spcPts val="0"/>
+              </a:spcBef>
+              <a:spcAft>
+                <a:spcPts val="0"/>
+              </a:spcAft>
+              <a:buClr>
+                <a:schemeClr val="dk1"/>
+              </a:buClr>
+              <a:buSzPts val="1800"/>
+              <a:buFont typeface="Arial" panose="020B0604020202020204" pitchFamily="34" charset="0"/>
+              <a:buChar char="•"/>
+            </a:pPr>
+            <a:r>
+              <a:rPr lang="es-ES" sz="2000" dirty="0">
+                <a:solidFill>
+                  <a:schemeClr val="dk1"/>
+                </a:solidFill>
+                <a:latin typeface="Calibri"/>
+                <a:ea typeface="Calibri"/>
+                <a:cs typeface="Calibri"/>
+                <a:sym typeface="Calibri"/>
+              </a:rPr>
+              <a:t>La parte práctica de la asignatura consistirá en ejemplos y ejercicios de Python que se llevaran a cabo usando lo que se conoce como </a:t>
+            </a:r>
+            <a:r>
+              <a:rPr lang="es-ES" sz="2000" dirty="0" err="1">
+                <a:solidFill>
+                  <a:schemeClr val="dk1"/>
+                </a:solidFill>
+                <a:latin typeface="Calibri"/>
+                <a:ea typeface="Calibri"/>
+                <a:cs typeface="Calibri"/>
+                <a:sym typeface="Calibri"/>
+              </a:rPr>
+              <a:t>Jupyter</a:t>
+            </a:r>
+            <a:r>
+              <a:rPr lang="es-ES" sz="2000" dirty="0">
+                <a:solidFill>
+                  <a:schemeClr val="dk1"/>
+                </a:solidFill>
+                <a:latin typeface="Calibri"/>
+                <a:ea typeface="Calibri"/>
+                <a:cs typeface="Calibri"/>
+                <a:sym typeface="Calibri"/>
+              </a:rPr>
+              <a:t> Notebooks, un tipo de archivo que permite intercalar texto con código.</a:t>
+            </a:r>
+          </a:p>
+          <a:p>
+            <a:pPr marL="571500" marR="0" lvl="0" indent="-457200" algn="l" rtl="0">
+              <a:lnSpc>
+                <a:spcPct val="150000"/>
+              </a:lnSpc>
+              <a:spcBef>
+                <a:spcPts val="0"/>
+              </a:spcBef>
+              <a:spcAft>
+                <a:spcPts val="0"/>
+              </a:spcAft>
+              <a:buClr>
+                <a:schemeClr val="dk1"/>
+              </a:buClr>
+              <a:buSzPts val="1800"/>
+              <a:buFont typeface="Arial" panose="020B0604020202020204" pitchFamily="34" charset="0"/>
+              <a:buChar char="•"/>
+            </a:pPr>
+            <a:r>
+              <a:rPr lang="es-ES" sz="2000" dirty="0">
+                <a:solidFill>
+                  <a:schemeClr val="dk1"/>
+                </a:solidFill>
+                <a:latin typeface="Calibri"/>
+                <a:ea typeface="Calibri"/>
+                <a:cs typeface="Calibri"/>
+                <a:sym typeface="Calibri"/>
+              </a:rPr>
+              <a:t>Los datos y los notebooks que usaremos se pueden encontrar en el repositorio de </a:t>
+            </a:r>
+            <a:r>
+              <a:rPr lang="es-ES" sz="2000" dirty="0" err="1">
+                <a:solidFill>
+                  <a:schemeClr val="dk1"/>
+                </a:solidFill>
+                <a:latin typeface="Calibri"/>
+                <a:ea typeface="Calibri"/>
+                <a:cs typeface="Calibri"/>
+                <a:sym typeface="Calibri"/>
+              </a:rPr>
+              <a:t>Github</a:t>
+            </a:r>
+            <a:r>
+              <a:rPr lang="es-ES" sz="2000" dirty="0">
+                <a:solidFill>
+                  <a:schemeClr val="dk1"/>
+                </a:solidFill>
+                <a:latin typeface="Calibri"/>
+                <a:ea typeface="Calibri"/>
+                <a:cs typeface="Calibri"/>
+                <a:sym typeface="Calibri"/>
+              </a:rPr>
+              <a:t> de la asignatura:</a:t>
+            </a:r>
+          </a:p>
+          <a:p>
+            <a:pPr marL="114300" marR="0" lvl="0" algn="ctr" rtl="0">
+              <a:lnSpc>
+                <a:spcPct val="150000"/>
+              </a:lnSpc>
+              <a:spcBef>
+                <a:spcPts val="0"/>
+              </a:spcBef>
+              <a:spcAft>
+                <a:spcPts val="0"/>
+              </a:spcAft>
+              <a:buClr>
+                <a:schemeClr val="dk1"/>
+              </a:buClr>
+              <a:buSzPts val="1800"/>
+            </a:pPr>
+            <a:r>
+              <a:rPr lang="es-ES" sz="2000" dirty="0">
+                <a:solidFill>
+                  <a:schemeClr val="dk1"/>
+                </a:solidFill>
+                <a:latin typeface="Calibri"/>
+                <a:ea typeface="Calibri"/>
+                <a:cs typeface="Calibri"/>
+                <a:sym typeface="Calibri"/>
+                <a:hlinkClick r:id="rId3"/>
+              </a:rPr>
+              <a:t>https://github.com/marcjene/Mecatronica-BDyML-2425</a:t>
+            </a:r>
+            <a:r>
+              <a:rPr lang="es-ES" sz="2000" dirty="0">
+                <a:solidFill>
+                  <a:schemeClr val="dk1"/>
+                </a:solidFill>
+                <a:latin typeface="Calibri"/>
+                <a:ea typeface="Calibri"/>
+                <a:cs typeface="Calibri"/>
+                <a:sym typeface="Calibri"/>
+              </a:rPr>
+              <a:t> </a:t>
+            </a:r>
+          </a:p>
+        </p:txBody>
+      </p:sp>
+    </p:spTree>
+    <p:extLst>
+      <p:ext uri="{BB962C8B-B14F-4D97-AF65-F5344CB8AC3E}">
+        <p14:creationId xmlns:p14="http://schemas.microsoft.com/office/powerpoint/2010/main" val="1056491858"/>
+      </p:ext>
+    </p:extLst>
   </p:cSld>
   <p:clrMapOvr>
     <a:masterClrMapping/>
